--- a/Material pedagógico/Modulo 1/Clase 3/clase_3 - Modulo 1.pptx
+++ b/Material pedagógico/Modulo 1/Clase 3/clase_3 - Modulo 1.pptx
@@ -5,29 +5,26 @@
     <p:sldMasterId id="2147483648" r:id="rId2"/>
     <p:sldMasterId id="2147483650" r:id="rId3"/>
     <p:sldMasterId id="2147483652" r:id="rId4"/>
-    <p:sldMasterId id="2147483656" r:id="rId5"/>
-    <p:sldMasterId id="2147483658" r:id="rId6"/>
-    <p:sldMasterId id="2147483660" r:id="rId7"/>
-    <p:sldMasterId id="2147483662" r:id="rId8"/>
-    <p:sldMasterId id="2147483663" r:id="rId9"/>
-    <p:sldMasterId id="2147483664" r:id="rId10"/>
-    <p:sldMasterId id="2147483665" r:id="rId11"/>
-    <p:sldMasterId id="2147483666" r:id="rId12"/>
+    <p:sldMasterId id="2147483654" r:id="rId5"/>
+    <p:sldMasterId id="2147483656" r:id="rId6"/>
+    <p:sldMasterId id="2147483658" r:id="rId7"/>
+    <p:sldMasterId id="2147483660" r:id="rId8"/>
+    <p:sldMasterId id="2147483662" r:id="rId9"/>
   </p:sldMasterIdLst>
   <p:notesMasterIdLst>
-    <p:notesMasterId r:id="rId13"/>
+    <p:notesMasterId r:id="rId10"/>
   </p:notesMasterIdLst>
   <p:sldIdLst>
-    <p:sldId id="256" r:id="rId14"/>
-    <p:sldId id="257" r:id="rId15"/>
-    <p:sldId id="258" r:id="rId16"/>
-    <p:sldId id="259" r:id="rId17"/>
-    <p:sldId id="260" r:id="rId18"/>
-    <p:sldId id="261" r:id="rId19"/>
-    <p:sldId id="262" r:id="rId20"/>
-    <p:sldId id="263" r:id="rId21"/>
-    <p:sldId id="264" r:id="rId22"/>
-    <p:sldId id="265" r:id="rId23"/>
+    <p:sldId id="256" r:id="rId11"/>
+    <p:sldId id="257" r:id="rId12"/>
+    <p:sldId id="258" r:id="rId13"/>
+    <p:sldId id="259" r:id="rId14"/>
+    <p:sldId id="260" r:id="rId15"/>
+    <p:sldId id="261" r:id="rId16"/>
+    <p:sldId id="262" r:id="rId17"/>
+    <p:sldId id="263" r:id="rId18"/>
+    <p:sldId id="264" r:id="rId19"/>
+    <p:sldId id="265" r:id="rId20"/>
   </p:sldIdLst>
   <p:sldSz cx="12192000" cy="6858000"/>
   <p:notesSz cx="6858000" cy="9144000"/>
@@ -53,7 +50,7 @@
       </p:grpSpPr>
       <p:sp>
         <p:nvSpPr>
-          <p:cNvPr id="62" name="PlaceHolder 1"/>
+          <p:cNvPr id="66" name="PlaceHolder 1"/>
           <p:cNvSpPr>
             <a:spLocks noGrp="1"/>
           </p:cNvSpPr>
@@ -64,7 +61,7 @@
         <p:spPr>
           <a:xfrm>
             <a:off x="0" y="764280"/>
-            <a:ext cx="360" cy="360"/>
+            <a:ext cx="0" cy="0"/>
           </a:xfrm>
           <a:prstGeom prst="rect">
             <a:avLst/>
@@ -100,7 +97,7 @@
       </p:sp>
       <p:sp>
         <p:nvSpPr>
-          <p:cNvPr id="63" name="PlaceHolder 2"/>
+          <p:cNvPr id="67" name="PlaceHolder 2"/>
           <p:cNvSpPr>
             <a:spLocks noGrp="1"/>
           </p:cNvSpPr>
@@ -149,7 +146,7 @@
       </p:sp>
       <p:sp>
         <p:nvSpPr>
-          <p:cNvPr id="64" name="PlaceHolder 3"/>
+          <p:cNvPr id="68" name="PlaceHolder 3"/>
           <p:cNvSpPr>
             <a:spLocks noGrp="1"/>
           </p:cNvSpPr>
@@ -198,12 +195,12 @@
       </p:sp>
       <p:sp>
         <p:nvSpPr>
-          <p:cNvPr id="65" name="PlaceHolder 4"/>
+          <p:cNvPr id="69" name="PlaceHolder 4"/>
           <p:cNvSpPr>
             <a:spLocks noGrp="1"/>
           </p:cNvSpPr>
           <p:nvPr>
-            <p:ph type="dt" idx="34"/>
+            <p:ph type="dt" idx="25"/>
           </p:nvPr>
         </p:nvSpPr>
         <p:spPr>
@@ -258,12 +255,12 @@
       </p:sp>
       <p:sp>
         <p:nvSpPr>
-          <p:cNvPr id="66" name="PlaceHolder 5"/>
+          <p:cNvPr id="70" name="PlaceHolder 5"/>
           <p:cNvSpPr>
             <a:spLocks noGrp="1"/>
           </p:cNvSpPr>
           <p:nvPr>
-            <p:ph type="ftr" idx="35"/>
+            <p:ph type="ftr" idx="26"/>
           </p:nvPr>
         </p:nvSpPr>
         <p:spPr>
@@ -318,12 +315,12 @@
       </p:sp>
       <p:sp>
         <p:nvSpPr>
-          <p:cNvPr id="67" name="PlaceHolder 6"/>
+          <p:cNvPr id="71" name="PlaceHolder 6"/>
           <p:cNvSpPr>
             <a:spLocks noGrp="1"/>
           </p:cNvSpPr>
           <p:nvPr>
-            <p:ph type="sldNum" idx="36"/>
+            <p:ph type="sldNum" idx="27"/>
           </p:nvPr>
         </p:nvSpPr>
         <p:spPr>
@@ -358,7 +355,7 @@
             <a:pPr indent="0" algn="r">
               <a:buNone/>
             </a:pPr>
-            <a:fld id="{1584B303-2AF3-4A24-B6FC-2433C2A84FA2}" type="slidenum">
+            <a:fld id="{E3054DBA-4BD8-441F-A987-321E39AB745D}" type="slidenum">
               <a:rPr b="0" lang="es-CO" sz="1400" spc="-1" strike="noStrike">
                 <a:solidFill>
                   <a:srgbClr val="000000"/>
@@ -401,7 +398,7 @@
       </p:grpSpPr>
       <p:sp>
         <p:nvSpPr>
-          <p:cNvPr id="165" name="PlaceHolder 1"/>
+          <p:cNvPr id="169" name="PlaceHolder 1"/>
           <p:cNvSpPr>
             <a:spLocks noGrp="1"/>
           </p:cNvSpPr>
@@ -412,19 +409,19 @@
         <p:spPr>
           <a:xfrm>
             <a:off x="685800" y="1143000"/>
-            <a:ext cx="5484960" cy="3084840"/>
-          </a:xfrm>
-          <a:prstGeom prst="rect">
-            <a:avLst/>
-          </a:prstGeom>
-          <a:ln w="0">
-            <a:noFill/>
-          </a:ln>
-        </p:spPr>
-      </p:sp>
-      <p:sp>
-        <p:nvSpPr>
-          <p:cNvPr id="166" name="PlaceHolder 2"/>
+            <a:ext cx="5484600" cy="3084480"/>
+          </a:xfrm>
+          <a:prstGeom prst="rect">
+            <a:avLst/>
+          </a:prstGeom>
+          <a:ln w="0">
+            <a:noFill/>
+          </a:ln>
+        </p:spPr>
+      </p:sp>
+      <p:sp>
+        <p:nvSpPr>
+          <p:cNvPr id="170" name="PlaceHolder 2"/>
           <p:cNvSpPr>
             <a:spLocks noGrp="1"/>
           </p:cNvSpPr>
@@ -435,7 +432,7 @@
         <p:spPr>
           <a:xfrm>
             <a:off x="685800" y="4400640"/>
-            <a:ext cx="5484960" cy="3599280"/>
+            <a:ext cx="5484600" cy="3598920"/>
           </a:xfrm>
           <a:prstGeom prst="rect">
             <a:avLst/>
@@ -464,18 +461,18 @@
       </p:sp>
       <p:sp>
         <p:nvSpPr>
-          <p:cNvPr id="167" name="PlaceHolder 3"/>
+          <p:cNvPr id="171" name="PlaceHolder 3"/>
           <p:cNvSpPr>
             <a:spLocks noGrp="1"/>
           </p:cNvSpPr>
           <p:nvPr>
-            <p:ph type="sldNum" idx="37"/>
+            <p:ph type="sldNum" idx="28"/>
           </p:nvPr>
         </p:nvSpPr>
         <p:spPr>
           <a:xfrm>
             <a:off x="3884760" y="8685360"/>
-            <a:ext cx="2970360" cy="457200"/>
+            <a:ext cx="2970000" cy="456840"/>
           </a:xfrm>
           <a:prstGeom prst="rect">
             <a:avLst/>
@@ -516,7 +513,7 @@
                 <a:tab algn="l" pos="0"/>
               </a:tabLst>
             </a:pPr>
-            <a:fld id="{18BB9639-56A8-4940-A4F7-1C322A04BEF9}" type="slidenum">
+            <a:fld id="{2317DB27-F142-4D93-BB98-6683BB0B0ABF}" type="slidenum">
               <a:rPr b="0" lang="es-CO" sz="1400" spc="-1" strike="noStrike">
                 <a:solidFill>
                   <a:srgbClr val="000000"/>
@@ -558,7 +555,7 @@
       </p:grpSpPr>
       <p:sp>
         <p:nvSpPr>
-          <p:cNvPr id="192" name="PlaceHolder 1"/>
+          <p:cNvPr id="196" name="PlaceHolder 1"/>
           <p:cNvSpPr>
             <a:spLocks noGrp="1"/>
           </p:cNvSpPr>
@@ -569,19 +566,19 @@
         <p:spPr>
           <a:xfrm>
             <a:off x="685800" y="1143000"/>
-            <a:ext cx="5484960" cy="3084840"/>
-          </a:xfrm>
-          <a:prstGeom prst="rect">
-            <a:avLst/>
-          </a:prstGeom>
-          <a:ln w="0">
-            <a:noFill/>
-          </a:ln>
-        </p:spPr>
-      </p:sp>
-      <p:sp>
-        <p:nvSpPr>
-          <p:cNvPr id="193" name="PlaceHolder 2"/>
+            <a:ext cx="5484600" cy="3084480"/>
+          </a:xfrm>
+          <a:prstGeom prst="rect">
+            <a:avLst/>
+          </a:prstGeom>
+          <a:ln w="0">
+            <a:noFill/>
+          </a:ln>
+        </p:spPr>
+      </p:sp>
+      <p:sp>
+        <p:nvSpPr>
+          <p:cNvPr id="197" name="PlaceHolder 2"/>
           <p:cNvSpPr>
             <a:spLocks noGrp="1"/>
           </p:cNvSpPr>
@@ -592,7 +589,7 @@
         <p:spPr>
           <a:xfrm>
             <a:off x="685800" y="4400640"/>
-            <a:ext cx="5484960" cy="3599280"/>
+            <a:ext cx="5484600" cy="3598920"/>
           </a:xfrm>
           <a:prstGeom prst="rect">
             <a:avLst/>
@@ -621,18 +618,18 @@
       </p:sp>
       <p:sp>
         <p:nvSpPr>
-          <p:cNvPr id="194" name="PlaceHolder 3"/>
+          <p:cNvPr id="198" name="PlaceHolder 3"/>
           <p:cNvSpPr>
             <a:spLocks noGrp="1"/>
           </p:cNvSpPr>
           <p:nvPr>
-            <p:ph type="sldNum" idx="46"/>
+            <p:ph type="sldNum" idx="37"/>
           </p:nvPr>
         </p:nvSpPr>
         <p:spPr>
           <a:xfrm>
             <a:off x="3884760" y="8685360"/>
-            <a:ext cx="2970360" cy="457200"/>
+            <a:ext cx="2970000" cy="456840"/>
           </a:xfrm>
           <a:prstGeom prst="rect">
             <a:avLst/>
@@ -673,7 +670,7 @@
                 <a:tab algn="l" pos="0"/>
               </a:tabLst>
             </a:pPr>
-            <a:fld id="{3EF50C37-83D6-4F86-990F-B455FDB7B364}" type="slidenum">
+            <a:fld id="{4AAC7EE7-C230-4A02-87C4-DB02E03FD1FA}" type="slidenum">
               <a:rPr b="0" lang="es-CO" sz="1400" spc="-1" strike="noStrike">
                 <a:solidFill>
                   <a:srgbClr val="000000"/>
@@ -715,7 +712,7 @@
       </p:grpSpPr>
       <p:sp>
         <p:nvSpPr>
-          <p:cNvPr id="168" name="PlaceHolder 1"/>
+          <p:cNvPr id="172" name="PlaceHolder 1"/>
           <p:cNvSpPr>
             <a:spLocks noGrp="1"/>
           </p:cNvSpPr>
@@ -726,19 +723,19 @@
         <p:spPr>
           <a:xfrm>
             <a:off x="685800" y="1143000"/>
-            <a:ext cx="5484960" cy="3084840"/>
-          </a:xfrm>
-          <a:prstGeom prst="rect">
-            <a:avLst/>
-          </a:prstGeom>
-          <a:ln w="0">
-            <a:noFill/>
-          </a:ln>
-        </p:spPr>
-      </p:sp>
-      <p:sp>
-        <p:nvSpPr>
-          <p:cNvPr id="169" name="PlaceHolder 2"/>
+            <a:ext cx="5484600" cy="3084480"/>
+          </a:xfrm>
+          <a:prstGeom prst="rect">
+            <a:avLst/>
+          </a:prstGeom>
+          <a:ln w="0">
+            <a:noFill/>
+          </a:ln>
+        </p:spPr>
+      </p:sp>
+      <p:sp>
+        <p:nvSpPr>
+          <p:cNvPr id="173" name="PlaceHolder 2"/>
           <p:cNvSpPr>
             <a:spLocks noGrp="1"/>
           </p:cNvSpPr>
@@ -749,7 +746,7 @@
         <p:spPr>
           <a:xfrm>
             <a:off x="685800" y="4400640"/>
-            <a:ext cx="5484960" cy="3599280"/>
+            <a:ext cx="5484600" cy="3598920"/>
           </a:xfrm>
           <a:prstGeom prst="rect">
             <a:avLst/>
@@ -778,18 +775,18 @@
       </p:sp>
       <p:sp>
         <p:nvSpPr>
-          <p:cNvPr id="170" name="PlaceHolder 3"/>
+          <p:cNvPr id="174" name="PlaceHolder 3"/>
           <p:cNvSpPr>
             <a:spLocks noGrp="1"/>
           </p:cNvSpPr>
           <p:nvPr>
-            <p:ph type="sldNum" idx="38"/>
+            <p:ph type="sldNum" idx="29"/>
           </p:nvPr>
         </p:nvSpPr>
         <p:spPr>
           <a:xfrm>
             <a:off x="3884760" y="8685360"/>
-            <a:ext cx="2970360" cy="457200"/>
+            <a:ext cx="2970000" cy="456840"/>
           </a:xfrm>
           <a:prstGeom prst="rect">
             <a:avLst/>
@@ -830,7 +827,7 @@
                 <a:tab algn="l" pos="0"/>
               </a:tabLst>
             </a:pPr>
-            <a:fld id="{5029110B-E846-40BB-8032-657C7BA22A61}" type="slidenum">
+            <a:fld id="{F4741DA6-D128-42BD-BE37-AE6E6284FA4A}" type="slidenum">
               <a:rPr b="0" lang="es-CO" sz="1400" spc="-1" strike="noStrike">
                 <a:solidFill>
                   <a:srgbClr val="000000"/>
@@ -872,7 +869,7 @@
       </p:grpSpPr>
       <p:sp>
         <p:nvSpPr>
-          <p:cNvPr id="171" name="PlaceHolder 1"/>
+          <p:cNvPr id="175" name="PlaceHolder 1"/>
           <p:cNvSpPr>
             <a:spLocks noGrp="1"/>
           </p:cNvSpPr>
@@ -883,19 +880,19 @@
         <p:spPr>
           <a:xfrm>
             <a:off x="685800" y="1143000"/>
-            <a:ext cx="5484960" cy="3084840"/>
-          </a:xfrm>
-          <a:prstGeom prst="rect">
-            <a:avLst/>
-          </a:prstGeom>
-          <a:ln w="0">
-            <a:noFill/>
-          </a:ln>
-        </p:spPr>
-      </p:sp>
-      <p:sp>
-        <p:nvSpPr>
-          <p:cNvPr id="172" name="PlaceHolder 2"/>
+            <a:ext cx="5484600" cy="3084480"/>
+          </a:xfrm>
+          <a:prstGeom prst="rect">
+            <a:avLst/>
+          </a:prstGeom>
+          <a:ln w="0">
+            <a:noFill/>
+          </a:ln>
+        </p:spPr>
+      </p:sp>
+      <p:sp>
+        <p:nvSpPr>
+          <p:cNvPr id="176" name="PlaceHolder 2"/>
           <p:cNvSpPr>
             <a:spLocks noGrp="1"/>
           </p:cNvSpPr>
@@ -906,7 +903,7 @@
         <p:spPr>
           <a:xfrm>
             <a:off x="685800" y="4400640"/>
-            <a:ext cx="5484960" cy="3599280"/>
+            <a:ext cx="5484600" cy="3598920"/>
           </a:xfrm>
           <a:prstGeom prst="rect">
             <a:avLst/>
@@ -935,18 +932,18 @@
       </p:sp>
       <p:sp>
         <p:nvSpPr>
-          <p:cNvPr id="173" name="PlaceHolder 3"/>
+          <p:cNvPr id="177" name="PlaceHolder 3"/>
           <p:cNvSpPr>
             <a:spLocks noGrp="1"/>
           </p:cNvSpPr>
           <p:nvPr>
-            <p:ph type="sldNum" idx="39"/>
+            <p:ph type="sldNum" idx="30"/>
           </p:nvPr>
         </p:nvSpPr>
         <p:spPr>
           <a:xfrm>
             <a:off x="3884760" y="8685360"/>
-            <a:ext cx="2970360" cy="457200"/>
+            <a:ext cx="2970000" cy="456840"/>
           </a:xfrm>
           <a:prstGeom prst="rect">
             <a:avLst/>
@@ -987,7 +984,7 @@
                 <a:tab algn="l" pos="0"/>
               </a:tabLst>
             </a:pPr>
-            <a:fld id="{9D302963-7F43-4C7F-9B3C-11EFFEB60C0C}" type="slidenum">
+            <a:fld id="{AB831EB3-DEF8-42F8-B989-71EFDDA3F70D}" type="slidenum">
               <a:rPr b="0" lang="es-CO" sz="1400" spc="-1" strike="noStrike">
                 <a:solidFill>
                   <a:srgbClr val="000000"/>
@@ -1029,7 +1026,7 @@
       </p:grpSpPr>
       <p:sp>
         <p:nvSpPr>
-          <p:cNvPr id="174" name="PlaceHolder 1"/>
+          <p:cNvPr id="178" name="PlaceHolder 1"/>
           <p:cNvSpPr>
             <a:spLocks noGrp="1"/>
           </p:cNvSpPr>
@@ -1040,19 +1037,19 @@
         <p:spPr>
           <a:xfrm>
             <a:off x="685800" y="1143000"/>
-            <a:ext cx="5484960" cy="3084840"/>
-          </a:xfrm>
-          <a:prstGeom prst="rect">
-            <a:avLst/>
-          </a:prstGeom>
-          <a:ln w="0">
-            <a:noFill/>
-          </a:ln>
-        </p:spPr>
-      </p:sp>
-      <p:sp>
-        <p:nvSpPr>
-          <p:cNvPr id="175" name="PlaceHolder 2"/>
+            <a:ext cx="5484600" cy="3084480"/>
+          </a:xfrm>
+          <a:prstGeom prst="rect">
+            <a:avLst/>
+          </a:prstGeom>
+          <a:ln w="0">
+            <a:noFill/>
+          </a:ln>
+        </p:spPr>
+      </p:sp>
+      <p:sp>
+        <p:nvSpPr>
+          <p:cNvPr id="179" name="PlaceHolder 2"/>
           <p:cNvSpPr>
             <a:spLocks noGrp="1"/>
           </p:cNvSpPr>
@@ -1063,7 +1060,7 @@
         <p:spPr>
           <a:xfrm>
             <a:off x="685800" y="4400640"/>
-            <a:ext cx="5484960" cy="3599280"/>
+            <a:ext cx="5484600" cy="3598920"/>
           </a:xfrm>
           <a:prstGeom prst="rect">
             <a:avLst/>
@@ -1092,18 +1089,18 @@
       </p:sp>
       <p:sp>
         <p:nvSpPr>
-          <p:cNvPr id="176" name="PlaceHolder 3"/>
+          <p:cNvPr id="180" name="PlaceHolder 3"/>
           <p:cNvSpPr>
             <a:spLocks noGrp="1"/>
           </p:cNvSpPr>
           <p:nvPr>
-            <p:ph type="sldNum" idx="40"/>
+            <p:ph type="sldNum" idx="31"/>
           </p:nvPr>
         </p:nvSpPr>
         <p:spPr>
           <a:xfrm>
             <a:off x="3884760" y="8685360"/>
-            <a:ext cx="2970360" cy="457200"/>
+            <a:ext cx="2970000" cy="456840"/>
           </a:xfrm>
           <a:prstGeom prst="rect">
             <a:avLst/>
@@ -1144,7 +1141,7 @@
                 <a:tab algn="l" pos="0"/>
               </a:tabLst>
             </a:pPr>
-            <a:fld id="{FFD30E2E-51DF-44D4-9AFF-7C34C973A661}" type="slidenum">
+            <a:fld id="{5C5084BA-9695-4447-84B0-6BCCCC736762}" type="slidenum">
               <a:rPr b="0" lang="es-CO" sz="1400" spc="-1" strike="noStrike">
                 <a:solidFill>
                   <a:srgbClr val="000000"/>
@@ -1186,7 +1183,7 @@
       </p:grpSpPr>
       <p:sp>
         <p:nvSpPr>
-          <p:cNvPr id="177" name="PlaceHolder 1"/>
+          <p:cNvPr id="181" name="PlaceHolder 1"/>
           <p:cNvSpPr>
             <a:spLocks noGrp="1"/>
           </p:cNvSpPr>
@@ -1197,19 +1194,19 @@
         <p:spPr>
           <a:xfrm>
             <a:off x="685800" y="1143000"/>
-            <a:ext cx="5484960" cy="3084840"/>
-          </a:xfrm>
-          <a:prstGeom prst="rect">
-            <a:avLst/>
-          </a:prstGeom>
-          <a:ln w="0">
-            <a:noFill/>
-          </a:ln>
-        </p:spPr>
-      </p:sp>
-      <p:sp>
-        <p:nvSpPr>
-          <p:cNvPr id="178" name="PlaceHolder 2"/>
+            <a:ext cx="5484600" cy="3084480"/>
+          </a:xfrm>
+          <a:prstGeom prst="rect">
+            <a:avLst/>
+          </a:prstGeom>
+          <a:ln w="0">
+            <a:noFill/>
+          </a:ln>
+        </p:spPr>
+      </p:sp>
+      <p:sp>
+        <p:nvSpPr>
+          <p:cNvPr id="182" name="PlaceHolder 2"/>
           <p:cNvSpPr>
             <a:spLocks noGrp="1"/>
           </p:cNvSpPr>
@@ -1220,7 +1217,7 @@
         <p:spPr>
           <a:xfrm>
             <a:off x="685800" y="4400640"/>
-            <a:ext cx="5484960" cy="3599280"/>
+            <a:ext cx="5484600" cy="3598920"/>
           </a:xfrm>
           <a:prstGeom prst="rect">
             <a:avLst/>
@@ -1249,18 +1246,18 @@
       </p:sp>
       <p:sp>
         <p:nvSpPr>
-          <p:cNvPr id="179" name="PlaceHolder 3"/>
+          <p:cNvPr id="183" name="PlaceHolder 3"/>
           <p:cNvSpPr>
             <a:spLocks noGrp="1"/>
           </p:cNvSpPr>
           <p:nvPr>
-            <p:ph type="sldNum" idx="41"/>
+            <p:ph type="sldNum" idx="32"/>
           </p:nvPr>
         </p:nvSpPr>
         <p:spPr>
           <a:xfrm>
             <a:off x="3884760" y="8685360"/>
-            <a:ext cx="2970360" cy="457200"/>
+            <a:ext cx="2970000" cy="456840"/>
           </a:xfrm>
           <a:prstGeom prst="rect">
             <a:avLst/>
@@ -1301,7 +1298,7 @@
                 <a:tab algn="l" pos="0"/>
               </a:tabLst>
             </a:pPr>
-            <a:fld id="{A40D0DBE-BE03-44D6-948D-ECDFE4F58292}" type="slidenum">
+            <a:fld id="{EFBCCF60-029C-4BDC-9C8F-02D42C2ABC43}" type="slidenum">
               <a:rPr b="0" lang="es-CO" sz="1400" spc="-1" strike="noStrike">
                 <a:solidFill>
                   <a:srgbClr val="000000"/>
@@ -1343,7 +1340,7 @@
       </p:grpSpPr>
       <p:sp>
         <p:nvSpPr>
-          <p:cNvPr id="180" name="PlaceHolder 1"/>
+          <p:cNvPr id="184" name="PlaceHolder 1"/>
           <p:cNvSpPr>
             <a:spLocks noGrp="1"/>
           </p:cNvSpPr>
@@ -1354,19 +1351,19 @@
         <p:spPr>
           <a:xfrm>
             <a:off x="685800" y="1143000"/>
-            <a:ext cx="5484960" cy="3084840"/>
-          </a:xfrm>
-          <a:prstGeom prst="rect">
-            <a:avLst/>
-          </a:prstGeom>
-          <a:ln w="0">
-            <a:noFill/>
-          </a:ln>
-        </p:spPr>
-      </p:sp>
-      <p:sp>
-        <p:nvSpPr>
-          <p:cNvPr id="181" name="PlaceHolder 2"/>
+            <a:ext cx="5484600" cy="3084480"/>
+          </a:xfrm>
+          <a:prstGeom prst="rect">
+            <a:avLst/>
+          </a:prstGeom>
+          <a:ln w="0">
+            <a:noFill/>
+          </a:ln>
+        </p:spPr>
+      </p:sp>
+      <p:sp>
+        <p:nvSpPr>
+          <p:cNvPr id="185" name="PlaceHolder 2"/>
           <p:cNvSpPr>
             <a:spLocks noGrp="1"/>
           </p:cNvSpPr>
@@ -1377,7 +1374,7 @@
         <p:spPr>
           <a:xfrm>
             <a:off x="685800" y="4400640"/>
-            <a:ext cx="5484960" cy="3599280"/>
+            <a:ext cx="5484600" cy="3598920"/>
           </a:xfrm>
           <a:prstGeom prst="rect">
             <a:avLst/>
@@ -1406,18 +1403,18 @@
       </p:sp>
       <p:sp>
         <p:nvSpPr>
-          <p:cNvPr id="182" name="PlaceHolder 3"/>
+          <p:cNvPr id="186" name="PlaceHolder 3"/>
           <p:cNvSpPr>
             <a:spLocks noGrp="1"/>
           </p:cNvSpPr>
           <p:nvPr>
-            <p:ph type="sldNum" idx="42"/>
+            <p:ph type="sldNum" idx="33"/>
           </p:nvPr>
         </p:nvSpPr>
         <p:spPr>
           <a:xfrm>
             <a:off x="3884760" y="8685360"/>
-            <a:ext cx="2970360" cy="457200"/>
+            <a:ext cx="2970000" cy="456840"/>
           </a:xfrm>
           <a:prstGeom prst="rect">
             <a:avLst/>
@@ -1458,7 +1455,7 @@
                 <a:tab algn="l" pos="0"/>
               </a:tabLst>
             </a:pPr>
-            <a:fld id="{AD6996DC-A0B4-45C8-B91F-EFB034CF84D2}" type="slidenum">
+            <a:fld id="{6434F3EF-2F53-4773-991E-1E526ED1066D}" type="slidenum">
               <a:rPr b="0" lang="es-CO" sz="1400" spc="-1" strike="noStrike">
                 <a:solidFill>
                   <a:srgbClr val="000000"/>
@@ -1500,7 +1497,7 @@
       </p:grpSpPr>
       <p:sp>
         <p:nvSpPr>
-          <p:cNvPr id="183" name="PlaceHolder 1"/>
+          <p:cNvPr id="187" name="PlaceHolder 1"/>
           <p:cNvSpPr>
             <a:spLocks noGrp="1"/>
           </p:cNvSpPr>
@@ -1511,19 +1508,19 @@
         <p:spPr>
           <a:xfrm>
             <a:off x="685800" y="1143000"/>
-            <a:ext cx="5484960" cy="3084840"/>
-          </a:xfrm>
-          <a:prstGeom prst="rect">
-            <a:avLst/>
-          </a:prstGeom>
-          <a:ln w="0">
-            <a:noFill/>
-          </a:ln>
-        </p:spPr>
-      </p:sp>
-      <p:sp>
-        <p:nvSpPr>
-          <p:cNvPr id="184" name="PlaceHolder 2"/>
+            <a:ext cx="5484600" cy="3084480"/>
+          </a:xfrm>
+          <a:prstGeom prst="rect">
+            <a:avLst/>
+          </a:prstGeom>
+          <a:ln w="0">
+            <a:noFill/>
+          </a:ln>
+        </p:spPr>
+      </p:sp>
+      <p:sp>
+        <p:nvSpPr>
+          <p:cNvPr id="188" name="PlaceHolder 2"/>
           <p:cNvSpPr>
             <a:spLocks noGrp="1"/>
           </p:cNvSpPr>
@@ -1534,7 +1531,7 @@
         <p:spPr>
           <a:xfrm>
             <a:off x="685800" y="4400640"/>
-            <a:ext cx="5484960" cy="3599280"/>
+            <a:ext cx="5484600" cy="3598920"/>
           </a:xfrm>
           <a:prstGeom prst="rect">
             <a:avLst/>
@@ -1563,18 +1560,18 @@
       </p:sp>
       <p:sp>
         <p:nvSpPr>
-          <p:cNvPr id="185" name="PlaceHolder 3"/>
+          <p:cNvPr id="189" name="PlaceHolder 3"/>
           <p:cNvSpPr>
             <a:spLocks noGrp="1"/>
           </p:cNvSpPr>
           <p:nvPr>
-            <p:ph type="sldNum" idx="43"/>
+            <p:ph type="sldNum" idx="34"/>
           </p:nvPr>
         </p:nvSpPr>
         <p:spPr>
           <a:xfrm>
             <a:off x="3884760" y="8685360"/>
-            <a:ext cx="2970360" cy="457200"/>
+            <a:ext cx="2970000" cy="456840"/>
           </a:xfrm>
           <a:prstGeom prst="rect">
             <a:avLst/>
@@ -1615,7 +1612,7 @@
                 <a:tab algn="l" pos="0"/>
               </a:tabLst>
             </a:pPr>
-            <a:fld id="{28A415AB-9E94-45AB-A209-698D0D9DFD9C}" type="slidenum">
+            <a:fld id="{88C60225-543F-41A7-BF10-4663DC1AEC9F}" type="slidenum">
               <a:rPr b="0" lang="es-CO" sz="1400" spc="-1" strike="noStrike">
                 <a:solidFill>
                   <a:srgbClr val="000000"/>
@@ -1657,7 +1654,7 @@
       </p:grpSpPr>
       <p:sp>
         <p:nvSpPr>
-          <p:cNvPr id="186" name="PlaceHolder 1"/>
+          <p:cNvPr id="190" name="PlaceHolder 1"/>
           <p:cNvSpPr>
             <a:spLocks noGrp="1"/>
           </p:cNvSpPr>
@@ -1668,19 +1665,19 @@
         <p:spPr>
           <a:xfrm>
             <a:off x="685800" y="1143000"/>
-            <a:ext cx="5484960" cy="3084840"/>
-          </a:xfrm>
-          <a:prstGeom prst="rect">
-            <a:avLst/>
-          </a:prstGeom>
-          <a:ln w="0">
-            <a:noFill/>
-          </a:ln>
-        </p:spPr>
-      </p:sp>
-      <p:sp>
-        <p:nvSpPr>
-          <p:cNvPr id="187" name="PlaceHolder 2"/>
+            <a:ext cx="5484600" cy="3084480"/>
+          </a:xfrm>
+          <a:prstGeom prst="rect">
+            <a:avLst/>
+          </a:prstGeom>
+          <a:ln w="0">
+            <a:noFill/>
+          </a:ln>
+        </p:spPr>
+      </p:sp>
+      <p:sp>
+        <p:nvSpPr>
+          <p:cNvPr id="191" name="PlaceHolder 2"/>
           <p:cNvSpPr>
             <a:spLocks noGrp="1"/>
           </p:cNvSpPr>
@@ -1691,7 +1688,7 @@
         <p:spPr>
           <a:xfrm>
             <a:off x="685800" y="4400640"/>
-            <a:ext cx="5484960" cy="3599280"/>
+            <a:ext cx="5484600" cy="3598920"/>
           </a:xfrm>
           <a:prstGeom prst="rect">
             <a:avLst/>
@@ -1720,18 +1717,18 @@
       </p:sp>
       <p:sp>
         <p:nvSpPr>
-          <p:cNvPr id="188" name="PlaceHolder 3"/>
+          <p:cNvPr id="192" name="PlaceHolder 3"/>
           <p:cNvSpPr>
             <a:spLocks noGrp="1"/>
           </p:cNvSpPr>
           <p:nvPr>
-            <p:ph type="sldNum" idx="44"/>
+            <p:ph type="sldNum" idx="35"/>
           </p:nvPr>
         </p:nvSpPr>
         <p:spPr>
           <a:xfrm>
             <a:off x="3884760" y="8685360"/>
-            <a:ext cx="2970360" cy="457200"/>
+            <a:ext cx="2970000" cy="456840"/>
           </a:xfrm>
           <a:prstGeom prst="rect">
             <a:avLst/>
@@ -1772,7 +1769,7 @@
                 <a:tab algn="l" pos="0"/>
               </a:tabLst>
             </a:pPr>
-            <a:fld id="{B98CDE37-65AE-4CBA-9681-D77C43885276}" type="slidenum">
+            <a:fld id="{4ECC4318-40B7-445C-9C81-60E17D9FFC36}" type="slidenum">
               <a:rPr b="0" lang="es-CO" sz="1400" spc="-1" strike="noStrike">
                 <a:solidFill>
                   <a:srgbClr val="000000"/>
@@ -1814,7 +1811,7 @@
       </p:grpSpPr>
       <p:sp>
         <p:nvSpPr>
-          <p:cNvPr id="189" name="PlaceHolder 1"/>
+          <p:cNvPr id="193" name="PlaceHolder 1"/>
           <p:cNvSpPr>
             <a:spLocks noGrp="1"/>
           </p:cNvSpPr>
@@ -1825,19 +1822,19 @@
         <p:spPr>
           <a:xfrm>
             <a:off x="685800" y="1143000"/>
-            <a:ext cx="5484960" cy="3084840"/>
-          </a:xfrm>
-          <a:prstGeom prst="rect">
-            <a:avLst/>
-          </a:prstGeom>
-          <a:ln w="0">
-            <a:noFill/>
-          </a:ln>
-        </p:spPr>
-      </p:sp>
-      <p:sp>
-        <p:nvSpPr>
-          <p:cNvPr id="190" name="PlaceHolder 2"/>
+            <a:ext cx="5484600" cy="3084480"/>
+          </a:xfrm>
+          <a:prstGeom prst="rect">
+            <a:avLst/>
+          </a:prstGeom>
+          <a:ln w="0">
+            <a:noFill/>
+          </a:ln>
+        </p:spPr>
+      </p:sp>
+      <p:sp>
+        <p:nvSpPr>
+          <p:cNvPr id="194" name="PlaceHolder 2"/>
           <p:cNvSpPr>
             <a:spLocks noGrp="1"/>
           </p:cNvSpPr>
@@ -1848,7 +1845,7 @@
         <p:spPr>
           <a:xfrm>
             <a:off x="685800" y="4400640"/>
-            <a:ext cx="5484960" cy="3599280"/>
+            <a:ext cx="5484600" cy="3598920"/>
           </a:xfrm>
           <a:prstGeom prst="rect">
             <a:avLst/>
@@ -1877,18 +1874,18 @@
       </p:sp>
       <p:sp>
         <p:nvSpPr>
-          <p:cNvPr id="191" name="PlaceHolder 3"/>
+          <p:cNvPr id="195" name="PlaceHolder 3"/>
           <p:cNvSpPr>
             <a:spLocks noGrp="1"/>
           </p:cNvSpPr>
           <p:nvPr>
-            <p:ph type="sldNum" idx="45"/>
+            <p:ph type="sldNum" idx="36"/>
           </p:nvPr>
         </p:nvSpPr>
         <p:spPr>
           <a:xfrm>
             <a:off x="3884760" y="8685360"/>
-            <a:ext cx="2970360" cy="457200"/>
+            <a:ext cx="2970000" cy="456840"/>
           </a:xfrm>
           <a:prstGeom prst="rect">
             <a:avLst/>
@@ -1929,7 +1926,7 @@
                 <a:tab algn="l" pos="0"/>
               </a:tabLst>
             </a:pPr>
-            <a:fld id="{62DF8DD2-F478-4146-A6DA-8512CA3CC0DF}" type="slidenum">
+            <a:fld id="{FEFD9D4C-D5A8-42B5-999D-234989758724}" type="slidenum">
               <a:rPr b="0" lang="es-CO" sz="1400" spc="-1" strike="noStrike">
                 <a:solidFill>
                   <a:srgbClr val="000000"/>
@@ -1971,7 +1968,7 @@
       </p:grpSpPr>
       <p:sp>
         <p:nvSpPr>
-          <p:cNvPr id="4" name="PlaceHolder 1"/>
+          <p:cNvPr id="6" name="PlaceHolder 1"/>
           <p:cNvSpPr>
             <a:spLocks noGrp="1"/>
           </p:cNvSpPr>
@@ -1982,7 +1979,7 @@
         <p:spPr>
           <a:xfrm>
             <a:off x="838080" y="365040"/>
-            <a:ext cx="10514160" cy="1324080"/>
+            <a:ext cx="10513800" cy="1323720"/>
           </a:xfrm>
           <a:prstGeom prst="rect">
             <a:avLst/>
@@ -2011,7 +2008,7 @@
       </p:sp>
       <p:sp>
         <p:nvSpPr>
-          <p:cNvPr id="5" name="PlaceHolder 2"/>
+          <p:cNvPr id="7" name="PlaceHolder 2"/>
           <p:cNvSpPr>
             <a:spLocks noGrp="1"/>
           </p:cNvSpPr>
@@ -2022,7 +2019,7 @@
         <p:spPr>
           <a:xfrm>
             <a:off x="838080" y="1825560"/>
-            <a:ext cx="293040" cy="4349880"/>
+            <a:ext cx="142560" cy="4349520"/>
           </a:xfrm>
           <a:prstGeom prst="rect">
             <a:avLst/>
@@ -2054,7 +2051,7 @@
       </p:sp>
       <p:sp>
         <p:nvSpPr>
-          <p:cNvPr id="6" name="PlaceHolder 3"/>
+          <p:cNvPr id="8" name="PlaceHolder 3"/>
           <p:cNvSpPr>
             <a:spLocks noGrp="1"/>
           </p:cNvSpPr>
@@ -2064,8 +2061,8 @@
         </p:nvSpPr>
         <p:spPr>
           <a:xfrm>
-            <a:off x="1146240" y="1825560"/>
-            <a:ext cx="293040" cy="4349880"/>
+            <a:off x="988200" y="1825560"/>
+            <a:ext cx="142560" cy="4349520"/>
           </a:xfrm>
           <a:prstGeom prst="rect">
             <a:avLst/>
@@ -2129,7 +2126,7 @@
         <p:txBody>
           <a:bodyPr/>
           <a:p>
-            <a:fld id="{654D6CA7-A6B0-42F3-AE49-13A7E0F8560B}" type="slidenum">
+            <a:fld id="{6F299BD8-E120-492A-9AB3-8912AC148683}" type="slidenum">
               <a:t>&lt;#&gt;</a:t>
             </a:fld>
           </a:p>
@@ -2180,7 +2177,7 @@
       </p:grpSpPr>
       <p:sp>
         <p:nvSpPr>
-          <p:cNvPr id="10" name="PlaceHolder 1"/>
+          <p:cNvPr id="15" name="PlaceHolder 1"/>
           <p:cNvSpPr>
             <a:spLocks noGrp="1"/>
           </p:cNvSpPr>
@@ -2191,7 +2188,7 @@
         <p:spPr>
           <a:xfrm>
             <a:off x="838080" y="365040"/>
-            <a:ext cx="10514160" cy="1324080"/>
+            <a:ext cx="10513800" cy="1323720"/>
           </a:xfrm>
           <a:prstGeom prst="rect">
             <a:avLst/>
@@ -2220,7 +2217,7 @@
       </p:sp>
       <p:sp>
         <p:nvSpPr>
-          <p:cNvPr id="11" name="PlaceHolder 2"/>
+          <p:cNvPr id="16" name="PlaceHolder 2"/>
           <p:cNvSpPr>
             <a:spLocks noGrp="1"/>
           </p:cNvSpPr>
@@ -2231,7 +2228,7 @@
         <p:spPr>
           <a:xfrm>
             <a:off x="838080" y="1825560"/>
-            <a:ext cx="293040" cy="4349880"/>
+            <a:ext cx="142560" cy="4349520"/>
           </a:xfrm>
           <a:prstGeom prst="rect">
             <a:avLst/>
@@ -2263,7 +2260,7 @@
       </p:sp>
       <p:sp>
         <p:nvSpPr>
-          <p:cNvPr id="12" name="PlaceHolder 3"/>
+          <p:cNvPr id="17" name="PlaceHolder 3"/>
           <p:cNvSpPr>
             <a:spLocks noGrp="1"/>
           </p:cNvSpPr>
@@ -2273,8 +2270,8 @@
         </p:nvSpPr>
         <p:spPr>
           <a:xfrm>
-            <a:off x="1146240" y="1825560"/>
-            <a:ext cx="293040" cy="4349880"/>
+            <a:off x="988200" y="1825560"/>
+            <a:ext cx="142560" cy="4349520"/>
           </a:xfrm>
           <a:prstGeom prst="rect">
             <a:avLst/>
@@ -2338,7 +2335,7 @@
         <p:txBody>
           <a:bodyPr/>
           <a:p>
-            <a:fld id="{14EF9104-0A1A-4BB3-9DB2-3AC551EBAD2B}" type="slidenum">
+            <a:fld id="{FB7433B6-A6A3-430B-A21D-03FB88DDBDFC}" type="slidenum">
               <a:t>&lt;#&gt;</a:t>
             </a:fld>
           </a:p>
@@ -2389,7 +2386,7 @@
       </p:grpSpPr>
       <p:sp>
         <p:nvSpPr>
-          <p:cNvPr id="18" name="PlaceHolder 1"/>
+          <p:cNvPr id="23" name="PlaceHolder 1"/>
           <p:cNvSpPr>
             <a:spLocks noGrp="1"/>
           </p:cNvSpPr>
@@ -2400,7 +2397,7 @@
         <p:spPr>
           <a:xfrm>
             <a:off x="838080" y="365040"/>
-            <a:ext cx="10514160" cy="1324080"/>
+            <a:ext cx="10513800" cy="1323720"/>
           </a:xfrm>
           <a:prstGeom prst="rect">
             <a:avLst/>
@@ -2429,7 +2426,7 @@
       </p:sp>
       <p:sp>
         <p:nvSpPr>
-          <p:cNvPr id="19" name="PlaceHolder 2"/>
+          <p:cNvPr id="24" name="PlaceHolder 2"/>
           <p:cNvSpPr>
             <a:spLocks noGrp="1"/>
           </p:cNvSpPr>
@@ -2439,8 +2436,8 @@
         </p:nvSpPr>
         <p:spPr>
           <a:xfrm>
-            <a:off x="838080" y="1825560"/>
-            <a:ext cx="601200" cy="4349880"/>
+            <a:off x="838080" y="-329400"/>
+            <a:ext cx="292680" cy="8659800"/>
           </a:xfrm>
           <a:prstGeom prst="rect">
             <a:avLst/>
@@ -2501,7 +2498,7 @@
         <p:txBody>
           <a:bodyPr/>
           <a:p>
-            <a:fld id="{4860D2CC-AD58-43E3-B0C7-AA48D99E845B}" type="slidenum">
+            <a:fld id="{D1C63832-B8B5-462D-91FF-737AF5774A3A}" type="slidenum">
               <a:t>&lt;#&gt;</a:t>
             </a:fld>
           </a:p>
@@ -2535,7 +2532,7 @@
 
 <file path=ppt/slideLayouts/slideLayout4.xml><?xml version="1.0" encoding="utf-8"?>
 <p:sldLayout xmlns:a="http://schemas.openxmlformats.org/drawingml/2006/main" xmlns:p="http://schemas.openxmlformats.org/presentationml/2006/main" xmlns:r="http://schemas.openxmlformats.org/officeDocument/2006/relationships" xmlns:p14="http://schemas.microsoft.com/office/powerpoint/2010/main" xmlns:p15="http://schemas.microsoft.com/office/powerpoint/2012/main" xmlns:mc="http://schemas.openxmlformats.org/markup-compatibility/2006" type="blank" preserve="1">
-  <p:cSld name="En blanco">
+  <p:cSld name="Predeterminado">
     <p:spTree>
       <p:nvGrpSpPr>
         <p:cNvPr id="1" name=""/>
@@ -2557,7 +2554,7 @@
             <a:spLocks noGrp="1"/>
           </p:cNvSpPr>
           <p:nvPr>
-            <p:ph type="ftr" idx="7"/>
+            <p:ph type="ftr" idx="10"/>
           </p:nvPr>
         </p:nvSpPr>
         <p:spPr/>
@@ -2577,14 +2574,14 @@
             <a:spLocks noGrp="1"/>
           </p:cNvSpPr>
           <p:nvPr>
-            <p:ph type="sldNum" idx="8"/>
+            <p:ph type="sldNum" idx="11"/>
           </p:nvPr>
         </p:nvSpPr>
         <p:spPr/>
         <p:txBody>
           <a:bodyPr/>
           <a:p>
-            <a:fld id="{D87F3AE8-0C71-40AD-8CD4-BAAF627DE795}" type="slidenum">
+            <a:fld id="{EA4FAB67-C3D2-4CFB-8A0A-654E1293D528}" type="slidenum">
               <a:t>&lt;#&gt;</a:t>
             </a:fld>
           </a:p>
@@ -2597,7 +2594,7 @@
             <a:spLocks noGrp="1"/>
           </p:cNvSpPr>
           <p:nvPr>
-            <p:ph type="dt" idx="9"/>
+            <p:ph type="dt" idx="12"/>
           </p:nvPr>
         </p:nvSpPr>
         <p:spPr/>
@@ -2618,7 +2615,7 @@
 
 <file path=ppt/slideLayouts/slideLayout5.xml><?xml version="1.0" encoding="utf-8"?>
 <p:sldLayout xmlns:a="http://schemas.openxmlformats.org/drawingml/2006/main" xmlns:p="http://schemas.openxmlformats.org/presentationml/2006/main" xmlns:r="http://schemas.openxmlformats.org/officeDocument/2006/relationships" xmlns:p14="http://schemas.microsoft.com/office/powerpoint/2010/main" xmlns:p15="http://schemas.microsoft.com/office/powerpoint/2012/main" xmlns:mc="http://schemas.openxmlformats.org/markup-compatibility/2006" type="twoObj" preserve="1">
-  <p:cSld name="En blanco">
+  <p:cSld name="Predeterminado 1">
     <p:spTree>
       <p:nvGrpSpPr>
         <p:cNvPr id="1" name=""/>
@@ -2635,7 +2632,7 @@
       </p:grpSpPr>
       <p:sp>
         <p:nvSpPr>
-          <p:cNvPr id="20" name="PlaceHolder 1"/>
+          <p:cNvPr id="36" name="PlaceHolder 1"/>
           <p:cNvSpPr>
             <a:spLocks noGrp="1"/>
           </p:cNvSpPr>
@@ -2646,7 +2643,7 @@
         <p:spPr>
           <a:xfrm>
             <a:off x="838080" y="365040"/>
-            <a:ext cx="10514160" cy="1324080"/>
+            <a:ext cx="10513800" cy="1323720"/>
           </a:xfrm>
           <a:prstGeom prst="rect">
             <a:avLst/>
@@ -2675,7 +2672,7 @@
       </p:sp>
       <p:sp>
         <p:nvSpPr>
-          <p:cNvPr id="21" name="PlaceHolder 2"/>
+          <p:cNvPr id="37" name="PlaceHolder 2"/>
           <p:cNvSpPr>
             <a:spLocks noGrp="1"/>
           </p:cNvSpPr>
@@ -2686,7 +2683,7 @@
         <p:spPr>
           <a:xfrm>
             <a:off x="838080" y="1825560"/>
-            <a:ext cx="293040" cy="4349880"/>
+            <a:ext cx="142560" cy="4349520"/>
           </a:xfrm>
           <a:prstGeom prst="rect">
             <a:avLst/>
@@ -2718,7 +2715,7 @@
       </p:sp>
       <p:sp>
         <p:nvSpPr>
-          <p:cNvPr id="22" name="PlaceHolder 3"/>
+          <p:cNvPr id="38" name="PlaceHolder 3"/>
           <p:cNvSpPr>
             <a:spLocks noGrp="1"/>
           </p:cNvSpPr>
@@ -2728,8 +2725,8 @@
         </p:nvSpPr>
         <p:spPr>
           <a:xfrm>
-            <a:off x="1146240" y="1825560"/>
-            <a:ext cx="293040" cy="4349880"/>
+            <a:off x="988200" y="1825560"/>
+            <a:ext cx="142560" cy="4349520"/>
           </a:xfrm>
           <a:prstGeom prst="rect">
             <a:avLst/>
@@ -2766,7 +2763,7 @@
             <a:spLocks noGrp="1"/>
           </p:cNvSpPr>
           <p:nvPr>
-            <p:ph type="ftr" idx="7"/>
+            <p:ph type="ftr" idx="13"/>
           </p:nvPr>
         </p:nvSpPr>
         <p:spPr/>
@@ -2786,14 +2783,14 @@
             <a:spLocks noGrp="1"/>
           </p:cNvSpPr>
           <p:nvPr>
-            <p:ph type="sldNum" idx="8"/>
+            <p:ph type="sldNum" idx="14"/>
           </p:nvPr>
         </p:nvSpPr>
         <p:spPr/>
         <p:txBody>
           <a:bodyPr/>
           <a:p>
-            <a:fld id="{93CBF59F-0E49-48CF-84F1-8A844B18DAC1}" type="slidenum">
+            <a:fld id="{3A37DD88-D9AD-410C-B1A1-83705DBAAF5D}" type="slidenum">
               <a:t>&lt;#&gt;</a:t>
             </a:fld>
           </a:p>
@@ -2806,7 +2803,7 @@
             <a:spLocks noGrp="1"/>
           </p:cNvSpPr>
           <p:nvPr>
-            <p:ph type="dt" idx="9"/>
+            <p:ph type="dt" idx="15"/>
           </p:nvPr>
         </p:nvSpPr>
         <p:spPr/>
@@ -2844,7 +2841,7 @@
       </p:grpSpPr>
       <p:sp>
         <p:nvSpPr>
-          <p:cNvPr id="28" name="PlaceHolder 1"/>
+          <p:cNvPr id="45" name="PlaceHolder 1"/>
           <p:cNvSpPr>
             <a:spLocks noGrp="1"/>
           </p:cNvSpPr>
@@ -2855,7 +2852,7 @@
         <p:spPr>
           <a:xfrm>
             <a:off x="838080" y="365040"/>
-            <a:ext cx="10514160" cy="1324080"/>
+            <a:ext cx="10513800" cy="1323720"/>
           </a:xfrm>
           <a:prstGeom prst="rect">
             <a:avLst/>
@@ -2884,7 +2881,7 @@
       </p:sp>
       <p:sp>
         <p:nvSpPr>
-          <p:cNvPr id="29" name="PlaceHolder 2"/>
+          <p:cNvPr id="46" name="PlaceHolder 2"/>
           <p:cNvSpPr>
             <a:spLocks noGrp="1"/>
           </p:cNvSpPr>
@@ -2895,7 +2892,7 @@
         <p:spPr>
           <a:xfrm>
             <a:off x="838080" y="1825560"/>
-            <a:ext cx="293040" cy="4349880"/>
+            <a:ext cx="142560" cy="4349520"/>
           </a:xfrm>
           <a:prstGeom prst="rect">
             <a:avLst/>
@@ -2927,7 +2924,7 @@
       </p:sp>
       <p:sp>
         <p:nvSpPr>
-          <p:cNvPr id="30" name="PlaceHolder 3"/>
+          <p:cNvPr id="47" name="PlaceHolder 3"/>
           <p:cNvSpPr>
             <a:spLocks noGrp="1"/>
           </p:cNvSpPr>
@@ -2937,8 +2934,8 @@
         </p:nvSpPr>
         <p:spPr>
           <a:xfrm>
-            <a:off x="1146240" y="1825560"/>
-            <a:ext cx="293040" cy="4349880"/>
+            <a:off x="988200" y="1825560"/>
+            <a:ext cx="142560" cy="4349520"/>
           </a:xfrm>
           <a:prstGeom prst="rect">
             <a:avLst/>
@@ -2975,7 +2972,7 @@
             <a:spLocks noGrp="1"/>
           </p:cNvSpPr>
           <p:nvPr>
-            <p:ph type="ftr" idx="10"/>
+            <p:ph type="ftr" idx="16"/>
           </p:nvPr>
         </p:nvSpPr>
         <p:spPr/>
@@ -2995,14 +2992,14 @@
             <a:spLocks noGrp="1"/>
           </p:cNvSpPr>
           <p:nvPr>
-            <p:ph type="sldNum" idx="11"/>
+            <p:ph type="sldNum" idx="17"/>
           </p:nvPr>
         </p:nvSpPr>
         <p:spPr/>
         <p:txBody>
           <a:bodyPr/>
           <a:p>
-            <a:fld id="{A0BD28F1-4234-4C13-A4D2-5EE8C728ACAC}" type="slidenum">
+            <a:fld id="{92566EF8-81A0-4A88-AA7B-29B90CC8C8DB}" type="slidenum">
               <a:t>&lt;#&gt;</a:t>
             </a:fld>
           </a:p>
@@ -3015,7 +3012,7 @@
             <a:spLocks noGrp="1"/>
           </p:cNvSpPr>
           <p:nvPr>
-            <p:ph type="dt" idx="12"/>
+            <p:ph type="dt" idx="18"/>
           </p:nvPr>
         </p:nvSpPr>
         <p:spPr/>
@@ -3053,7 +3050,7 @@
       </p:grpSpPr>
       <p:sp>
         <p:nvSpPr>
-          <p:cNvPr id="34" name="PlaceHolder 1"/>
+          <p:cNvPr id="54" name="PlaceHolder 1"/>
           <p:cNvSpPr>
             <a:spLocks noGrp="1"/>
           </p:cNvSpPr>
@@ -3064,7 +3061,7 @@
         <p:spPr>
           <a:xfrm>
             <a:off x="838080" y="365040"/>
-            <a:ext cx="10514160" cy="1324080"/>
+            <a:ext cx="10513800" cy="1323720"/>
           </a:xfrm>
           <a:prstGeom prst="rect">
             <a:avLst/>
@@ -3093,7 +3090,7 @@
       </p:sp>
       <p:sp>
         <p:nvSpPr>
-          <p:cNvPr id="35" name="PlaceHolder 2"/>
+          <p:cNvPr id="55" name="PlaceHolder 2"/>
           <p:cNvSpPr>
             <a:spLocks noGrp="1"/>
           </p:cNvSpPr>
@@ -3104,7 +3101,7 @@
         <p:spPr>
           <a:xfrm>
             <a:off x="838080" y="1825560"/>
-            <a:ext cx="293040" cy="4349880"/>
+            <a:ext cx="142560" cy="4349520"/>
           </a:xfrm>
           <a:prstGeom prst="rect">
             <a:avLst/>
@@ -3136,7 +3133,7 @@
       </p:sp>
       <p:sp>
         <p:nvSpPr>
-          <p:cNvPr id="36" name="PlaceHolder 3"/>
+          <p:cNvPr id="56" name="PlaceHolder 3"/>
           <p:cNvSpPr>
             <a:spLocks noGrp="1"/>
           </p:cNvSpPr>
@@ -3146,8 +3143,8 @@
         </p:nvSpPr>
         <p:spPr>
           <a:xfrm>
-            <a:off x="1146240" y="1825560"/>
-            <a:ext cx="293040" cy="4349880"/>
+            <a:off x="988200" y="1825560"/>
+            <a:ext cx="142560" cy="4349520"/>
           </a:xfrm>
           <a:prstGeom prst="rect">
             <a:avLst/>
@@ -3184,7 +3181,7 @@
             <a:spLocks noGrp="1"/>
           </p:cNvSpPr>
           <p:nvPr>
-            <p:ph type="ftr" idx="13"/>
+            <p:ph type="ftr" idx="19"/>
           </p:nvPr>
         </p:nvSpPr>
         <p:spPr/>
@@ -3204,14 +3201,14 @@
             <a:spLocks noGrp="1"/>
           </p:cNvSpPr>
           <p:nvPr>
-            <p:ph type="sldNum" idx="14"/>
+            <p:ph type="sldNum" idx="20"/>
           </p:nvPr>
         </p:nvSpPr>
         <p:spPr/>
         <p:txBody>
           <a:bodyPr/>
           <a:p>
-            <a:fld id="{3B027190-0F5C-4A59-9002-E4EADB5501CE}" type="slidenum">
+            <a:fld id="{EAB4935D-77A8-4E1D-9FB5-8C6740F2C7DF}" type="slidenum">
               <a:t>&lt;#&gt;</a:t>
             </a:fld>
           </a:p>
@@ -3224,7 +3221,7 @@
             <a:spLocks noGrp="1"/>
           </p:cNvSpPr>
           <p:nvPr>
-            <p:ph type="dt" idx="15"/>
+            <p:ph type="dt" idx="21"/>
           </p:nvPr>
         </p:nvSpPr>
         <p:spPr/>
@@ -3262,7 +3259,7 @@
       </p:grpSpPr>
       <p:sp>
         <p:nvSpPr>
-          <p:cNvPr id="43" name="PlaceHolder 1"/>
+          <p:cNvPr id="63" name="PlaceHolder 1"/>
           <p:cNvSpPr>
             <a:spLocks noGrp="1"/>
           </p:cNvSpPr>
@@ -3273,7 +3270,7 @@
         <p:spPr>
           <a:xfrm>
             <a:off x="838080" y="365040"/>
-            <a:ext cx="10514160" cy="1324080"/>
+            <a:ext cx="10513800" cy="1323720"/>
           </a:xfrm>
           <a:prstGeom prst="rect">
             <a:avLst/>
@@ -3302,7 +3299,7 @@
       </p:sp>
       <p:sp>
         <p:nvSpPr>
-          <p:cNvPr id="44" name="PlaceHolder 2"/>
+          <p:cNvPr id="64" name="PlaceHolder 2"/>
           <p:cNvSpPr>
             <a:spLocks noGrp="1"/>
           </p:cNvSpPr>
@@ -3313,7 +3310,7 @@
         <p:spPr>
           <a:xfrm>
             <a:off x="838080" y="1825560"/>
-            <a:ext cx="293040" cy="4349880"/>
+            <a:ext cx="142560" cy="4349520"/>
           </a:xfrm>
           <a:prstGeom prst="rect">
             <a:avLst/>
@@ -3345,7 +3342,7 @@
       </p:sp>
       <p:sp>
         <p:nvSpPr>
-          <p:cNvPr id="45" name="PlaceHolder 3"/>
+          <p:cNvPr id="65" name="PlaceHolder 3"/>
           <p:cNvSpPr>
             <a:spLocks noGrp="1"/>
           </p:cNvSpPr>
@@ -3355,8 +3352,8 @@
         </p:nvSpPr>
         <p:spPr>
           <a:xfrm>
-            <a:off x="1146240" y="1825560"/>
-            <a:ext cx="293040" cy="4349880"/>
+            <a:off x="988200" y="1825560"/>
+            <a:ext cx="142560" cy="4349520"/>
           </a:xfrm>
           <a:prstGeom prst="rect">
             <a:avLst/>
@@ -3393,7 +3390,7 @@
             <a:spLocks noGrp="1"/>
           </p:cNvSpPr>
           <p:nvPr>
-            <p:ph type="ftr" idx="16"/>
+            <p:ph type="ftr" idx="22"/>
           </p:nvPr>
         </p:nvSpPr>
         <p:spPr/>
@@ -3413,14 +3410,14 @@
             <a:spLocks noGrp="1"/>
           </p:cNvSpPr>
           <p:nvPr>
-            <p:ph type="sldNum" idx="17"/>
+            <p:ph type="sldNum" idx="23"/>
           </p:nvPr>
         </p:nvSpPr>
         <p:spPr/>
         <p:txBody>
           <a:bodyPr/>
           <a:p>
-            <a:fld id="{45B3244E-541C-4494-BBDC-43AC7FAB76D1}" type="slidenum">
+            <a:fld id="{B96D3FFD-8E78-418C-B065-3C03BC4B2AA2}" type="slidenum">
               <a:t>&lt;#&gt;</a:t>
             </a:fld>
           </a:p>
@@ -3433,7 +3430,7 @@
             <a:spLocks noGrp="1"/>
           </p:cNvSpPr>
           <p:nvPr>
-            <p:ph type="dt" idx="18"/>
+            <p:ph type="dt" idx="24"/>
           </p:nvPr>
         </p:nvSpPr>
         <p:spPr/>
@@ -3489,7 +3486,7 @@
         <p:spPr>
           <a:xfrm>
             <a:off x="838080" y="365040"/>
-            <a:ext cx="10514160" cy="1324080"/>
+            <a:ext cx="10513800" cy="1323720"/>
           </a:xfrm>
           <a:prstGeom prst="rect">
             <a:avLst/>
@@ -3504,11 +3501,11 @@
             <a:noAutofit/>
           </a:bodyPr>
           <a:p>
-            <a:pPr indent="0" algn="ctr">
+            <a:pPr indent="0">
               <a:buNone/>
             </a:pPr>
             <a:r>
-              <a:rPr b="0" lang="es-CO" sz="4400" spc="-1" strike="noStrike">
+              <a:rPr b="0" lang="es-CO" sz="1800" spc="-1" strike="noStrike">
                 <a:solidFill>
                   <a:srgbClr val="000000"/>
                 </a:solidFill>
@@ -3516,7 +3513,7 @@
               </a:rPr>
               <a:t>Pulse para editar el formato del texto de título</a:t>
             </a:r>
-            <a:endParaRPr b="0" lang="es-CO" sz="4400" spc="-1" strike="noStrike">
+            <a:endParaRPr b="0" lang="es-CO" sz="1800" spc="-1" strike="noStrike">
               <a:solidFill>
                 <a:srgbClr val="000000"/>
               </a:solidFill>
@@ -3528,6 +3525,456 @@
       <p:sp>
         <p:nvSpPr>
           <p:cNvPr id="1" name="PlaceHolder 2"/>
+          <p:cNvSpPr>
+            <a:spLocks noGrp="1"/>
+          </p:cNvSpPr>
+          <p:nvPr>
+            <p:ph type="body"/>
+          </p:nvPr>
+        </p:nvSpPr>
+        <p:spPr>
+          <a:xfrm>
+            <a:off x="838080" y="1825560"/>
+            <a:ext cx="292680" cy="4349520"/>
+          </a:xfrm>
+          <a:prstGeom prst="rect">
+            <a:avLst/>
+          </a:prstGeom>
+          <a:noFill/>
+          <a:ln w="0">
+            <a:noFill/>
+          </a:ln>
+        </p:spPr>
+        <p:txBody>
+          <a:bodyPr lIns="0" rIns="0" tIns="0" bIns="0" anchor="t">
+            <a:normAutofit fontScale="6111"/>
+          </a:bodyPr>
+          <a:p>
+            <a:pPr marL="432000" indent="-324000">
+              <a:spcBef>
+                <a:spcPts val="1417"/>
+              </a:spcBef>
+              <a:buClr>
+                <a:srgbClr val="000000"/>
+              </a:buClr>
+              <a:buSzPct val="45000"/>
+              <a:buFont typeface="Wingdings" charset="2"/>
+              <a:buChar char=""/>
+            </a:pPr>
+            <a:r>
+              <a:rPr b="0" lang="es-CO" sz="1800" spc="-1" strike="noStrike">
+                <a:solidFill>
+                  <a:srgbClr val="000000"/>
+                </a:solidFill>
+                <a:latin typeface="Arial"/>
+              </a:rPr>
+              <a:t>Pulse para editar el formato de texto del esquema</a:t>
+            </a:r>
+            <a:endParaRPr b="0" lang="es-CO" sz="1800" spc="-1" strike="noStrike">
+              <a:solidFill>
+                <a:srgbClr val="000000"/>
+              </a:solidFill>
+              <a:latin typeface="Arial"/>
+            </a:endParaRPr>
+          </a:p>
+          <a:p>
+            <a:pPr lvl="1" marL="864000" indent="-324000">
+              <a:spcBef>
+                <a:spcPts val="1134"/>
+              </a:spcBef>
+              <a:buClr>
+                <a:srgbClr val="000000"/>
+              </a:buClr>
+              <a:buSzPct val="75000"/>
+              <a:buFont typeface="Symbol" charset="2"/>
+              <a:buChar char=""/>
+            </a:pPr>
+            <a:r>
+              <a:rPr b="0" lang="es-CO" sz="1800" spc="-1" strike="noStrike">
+                <a:solidFill>
+                  <a:srgbClr val="000000"/>
+                </a:solidFill>
+                <a:latin typeface="Arial"/>
+              </a:rPr>
+              <a:t>Segundo nivel del esquema</a:t>
+            </a:r>
+            <a:endParaRPr b="0" lang="es-CO" sz="1800" spc="-1" strike="noStrike">
+              <a:solidFill>
+                <a:srgbClr val="000000"/>
+              </a:solidFill>
+              <a:latin typeface="Arial"/>
+            </a:endParaRPr>
+          </a:p>
+          <a:p>
+            <a:pPr lvl="2" marL="1296000" indent="-288000">
+              <a:spcBef>
+                <a:spcPts val="850"/>
+              </a:spcBef>
+              <a:buClr>
+                <a:srgbClr val="000000"/>
+              </a:buClr>
+              <a:buSzPct val="45000"/>
+              <a:buFont typeface="Wingdings" charset="2"/>
+              <a:buChar char=""/>
+            </a:pPr>
+            <a:r>
+              <a:rPr b="0" lang="es-CO" sz="1800" spc="-1" strike="noStrike">
+                <a:solidFill>
+                  <a:srgbClr val="000000"/>
+                </a:solidFill>
+                <a:latin typeface="Arial"/>
+              </a:rPr>
+              <a:t>Tercer nivel del esquema</a:t>
+            </a:r>
+            <a:endParaRPr b="0" lang="es-CO" sz="1800" spc="-1" strike="noStrike">
+              <a:solidFill>
+                <a:srgbClr val="000000"/>
+              </a:solidFill>
+              <a:latin typeface="Arial"/>
+            </a:endParaRPr>
+          </a:p>
+          <a:p>
+            <a:pPr lvl="3" marL="1728000" indent="-216000">
+              <a:spcBef>
+                <a:spcPts val="567"/>
+              </a:spcBef>
+              <a:buClr>
+                <a:srgbClr val="000000"/>
+              </a:buClr>
+              <a:buSzPct val="75000"/>
+              <a:buFont typeface="Symbol" charset="2"/>
+              <a:buChar char=""/>
+            </a:pPr>
+            <a:r>
+              <a:rPr b="0" lang="es-CO" sz="1800" spc="-1" strike="noStrike">
+                <a:solidFill>
+                  <a:srgbClr val="000000"/>
+                </a:solidFill>
+                <a:latin typeface="Arial"/>
+              </a:rPr>
+              <a:t>Cuarto nivel del esquema</a:t>
+            </a:r>
+            <a:endParaRPr b="0" lang="es-CO" sz="1800" spc="-1" strike="noStrike">
+              <a:solidFill>
+                <a:srgbClr val="000000"/>
+              </a:solidFill>
+              <a:latin typeface="Arial"/>
+            </a:endParaRPr>
+          </a:p>
+          <a:p>
+            <a:pPr lvl="4" marL="2160000" indent="-216000">
+              <a:spcBef>
+                <a:spcPts val="283"/>
+              </a:spcBef>
+              <a:buClr>
+                <a:srgbClr val="000000"/>
+              </a:buClr>
+              <a:buSzPct val="45000"/>
+              <a:buFont typeface="Wingdings" charset="2"/>
+              <a:buChar char=""/>
+            </a:pPr>
+            <a:r>
+              <a:rPr b="0" lang="es-CO" sz="1800" spc="-1" strike="noStrike">
+                <a:solidFill>
+                  <a:srgbClr val="000000"/>
+                </a:solidFill>
+                <a:latin typeface="Arial"/>
+              </a:rPr>
+              <a:t>Quinto nivel del esquema</a:t>
+            </a:r>
+            <a:endParaRPr b="0" lang="es-CO" sz="1800" spc="-1" strike="noStrike">
+              <a:solidFill>
+                <a:srgbClr val="000000"/>
+              </a:solidFill>
+              <a:latin typeface="Arial"/>
+            </a:endParaRPr>
+          </a:p>
+          <a:p>
+            <a:pPr lvl="5" marL="2592000" indent="-216000">
+              <a:spcBef>
+                <a:spcPts val="283"/>
+              </a:spcBef>
+              <a:buClr>
+                <a:srgbClr val="000000"/>
+              </a:buClr>
+              <a:buSzPct val="45000"/>
+              <a:buFont typeface="Wingdings" charset="2"/>
+              <a:buChar char=""/>
+            </a:pPr>
+            <a:r>
+              <a:rPr b="0" lang="es-CO" sz="1800" spc="-1" strike="noStrike">
+                <a:solidFill>
+                  <a:srgbClr val="000000"/>
+                </a:solidFill>
+                <a:latin typeface="Arial"/>
+              </a:rPr>
+              <a:t>Sexto nivel del esquema</a:t>
+            </a:r>
+            <a:endParaRPr b="0" lang="es-CO" sz="1800" spc="-1" strike="noStrike">
+              <a:solidFill>
+                <a:srgbClr val="000000"/>
+              </a:solidFill>
+              <a:latin typeface="Arial"/>
+            </a:endParaRPr>
+          </a:p>
+          <a:p>
+            <a:pPr lvl="6" marL="3024000" indent="-216000">
+              <a:spcBef>
+                <a:spcPts val="283"/>
+              </a:spcBef>
+              <a:buClr>
+                <a:srgbClr val="000000"/>
+              </a:buClr>
+              <a:buSzPct val="45000"/>
+              <a:buFont typeface="Wingdings" charset="2"/>
+              <a:buChar char=""/>
+            </a:pPr>
+            <a:r>
+              <a:rPr b="0" lang="es-CO" sz="1800" spc="-1" strike="noStrike">
+                <a:solidFill>
+                  <a:srgbClr val="000000"/>
+                </a:solidFill>
+                <a:latin typeface="Arial"/>
+              </a:rPr>
+              <a:t>Séptimo nivel del esquema</a:t>
+            </a:r>
+            <a:endParaRPr b="0" lang="es-CO" sz="1800" spc="-1" strike="noStrike">
+              <a:solidFill>
+                <a:srgbClr val="000000"/>
+              </a:solidFill>
+              <a:latin typeface="Arial"/>
+            </a:endParaRPr>
+          </a:p>
+        </p:txBody>
+      </p:sp>
+      <p:sp>
+        <p:nvSpPr>
+          <p:cNvPr id="2" name="PlaceHolder 3"/>
+          <p:cNvSpPr>
+            <a:spLocks noGrp="1"/>
+          </p:cNvSpPr>
+          <p:nvPr>
+            <p:ph type="body"/>
+          </p:nvPr>
+        </p:nvSpPr>
+        <p:spPr>
+          <a:xfrm>
+            <a:off x="1146240" y="1825560"/>
+            <a:ext cx="292680" cy="4349520"/>
+          </a:xfrm>
+          <a:prstGeom prst="rect">
+            <a:avLst/>
+          </a:prstGeom>
+          <a:noFill/>
+          <a:ln w="0">
+            <a:noFill/>
+          </a:ln>
+        </p:spPr>
+        <p:txBody>
+          <a:bodyPr lIns="0" rIns="0" tIns="0" bIns="0" anchor="t">
+            <a:normAutofit fontScale="6111"/>
+          </a:bodyPr>
+          <a:p>
+            <a:pPr marL="432000" indent="-324000">
+              <a:spcBef>
+                <a:spcPts val="1417"/>
+              </a:spcBef>
+              <a:buClr>
+                <a:srgbClr val="000000"/>
+              </a:buClr>
+              <a:buSzPct val="45000"/>
+              <a:buFont typeface="Wingdings" charset="2"/>
+              <a:buChar char=""/>
+            </a:pPr>
+            <a:r>
+              <a:rPr b="0" lang="es-CO" sz="1800" spc="-1" strike="noStrike">
+                <a:solidFill>
+                  <a:srgbClr val="000000"/>
+                </a:solidFill>
+                <a:latin typeface="Arial"/>
+              </a:rPr>
+              <a:t>Pulse para editar el formato de texto del esquema</a:t>
+            </a:r>
+            <a:endParaRPr b="0" lang="es-CO" sz="1800" spc="-1" strike="noStrike">
+              <a:solidFill>
+                <a:srgbClr val="000000"/>
+              </a:solidFill>
+              <a:latin typeface="Arial"/>
+            </a:endParaRPr>
+          </a:p>
+          <a:p>
+            <a:pPr lvl="1" marL="864000" indent="-324000">
+              <a:spcBef>
+                <a:spcPts val="1134"/>
+              </a:spcBef>
+              <a:buClr>
+                <a:srgbClr val="000000"/>
+              </a:buClr>
+              <a:buSzPct val="75000"/>
+              <a:buFont typeface="Symbol" charset="2"/>
+              <a:buChar char=""/>
+            </a:pPr>
+            <a:r>
+              <a:rPr b="0" lang="es-CO" sz="1800" spc="-1" strike="noStrike">
+                <a:solidFill>
+                  <a:srgbClr val="000000"/>
+                </a:solidFill>
+                <a:latin typeface="Arial"/>
+              </a:rPr>
+              <a:t>Segundo nivel del esquema</a:t>
+            </a:r>
+            <a:endParaRPr b="0" lang="es-CO" sz="1800" spc="-1" strike="noStrike">
+              <a:solidFill>
+                <a:srgbClr val="000000"/>
+              </a:solidFill>
+              <a:latin typeface="Arial"/>
+            </a:endParaRPr>
+          </a:p>
+          <a:p>
+            <a:pPr lvl="2" marL="1296000" indent="-288000">
+              <a:spcBef>
+                <a:spcPts val="850"/>
+              </a:spcBef>
+              <a:buClr>
+                <a:srgbClr val="000000"/>
+              </a:buClr>
+              <a:buSzPct val="45000"/>
+              <a:buFont typeface="Wingdings" charset="2"/>
+              <a:buChar char=""/>
+            </a:pPr>
+            <a:r>
+              <a:rPr b="0" lang="es-CO" sz="1800" spc="-1" strike="noStrike">
+                <a:solidFill>
+                  <a:srgbClr val="000000"/>
+                </a:solidFill>
+                <a:latin typeface="Arial"/>
+              </a:rPr>
+              <a:t>Tercer nivel del esquema</a:t>
+            </a:r>
+            <a:endParaRPr b="0" lang="es-CO" sz="1800" spc="-1" strike="noStrike">
+              <a:solidFill>
+                <a:srgbClr val="000000"/>
+              </a:solidFill>
+              <a:latin typeface="Arial"/>
+            </a:endParaRPr>
+          </a:p>
+          <a:p>
+            <a:pPr lvl="3" marL="1728000" indent="-216000">
+              <a:spcBef>
+                <a:spcPts val="567"/>
+              </a:spcBef>
+              <a:buClr>
+                <a:srgbClr val="000000"/>
+              </a:buClr>
+              <a:buSzPct val="75000"/>
+              <a:buFont typeface="Symbol" charset="2"/>
+              <a:buChar char=""/>
+            </a:pPr>
+            <a:r>
+              <a:rPr b="0" lang="es-CO" sz="1800" spc="-1" strike="noStrike">
+                <a:solidFill>
+                  <a:srgbClr val="000000"/>
+                </a:solidFill>
+                <a:latin typeface="Arial"/>
+              </a:rPr>
+              <a:t>Cuarto nivel del esquema</a:t>
+            </a:r>
+            <a:endParaRPr b="0" lang="es-CO" sz="1800" spc="-1" strike="noStrike">
+              <a:solidFill>
+                <a:srgbClr val="000000"/>
+              </a:solidFill>
+              <a:latin typeface="Arial"/>
+            </a:endParaRPr>
+          </a:p>
+          <a:p>
+            <a:pPr lvl="4" marL="2160000" indent="-216000">
+              <a:spcBef>
+                <a:spcPts val="283"/>
+              </a:spcBef>
+              <a:buClr>
+                <a:srgbClr val="000000"/>
+              </a:buClr>
+              <a:buSzPct val="45000"/>
+              <a:buFont typeface="Wingdings" charset="2"/>
+              <a:buChar char=""/>
+            </a:pPr>
+            <a:r>
+              <a:rPr b="0" lang="es-CO" sz="1800" spc="-1" strike="noStrike">
+                <a:solidFill>
+                  <a:srgbClr val="000000"/>
+                </a:solidFill>
+                <a:latin typeface="Arial"/>
+              </a:rPr>
+              <a:t>Quinto nivel del esquema</a:t>
+            </a:r>
+            <a:endParaRPr b="0" lang="es-CO" sz="1800" spc="-1" strike="noStrike">
+              <a:solidFill>
+                <a:srgbClr val="000000"/>
+              </a:solidFill>
+              <a:latin typeface="Arial"/>
+            </a:endParaRPr>
+          </a:p>
+          <a:p>
+            <a:pPr lvl="5" marL="2592000" indent="-216000">
+              <a:spcBef>
+                <a:spcPts val="283"/>
+              </a:spcBef>
+              <a:buClr>
+                <a:srgbClr val="000000"/>
+              </a:buClr>
+              <a:buSzPct val="45000"/>
+              <a:buFont typeface="Wingdings" charset="2"/>
+              <a:buChar char=""/>
+            </a:pPr>
+            <a:r>
+              <a:rPr b="0" lang="es-CO" sz="1800" spc="-1" strike="noStrike">
+                <a:solidFill>
+                  <a:srgbClr val="000000"/>
+                </a:solidFill>
+                <a:latin typeface="Arial"/>
+              </a:rPr>
+              <a:t>Sexto nivel del esquema</a:t>
+            </a:r>
+            <a:endParaRPr b="0" lang="es-CO" sz="1800" spc="-1" strike="noStrike">
+              <a:solidFill>
+                <a:srgbClr val="000000"/>
+              </a:solidFill>
+              <a:latin typeface="Arial"/>
+            </a:endParaRPr>
+          </a:p>
+          <a:p>
+            <a:pPr lvl="6" marL="3024000" indent="-216000">
+              <a:spcBef>
+                <a:spcPts val="283"/>
+              </a:spcBef>
+              <a:buClr>
+                <a:srgbClr val="000000"/>
+              </a:buClr>
+              <a:buSzPct val="45000"/>
+              <a:buFont typeface="Wingdings" charset="2"/>
+              <a:buChar char=""/>
+            </a:pPr>
+            <a:r>
+              <a:rPr b="0" lang="es-CO" sz="1800" spc="-1" strike="noStrike">
+                <a:solidFill>
+                  <a:srgbClr val="000000"/>
+                </a:solidFill>
+                <a:latin typeface="Arial"/>
+              </a:rPr>
+              <a:t>Séptimo nivel del esquema</a:t>
+            </a:r>
+            <a:endParaRPr b="0" lang="es-CO" sz="1800" spc="-1" strike="noStrike">
+              <a:solidFill>
+                <a:srgbClr val="000000"/>
+              </a:solidFill>
+              <a:latin typeface="Arial"/>
+            </a:endParaRPr>
+          </a:p>
+        </p:txBody>
+      </p:sp>
+      <p:sp>
+        <p:nvSpPr>
+          <p:cNvPr id="3" name="PlaceHolder 4"/>
           <p:cNvSpPr>
             <a:spLocks noGrp="1"/>
           </p:cNvSpPr>
@@ -3538,7 +3985,7 @@
         <p:spPr>
           <a:xfrm>
             <a:off x="4038480" y="6356520"/>
-            <a:ext cx="4113360" cy="363600"/>
+            <a:ext cx="4113000" cy="363240"/>
           </a:xfrm>
           <a:prstGeom prst="rect">
             <a:avLst/>
@@ -3586,7 +4033,7 @@
                 </a:solidFill>
                 <a:latin typeface="Times New Roman"/>
               </a:rPr>
-              <a:t> </a:t>
+              <a:t>&lt;pie de página&gt;</a:t>
             </a:r>
             <a:endParaRPr b="0" lang="es-CO" sz="1400" spc="-1" strike="noStrike">
               <a:solidFill>
@@ -3599,7 +4046,7 @@
       </p:sp>
       <p:sp>
         <p:nvSpPr>
-          <p:cNvPr id="2" name="PlaceHolder 3"/>
+          <p:cNvPr id="4" name="PlaceHolder 5"/>
           <p:cNvSpPr>
             <a:spLocks noGrp="1"/>
           </p:cNvSpPr>
@@ -3610,7 +4057,7 @@
         <p:spPr>
           <a:xfrm>
             <a:off x="8610480" y="6356520"/>
-            <a:ext cx="2741760" cy="363600"/>
+            <a:ext cx="2741400" cy="363240"/>
           </a:xfrm>
           <a:prstGeom prst="rect">
             <a:avLst/>
@@ -3652,7 +4099,7 @@
                 <a:tab algn="l" pos="0"/>
               </a:tabLst>
             </a:pPr>
-            <a:fld id="{8AB43765-0452-4BA4-B285-B84967E1A812}" type="slidenum">
+            <a:fld id="{7486CD87-92F1-4253-897F-5C1E1CC61DF5}" type="slidenum">
               <a:rPr b="0" lang="es-CO" sz="1200" spc="-1" strike="noStrike">
                 <a:solidFill>
                   <a:srgbClr val="888888"/>
@@ -3660,7 +4107,7 @@
                 <a:latin typeface="Calibri"/>
                 <a:ea typeface="Calibri"/>
               </a:rPr>
-              <a:t>1</a:t>
+              <a:t>&lt;número&gt;</a:t>
             </a:fld>
             <a:endParaRPr b="0" lang="es-CO" sz="1200" spc="-1" strike="noStrike">
               <a:solidFill>
@@ -3673,7 +4120,7 @@
       </p:sp>
       <p:sp>
         <p:nvSpPr>
-          <p:cNvPr id="3" name="PlaceHolder 4"/>
+          <p:cNvPr id="5" name="PlaceHolder 6"/>
           <p:cNvSpPr>
             <a:spLocks noGrp="1"/>
           </p:cNvSpPr>
@@ -3684,7 +4131,7 @@
         <p:spPr>
           <a:xfrm>
             <a:off x="838080" y="6356520"/>
-            <a:ext cx="2741760" cy="363600"/>
+            <a:ext cx="2741400" cy="363240"/>
           </a:xfrm>
           <a:prstGeom prst="rect">
             <a:avLst/>
@@ -3720,7 +4167,7 @@
                 </a:solidFill>
                 <a:latin typeface="Times New Roman"/>
               </a:rPr>
-              <a:t> </a:t>
+              <a:t>&lt;fecha/hora&gt;</a:t>
             </a:r>
             <a:endParaRPr b="0" lang="es-CO" sz="1400" spc="-1" strike="noStrike">
               <a:solidFill>
@@ -3737,480 +4184,6 @@
   <p:sldLayoutIdLst>
     <p:sldLayoutId id="2147483649" r:id="rId2"/>
   </p:sldLayoutIdLst>
-</p:sldMaster>
-</file>
-
-<file path=ppt/slideMasters/slideMaster10.xml><?xml version="1.0" encoding="utf-8"?>
-<p:sldMaster xmlns:a="http://schemas.openxmlformats.org/drawingml/2006/main" xmlns:p="http://schemas.openxmlformats.org/presentationml/2006/main" xmlns:r="http://schemas.openxmlformats.org/officeDocument/2006/relationships" xmlns:p14="http://schemas.microsoft.com/office/powerpoint/2010/main" xmlns:p15="http://schemas.microsoft.com/office/powerpoint/2012/main" xmlns:mc="http://schemas.openxmlformats.org/markup-compatibility/2006">
-  <p:cSld>
-    <p:bg>
-      <p:bgPr>
-        <a:solidFill>
-          <a:schemeClr val="lt1"/>
-        </a:solidFill>
-      </p:bgPr>
-    </p:bg>
-    <p:spTree>
-      <p:nvGrpSpPr>
-        <p:cNvPr id="1" name=""/>
-        <p:cNvGrpSpPr/>
-        <p:nvPr/>
-      </p:nvGrpSpPr>
-      <p:grpSpPr>
-        <a:xfrm>
-          <a:off x="0" y="0"/>
-          <a:ext cx="0" cy="0"/>
-          <a:chOff x="0" y="0"/>
-          <a:chExt cx="0" cy="0"/>
-        </a:xfrm>
-      </p:grpSpPr>
-      <p:sp>
-        <p:nvSpPr>
-          <p:cNvPr id="56" name="PlaceHolder 1"/>
-          <p:cNvSpPr>
-            <a:spLocks noGrp="1"/>
-          </p:cNvSpPr>
-          <p:nvPr>
-            <p:ph type="ftr" idx="28"/>
-          </p:nvPr>
-        </p:nvSpPr>
-        <p:spPr>
-          <a:xfrm>
-            <a:off x="4038480" y="6356520"/>
-            <a:ext cx="4113360" cy="363600"/>
-          </a:xfrm>
-          <a:prstGeom prst="rect">
-            <a:avLst/>
-          </a:prstGeom>
-          <a:noFill/>
-          <a:ln w="0">
-            <a:noFill/>
-          </a:ln>
-        </p:spPr>
-        <p:txBody>
-          <a:bodyPr lIns="91440" rIns="91440" tIns="45720" bIns="45720" anchor="ctr">
-            <a:noAutofit/>
-          </a:bodyPr>
-          <a:lstStyle>
-            <a:lvl1pPr indent="0" algn="ctr">
-              <a:lnSpc>
-                <a:spcPct val="100000"/>
-              </a:lnSpc>
-              <a:buNone/>
-              <a:tabLst>
-                <a:tab algn="l" pos="0"/>
-              </a:tabLst>
-              <a:defRPr b="0" lang="es-CO" sz="1400" spc="-1" strike="noStrike">
-                <a:solidFill>
-                  <a:srgbClr val="000000"/>
-                </a:solidFill>
-                <a:latin typeface="Times New Roman"/>
-              </a:defRPr>
-            </a:lvl1pPr>
-          </a:lstStyle>
-          <a:p>
-            <a:pPr indent="0" algn="ctr">
-              <a:lnSpc>
-                <a:spcPct val="100000"/>
-              </a:lnSpc>
-              <a:buNone/>
-              <a:tabLst>
-                <a:tab algn="l" pos="0"/>
-              </a:tabLst>
-            </a:pPr>
-            <a:r>
-              <a:rPr b="0" lang="es-CO" sz="1400" spc="-1" strike="noStrike">
-                <a:solidFill>
-                  <a:srgbClr val="000000"/>
-                </a:solidFill>
-                <a:latin typeface="Times New Roman"/>
-              </a:rPr>
-              <a:t>&lt;pie de página&gt;</a:t>
-            </a:r>
-            <a:endParaRPr b="0" lang="es-CO" sz="1400" spc="-1" strike="noStrike">
-              <a:solidFill>
-                <a:srgbClr val="000000"/>
-              </a:solidFill>
-              <a:latin typeface="Times New Roman"/>
-            </a:endParaRPr>
-          </a:p>
-        </p:txBody>
-      </p:sp>
-      <p:sp>
-        <p:nvSpPr>
-          <p:cNvPr id="57" name="PlaceHolder 2"/>
-          <p:cNvSpPr>
-            <a:spLocks noGrp="1"/>
-          </p:cNvSpPr>
-          <p:nvPr>
-            <p:ph type="sldNum" idx="29"/>
-          </p:nvPr>
-        </p:nvSpPr>
-        <p:spPr>
-          <a:xfrm>
-            <a:off x="8610480" y="6356520"/>
-            <a:ext cx="2741760" cy="363600"/>
-          </a:xfrm>
-          <a:prstGeom prst="rect">
-            <a:avLst/>
-          </a:prstGeom>
-          <a:noFill/>
-          <a:ln w="0">
-            <a:noFill/>
-          </a:ln>
-        </p:spPr>
-        <p:txBody>
-          <a:bodyPr lIns="91440" rIns="91440" tIns="45720" bIns="45720" anchor="ctr">
-            <a:noAutofit/>
-          </a:bodyPr>
-          <a:lstStyle>
-            <a:lvl1pPr indent="0" algn="r">
-              <a:lnSpc>
-                <a:spcPct val="100000"/>
-              </a:lnSpc>
-              <a:buNone/>
-              <a:tabLst>
-                <a:tab algn="l" pos="0"/>
-              </a:tabLst>
-              <a:defRPr b="0" lang="es-CO" sz="1200" spc="-1" strike="noStrike">
-                <a:solidFill>
-                  <a:srgbClr val="888888"/>
-                </a:solidFill>
-                <a:latin typeface="Calibri"/>
-                <a:ea typeface="Calibri"/>
-              </a:defRPr>
-            </a:lvl1pPr>
-          </a:lstStyle>
-          <a:p>
-            <a:pPr indent="0" algn="r">
-              <a:lnSpc>
-                <a:spcPct val="100000"/>
-              </a:lnSpc>
-              <a:buNone/>
-              <a:tabLst>
-                <a:tab algn="l" pos="0"/>
-              </a:tabLst>
-            </a:pPr>
-            <a:fld id="{58AE9EE1-7BA8-491E-98F1-2AEF1C974A80}" type="slidenum">
-              <a:rPr b="0" lang="es-CO" sz="1200" spc="-1" strike="noStrike">
-                <a:solidFill>
-                  <a:srgbClr val="888888"/>
-                </a:solidFill>
-                <a:latin typeface="Calibri"/>
-                <a:ea typeface="Calibri"/>
-              </a:rPr>
-              <a:t>&lt;número&gt;</a:t>
-            </a:fld>
-            <a:endParaRPr b="0" lang="es-CO" sz="1200" spc="-1" strike="noStrike">
-              <a:solidFill>
-                <a:srgbClr val="000000"/>
-              </a:solidFill>
-              <a:latin typeface="Times New Roman"/>
-            </a:endParaRPr>
-          </a:p>
-        </p:txBody>
-      </p:sp>
-      <p:sp>
-        <p:nvSpPr>
-          <p:cNvPr id="58" name="PlaceHolder 3"/>
-          <p:cNvSpPr>
-            <a:spLocks noGrp="1"/>
-          </p:cNvSpPr>
-          <p:nvPr>
-            <p:ph type="dt" idx="30"/>
-          </p:nvPr>
-        </p:nvSpPr>
-        <p:spPr>
-          <a:xfrm>
-            <a:off x="838080" y="6356520"/>
-            <a:ext cx="2741760" cy="363600"/>
-          </a:xfrm>
-          <a:prstGeom prst="rect">
-            <a:avLst/>
-          </a:prstGeom>
-          <a:noFill/>
-          <a:ln w="0">
-            <a:noFill/>
-          </a:ln>
-        </p:spPr>
-        <p:txBody>
-          <a:bodyPr lIns="91440" rIns="91440" tIns="45720" bIns="45720" anchor="ctr">
-            <a:noAutofit/>
-          </a:bodyPr>
-          <a:lstStyle>
-            <a:lvl1pPr indent="0">
-              <a:buNone/>
-              <a:defRPr b="0" lang="es-CO" sz="1400" spc="-1" strike="noStrike">
-                <a:solidFill>
-                  <a:srgbClr val="000000"/>
-                </a:solidFill>
-                <a:latin typeface="Times New Roman"/>
-              </a:defRPr>
-            </a:lvl1pPr>
-          </a:lstStyle>
-          <a:p>
-            <a:pPr indent="0">
-              <a:buNone/>
-            </a:pPr>
-            <a:r>
-              <a:rPr b="0" lang="es-CO" sz="1400" spc="-1" strike="noStrike">
-                <a:solidFill>
-                  <a:srgbClr val="000000"/>
-                </a:solidFill>
-                <a:latin typeface="Times New Roman"/>
-              </a:rPr>
-              <a:t>&lt;fecha/hora&gt;</a:t>
-            </a:r>
-            <a:endParaRPr b="0" lang="es-CO" sz="1400" spc="-1" strike="noStrike">
-              <a:solidFill>
-                <a:srgbClr val="000000"/>
-              </a:solidFill>
-              <a:latin typeface="Times New Roman"/>
-            </a:endParaRPr>
-          </a:p>
-        </p:txBody>
-      </p:sp>
-    </p:spTree>
-  </p:cSld>
-  <p:clrMap bg1="lt1" bg2="lt2" tx1="dk1" tx2="dk2" accent1="accent1" accent2="accent2" accent3="accent3" accent4="accent4" accent5="accent5" accent6="accent6" hlink="hlink" folHlink="folHlink"/>
-  <p:sldLayoutIdLst/>
-</p:sldMaster>
-</file>
-
-<file path=ppt/slideMasters/slideMaster11.xml><?xml version="1.0" encoding="utf-8"?>
-<p:sldMaster xmlns:a="http://schemas.openxmlformats.org/drawingml/2006/main" xmlns:p="http://schemas.openxmlformats.org/presentationml/2006/main" xmlns:r="http://schemas.openxmlformats.org/officeDocument/2006/relationships" xmlns:p14="http://schemas.microsoft.com/office/powerpoint/2010/main" xmlns:p15="http://schemas.microsoft.com/office/powerpoint/2012/main" xmlns:mc="http://schemas.openxmlformats.org/markup-compatibility/2006">
-  <p:cSld>
-    <p:bg>
-      <p:bgPr>
-        <a:solidFill>
-          <a:schemeClr val="lt1"/>
-        </a:solidFill>
-      </p:bgPr>
-    </p:bg>
-    <p:spTree>
-      <p:nvGrpSpPr>
-        <p:cNvPr id="1" name=""/>
-        <p:cNvGrpSpPr/>
-        <p:nvPr/>
-      </p:nvGrpSpPr>
-      <p:grpSpPr>
-        <a:xfrm>
-          <a:off x="0" y="0"/>
-          <a:ext cx="0" cy="0"/>
-          <a:chOff x="0" y="0"/>
-          <a:chExt cx="0" cy="0"/>
-        </a:xfrm>
-      </p:grpSpPr>
-      <p:sp>
-        <p:nvSpPr>
-          <p:cNvPr id="59" name="PlaceHolder 1"/>
-          <p:cNvSpPr>
-            <a:spLocks noGrp="1"/>
-          </p:cNvSpPr>
-          <p:nvPr>
-            <p:ph type="ftr" idx="31"/>
-          </p:nvPr>
-        </p:nvSpPr>
-        <p:spPr>
-          <a:xfrm>
-            <a:off x="4038480" y="6356520"/>
-            <a:ext cx="4113360" cy="363600"/>
-          </a:xfrm>
-          <a:prstGeom prst="rect">
-            <a:avLst/>
-          </a:prstGeom>
-          <a:noFill/>
-          <a:ln w="0">
-            <a:noFill/>
-          </a:ln>
-        </p:spPr>
-        <p:txBody>
-          <a:bodyPr lIns="91440" rIns="91440" tIns="45720" bIns="45720" anchor="ctr">
-            <a:noAutofit/>
-          </a:bodyPr>
-          <a:lstStyle>
-            <a:lvl1pPr indent="0" algn="ctr">
-              <a:lnSpc>
-                <a:spcPct val="100000"/>
-              </a:lnSpc>
-              <a:buNone/>
-              <a:tabLst>
-                <a:tab algn="l" pos="0"/>
-              </a:tabLst>
-              <a:defRPr b="0" lang="es-CO" sz="1400" spc="-1" strike="noStrike">
-                <a:solidFill>
-                  <a:srgbClr val="000000"/>
-                </a:solidFill>
-                <a:latin typeface="Times New Roman"/>
-              </a:defRPr>
-            </a:lvl1pPr>
-          </a:lstStyle>
-          <a:p>
-            <a:pPr indent="0" algn="ctr">
-              <a:lnSpc>
-                <a:spcPct val="100000"/>
-              </a:lnSpc>
-              <a:buNone/>
-              <a:tabLst>
-                <a:tab algn="l" pos="0"/>
-              </a:tabLst>
-            </a:pPr>
-            <a:r>
-              <a:rPr b="0" lang="es-CO" sz="1400" spc="-1" strike="noStrike">
-                <a:solidFill>
-                  <a:srgbClr val="000000"/>
-                </a:solidFill>
-                <a:latin typeface="Times New Roman"/>
-              </a:rPr>
-              <a:t>&lt;pie de página&gt;</a:t>
-            </a:r>
-            <a:endParaRPr b="0" lang="es-CO" sz="1400" spc="-1" strike="noStrike">
-              <a:solidFill>
-                <a:srgbClr val="000000"/>
-              </a:solidFill>
-              <a:latin typeface="Times New Roman"/>
-            </a:endParaRPr>
-          </a:p>
-        </p:txBody>
-      </p:sp>
-      <p:sp>
-        <p:nvSpPr>
-          <p:cNvPr id="60" name="PlaceHolder 2"/>
-          <p:cNvSpPr>
-            <a:spLocks noGrp="1"/>
-          </p:cNvSpPr>
-          <p:nvPr>
-            <p:ph type="sldNum" idx="32"/>
-          </p:nvPr>
-        </p:nvSpPr>
-        <p:spPr>
-          <a:xfrm>
-            <a:off x="8610480" y="6356520"/>
-            <a:ext cx="2741760" cy="363600"/>
-          </a:xfrm>
-          <a:prstGeom prst="rect">
-            <a:avLst/>
-          </a:prstGeom>
-          <a:noFill/>
-          <a:ln w="0">
-            <a:noFill/>
-          </a:ln>
-        </p:spPr>
-        <p:txBody>
-          <a:bodyPr lIns="91440" rIns="91440" tIns="45720" bIns="45720" anchor="ctr">
-            <a:noAutofit/>
-          </a:bodyPr>
-          <a:lstStyle>
-            <a:lvl1pPr indent="0" algn="r">
-              <a:lnSpc>
-                <a:spcPct val="100000"/>
-              </a:lnSpc>
-              <a:buNone/>
-              <a:tabLst>
-                <a:tab algn="l" pos="0"/>
-              </a:tabLst>
-              <a:defRPr b="0" lang="es-CO" sz="1200" spc="-1" strike="noStrike">
-                <a:solidFill>
-                  <a:srgbClr val="888888"/>
-                </a:solidFill>
-                <a:latin typeface="Calibri"/>
-                <a:ea typeface="Calibri"/>
-              </a:defRPr>
-            </a:lvl1pPr>
-          </a:lstStyle>
-          <a:p>
-            <a:pPr indent="0" algn="r">
-              <a:lnSpc>
-                <a:spcPct val="100000"/>
-              </a:lnSpc>
-              <a:buNone/>
-              <a:tabLst>
-                <a:tab algn="l" pos="0"/>
-              </a:tabLst>
-            </a:pPr>
-            <a:fld id="{C7270CCB-A8E0-4E61-8F2F-34BF07E5A440}" type="slidenum">
-              <a:rPr b="0" lang="es-CO" sz="1200" spc="-1" strike="noStrike">
-                <a:solidFill>
-                  <a:srgbClr val="888888"/>
-                </a:solidFill>
-                <a:latin typeface="Calibri"/>
-                <a:ea typeface="Calibri"/>
-              </a:rPr>
-              <a:t>&lt;número&gt;</a:t>
-            </a:fld>
-            <a:endParaRPr b="0" lang="es-CO" sz="1200" spc="-1" strike="noStrike">
-              <a:solidFill>
-                <a:srgbClr val="000000"/>
-              </a:solidFill>
-              <a:latin typeface="Times New Roman"/>
-            </a:endParaRPr>
-          </a:p>
-        </p:txBody>
-      </p:sp>
-      <p:sp>
-        <p:nvSpPr>
-          <p:cNvPr id="61" name="PlaceHolder 3"/>
-          <p:cNvSpPr>
-            <a:spLocks noGrp="1"/>
-          </p:cNvSpPr>
-          <p:nvPr>
-            <p:ph type="dt" idx="33"/>
-          </p:nvPr>
-        </p:nvSpPr>
-        <p:spPr>
-          <a:xfrm>
-            <a:off x="838080" y="6356520"/>
-            <a:ext cx="2741760" cy="363600"/>
-          </a:xfrm>
-          <a:prstGeom prst="rect">
-            <a:avLst/>
-          </a:prstGeom>
-          <a:noFill/>
-          <a:ln w="0">
-            <a:noFill/>
-          </a:ln>
-        </p:spPr>
-        <p:txBody>
-          <a:bodyPr lIns="91440" rIns="91440" tIns="45720" bIns="45720" anchor="ctr">
-            <a:noAutofit/>
-          </a:bodyPr>
-          <a:lstStyle>
-            <a:lvl1pPr indent="0">
-              <a:buNone/>
-              <a:defRPr b="0" lang="es-CO" sz="1400" spc="-1" strike="noStrike">
-                <a:solidFill>
-                  <a:srgbClr val="000000"/>
-                </a:solidFill>
-                <a:latin typeface="Times New Roman"/>
-              </a:defRPr>
-            </a:lvl1pPr>
-          </a:lstStyle>
-          <a:p>
-            <a:pPr indent="0">
-              <a:buNone/>
-            </a:pPr>
-            <a:r>
-              <a:rPr b="0" lang="es-CO" sz="1400" spc="-1" strike="noStrike">
-                <a:solidFill>
-                  <a:srgbClr val="000000"/>
-                </a:solidFill>
-                <a:latin typeface="Times New Roman"/>
-              </a:rPr>
-              <a:t>&lt;fecha/hora&gt;</a:t>
-            </a:r>
-            <a:endParaRPr b="0" lang="es-CO" sz="1400" spc="-1" strike="noStrike">
-              <a:solidFill>
-                <a:srgbClr val="000000"/>
-              </a:solidFill>
-              <a:latin typeface="Times New Roman"/>
-            </a:endParaRPr>
-          </a:p>
-        </p:txBody>
-      </p:sp>
-    </p:spTree>
-  </p:cSld>
-  <p:clrMap bg1="lt1" bg2="lt2" tx1="dk1" tx2="dk2" accent1="accent1" accent2="accent2" accent3="accent3" accent4="accent4" accent5="accent5" accent6="accent6" hlink="hlink" folHlink="folHlink"/>
-  <p:sldLayoutIdLst/>
 </p:sldMaster>
 </file>
 
@@ -4240,7 +4213,506 @@
       </p:grpSpPr>
       <p:sp>
         <p:nvSpPr>
-          <p:cNvPr id="7" name="PlaceHolder 1"/>
+          <p:cNvPr id="9" name="PlaceHolder 1"/>
+          <p:cNvSpPr>
+            <a:spLocks noGrp="1"/>
+          </p:cNvSpPr>
+          <p:nvPr>
+            <p:ph type="title"/>
+          </p:nvPr>
+        </p:nvSpPr>
+        <p:spPr>
+          <a:xfrm>
+            <a:off x="838080" y="365040"/>
+            <a:ext cx="10513800" cy="1323720"/>
+          </a:xfrm>
+          <a:prstGeom prst="rect">
+            <a:avLst/>
+          </a:prstGeom>
+          <a:noFill/>
+          <a:ln w="0">
+            <a:noFill/>
+          </a:ln>
+        </p:spPr>
+        <p:txBody>
+          <a:bodyPr lIns="0" rIns="0" tIns="0" bIns="0" anchor="ctr">
+            <a:noAutofit/>
+          </a:bodyPr>
+          <a:p>
+            <a:pPr indent="0">
+              <a:buNone/>
+            </a:pPr>
+            <a:r>
+              <a:rPr b="0" lang="es-CO" sz="1800" spc="-1" strike="noStrike">
+                <a:solidFill>
+                  <a:srgbClr val="000000"/>
+                </a:solidFill>
+                <a:latin typeface="Arial"/>
+              </a:rPr>
+              <a:t>Pulse para editar el formato del texto de título</a:t>
+            </a:r>
+            <a:endParaRPr b="0" lang="es-CO" sz="1800" spc="-1" strike="noStrike">
+              <a:solidFill>
+                <a:srgbClr val="000000"/>
+              </a:solidFill>
+              <a:latin typeface="Arial"/>
+            </a:endParaRPr>
+          </a:p>
+        </p:txBody>
+      </p:sp>
+      <p:sp>
+        <p:nvSpPr>
+          <p:cNvPr id="10" name="PlaceHolder 2"/>
+          <p:cNvSpPr>
+            <a:spLocks noGrp="1"/>
+          </p:cNvSpPr>
+          <p:nvPr>
+            <p:ph type="body"/>
+          </p:nvPr>
+        </p:nvSpPr>
+        <p:spPr>
+          <a:xfrm>
+            <a:off x="838080" y="1825560"/>
+            <a:ext cx="292680" cy="4349520"/>
+          </a:xfrm>
+          <a:prstGeom prst="rect">
+            <a:avLst/>
+          </a:prstGeom>
+          <a:noFill/>
+          <a:ln w="0">
+            <a:noFill/>
+          </a:ln>
+        </p:spPr>
+        <p:txBody>
+          <a:bodyPr lIns="0" rIns="0" tIns="0" bIns="0" anchor="t">
+            <a:normAutofit fontScale="6111"/>
+          </a:bodyPr>
+          <a:p>
+            <a:pPr marL="432000" indent="-324000">
+              <a:spcBef>
+                <a:spcPts val="1417"/>
+              </a:spcBef>
+              <a:buClr>
+                <a:srgbClr val="000000"/>
+              </a:buClr>
+              <a:buSzPct val="45000"/>
+              <a:buFont typeface="Wingdings" charset="2"/>
+              <a:buChar char=""/>
+            </a:pPr>
+            <a:r>
+              <a:rPr b="0" lang="es-CO" sz="1800" spc="-1" strike="noStrike">
+                <a:solidFill>
+                  <a:srgbClr val="000000"/>
+                </a:solidFill>
+                <a:latin typeface="Arial"/>
+              </a:rPr>
+              <a:t>Pulse para editar el formato de texto del esquema</a:t>
+            </a:r>
+            <a:endParaRPr b="0" lang="es-CO" sz="1800" spc="-1" strike="noStrike">
+              <a:solidFill>
+                <a:srgbClr val="000000"/>
+              </a:solidFill>
+              <a:latin typeface="Arial"/>
+            </a:endParaRPr>
+          </a:p>
+          <a:p>
+            <a:pPr lvl="1" marL="864000" indent="-324000">
+              <a:spcBef>
+                <a:spcPts val="1134"/>
+              </a:spcBef>
+              <a:buClr>
+                <a:srgbClr val="000000"/>
+              </a:buClr>
+              <a:buSzPct val="75000"/>
+              <a:buFont typeface="Symbol" charset="2"/>
+              <a:buChar char=""/>
+            </a:pPr>
+            <a:r>
+              <a:rPr b="0" lang="es-CO" sz="1800" spc="-1" strike="noStrike">
+                <a:solidFill>
+                  <a:srgbClr val="000000"/>
+                </a:solidFill>
+                <a:latin typeface="Arial"/>
+              </a:rPr>
+              <a:t>Segundo nivel del esquema</a:t>
+            </a:r>
+            <a:endParaRPr b="0" lang="es-CO" sz="1800" spc="-1" strike="noStrike">
+              <a:solidFill>
+                <a:srgbClr val="000000"/>
+              </a:solidFill>
+              <a:latin typeface="Arial"/>
+            </a:endParaRPr>
+          </a:p>
+          <a:p>
+            <a:pPr lvl="2" marL="1296000" indent="-288000">
+              <a:spcBef>
+                <a:spcPts val="850"/>
+              </a:spcBef>
+              <a:buClr>
+                <a:srgbClr val="000000"/>
+              </a:buClr>
+              <a:buSzPct val="45000"/>
+              <a:buFont typeface="Wingdings" charset="2"/>
+              <a:buChar char=""/>
+            </a:pPr>
+            <a:r>
+              <a:rPr b="0" lang="es-CO" sz="1800" spc="-1" strike="noStrike">
+                <a:solidFill>
+                  <a:srgbClr val="000000"/>
+                </a:solidFill>
+                <a:latin typeface="Arial"/>
+              </a:rPr>
+              <a:t>Tercer nivel del esquema</a:t>
+            </a:r>
+            <a:endParaRPr b="0" lang="es-CO" sz="1800" spc="-1" strike="noStrike">
+              <a:solidFill>
+                <a:srgbClr val="000000"/>
+              </a:solidFill>
+              <a:latin typeface="Arial"/>
+            </a:endParaRPr>
+          </a:p>
+          <a:p>
+            <a:pPr lvl="3" marL="1728000" indent="-216000">
+              <a:spcBef>
+                <a:spcPts val="567"/>
+              </a:spcBef>
+              <a:buClr>
+                <a:srgbClr val="000000"/>
+              </a:buClr>
+              <a:buSzPct val="75000"/>
+              <a:buFont typeface="Symbol" charset="2"/>
+              <a:buChar char=""/>
+            </a:pPr>
+            <a:r>
+              <a:rPr b="0" lang="es-CO" sz="1800" spc="-1" strike="noStrike">
+                <a:solidFill>
+                  <a:srgbClr val="000000"/>
+                </a:solidFill>
+                <a:latin typeface="Arial"/>
+              </a:rPr>
+              <a:t>Cuarto nivel del esquema</a:t>
+            </a:r>
+            <a:endParaRPr b="0" lang="es-CO" sz="1800" spc="-1" strike="noStrike">
+              <a:solidFill>
+                <a:srgbClr val="000000"/>
+              </a:solidFill>
+              <a:latin typeface="Arial"/>
+            </a:endParaRPr>
+          </a:p>
+          <a:p>
+            <a:pPr lvl="4" marL="2160000" indent="-216000">
+              <a:spcBef>
+                <a:spcPts val="283"/>
+              </a:spcBef>
+              <a:buClr>
+                <a:srgbClr val="000000"/>
+              </a:buClr>
+              <a:buSzPct val="45000"/>
+              <a:buFont typeface="Wingdings" charset="2"/>
+              <a:buChar char=""/>
+            </a:pPr>
+            <a:r>
+              <a:rPr b="0" lang="es-CO" sz="1800" spc="-1" strike="noStrike">
+                <a:solidFill>
+                  <a:srgbClr val="000000"/>
+                </a:solidFill>
+                <a:latin typeface="Arial"/>
+              </a:rPr>
+              <a:t>Quinto nivel del esquema</a:t>
+            </a:r>
+            <a:endParaRPr b="0" lang="es-CO" sz="1800" spc="-1" strike="noStrike">
+              <a:solidFill>
+                <a:srgbClr val="000000"/>
+              </a:solidFill>
+              <a:latin typeface="Arial"/>
+            </a:endParaRPr>
+          </a:p>
+          <a:p>
+            <a:pPr lvl="5" marL="2592000" indent="-216000">
+              <a:spcBef>
+                <a:spcPts val="283"/>
+              </a:spcBef>
+              <a:buClr>
+                <a:srgbClr val="000000"/>
+              </a:buClr>
+              <a:buSzPct val="45000"/>
+              <a:buFont typeface="Wingdings" charset="2"/>
+              <a:buChar char=""/>
+            </a:pPr>
+            <a:r>
+              <a:rPr b="0" lang="es-CO" sz="1800" spc="-1" strike="noStrike">
+                <a:solidFill>
+                  <a:srgbClr val="000000"/>
+                </a:solidFill>
+                <a:latin typeface="Arial"/>
+              </a:rPr>
+              <a:t>Sexto nivel del esquema</a:t>
+            </a:r>
+            <a:endParaRPr b="0" lang="es-CO" sz="1800" spc="-1" strike="noStrike">
+              <a:solidFill>
+                <a:srgbClr val="000000"/>
+              </a:solidFill>
+              <a:latin typeface="Arial"/>
+            </a:endParaRPr>
+          </a:p>
+          <a:p>
+            <a:pPr lvl="6" marL="3024000" indent="-216000">
+              <a:spcBef>
+                <a:spcPts val="283"/>
+              </a:spcBef>
+              <a:buClr>
+                <a:srgbClr val="000000"/>
+              </a:buClr>
+              <a:buSzPct val="45000"/>
+              <a:buFont typeface="Wingdings" charset="2"/>
+              <a:buChar char=""/>
+            </a:pPr>
+            <a:r>
+              <a:rPr b="0" lang="es-CO" sz="1800" spc="-1" strike="noStrike">
+                <a:solidFill>
+                  <a:srgbClr val="000000"/>
+                </a:solidFill>
+                <a:latin typeface="Arial"/>
+              </a:rPr>
+              <a:t>Séptimo nivel del esquema</a:t>
+            </a:r>
+            <a:endParaRPr b="0" lang="es-CO" sz="1800" spc="-1" strike="noStrike">
+              <a:solidFill>
+                <a:srgbClr val="000000"/>
+              </a:solidFill>
+              <a:latin typeface="Arial"/>
+            </a:endParaRPr>
+          </a:p>
+        </p:txBody>
+      </p:sp>
+      <p:sp>
+        <p:nvSpPr>
+          <p:cNvPr id="11" name="PlaceHolder 3"/>
+          <p:cNvSpPr>
+            <a:spLocks noGrp="1"/>
+          </p:cNvSpPr>
+          <p:nvPr>
+            <p:ph type="body"/>
+          </p:nvPr>
+        </p:nvSpPr>
+        <p:spPr>
+          <a:xfrm>
+            <a:off x="1146240" y="1825560"/>
+            <a:ext cx="292680" cy="4349520"/>
+          </a:xfrm>
+          <a:prstGeom prst="rect">
+            <a:avLst/>
+          </a:prstGeom>
+          <a:noFill/>
+          <a:ln w="0">
+            <a:noFill/>
+          </a:ln>
+        </p:spPr>
+        <p:txBody>
+          <a:bodyPr lIns="0" rIns="0" tIns="0" bIns="0" anchor="t">
+            <a:normAutofit fontScale="6111"/>
+          </a:bodyPr>
+          <a:p>
+            <a:pPr marL="432000" indent="-324000">
+              <a:spcBef>
+                <a:spcPts val="1417"/>
+              </a:spcBef>
+              <a:buClr>
+                <a:srgbClr val="000000"/>
+              </a:buClr>
+              <a:buSzPct val="45000"/>
+              <a:buFont typeface="Wingdings" charset="2"/>
+              <a:buChar char=""/>
+            </a:pPr>
+            <a:r>
+              <a:rPr b="0" lang="es-CO" sz="1800" spc="-1" strike="noStrike">
+                <a:solidFill>
+                  <a:srgbClr val="000000"/>
+                </a:solidFill>
+                <a:latin typeface="Arial"/>
+              </a:rPr>
+              <a:t>Pulse para editar el formato de texto del esquema</a:t>
+            </a:r>
+            <a:endParaRPr b="0" lang="es-CO" sz="1800" spc="-1" strike="noStrike">
+              <a:solidFill>
+                <a:srgbClr val="000000"/>
+              </a:solidFill>
+              <a:latin typeface="Arial"/>
+            </a:endParaRPr>
+          </a:p>
+          <a:p>
+            <a:pPr lvl="1" marL="864000" indent="-324000">
+              <a:spcBef>
+                <a:spcPts val="1134"/>
+              </a:spcBef>
+              <a:buClr>
+                <a:srgbClr val="000000"/>
+              </a:buClr>
+              <a:buSzPct val="75000"/>
+              <a:buFont typeface="Symbol" charset="2"/>
+              <a:buChar char=""/>
+            </a:pPr>
+            <a:r>
+              <a:rPr b="0" lang="es-CO" sz="1800" spc="-1" strike="noStrike">
+                <a:solidFill>
+                  <a:srgbClr val="000000"/>
+                </a:solidFill>
+                <a:latin typeface="Arial"/>
+              </a:rPr>
+              <a:t>Segundo nivel del esquema</a:t>
+            </a:r>
+            <a:endParaRPr b="0" lang="es-CO" sz="1800" spc="-1" strike="noStrike">
+              <a:solidFill>
+                <a:srgbClr val="000000"/>
+              </a:solidFill>
+              <a:latin typeface="Arial"/>
+            </a:endParaRPr>
+          </a:p>
+          <a:p>
+            <a:pPr lvl="2" marL="1296000" indent="-288000">
+              <a:spcBef>
+                <a:spcPts val="850"/>
+              </a:spcBef>
+              <a:buClr>
+                <a:srgbClr val="000000"/>
+              </a:buClr>
+              <a:buSzPct val="45000"/>
+              <a:buFont typeface="Wingdings" charset="2"/>
+              <a:buChar char=""/>
+            </a:pPr>
+            <a:r>
+              <a:rPr b="0" lang="es-CO" sz="1800" spc="-1" strike="noStrike">
+                <a:solidFill>
+                  <a:srgbClr val="000000"/>
+                </a:solidFill>
+                <a:latin typeface="Arial"/>
+              </a:rPr>
+              <a:t>Tercer nivel del esquema</a:t>
+            </a:r>
+            <a:endParaRPr b="0" lang="es-CO" sz="1800" spc="-1" strike="noStrike">
+              <a:solidFill>
+                <a:srgbClr val="000000"/>
+              </a:solidFill>
+              <a:latin typeface="Arial"/>
+            </a:endParaRPr>
+          </a:p>
+          <a:p>
+            <a:pPr lvl="3" marL="1728000" indent="-216000">
+              <a:spcBef>
+                <a:spcPts val="567"/>
+              </a:spcBef>
+              <a:buClr>
+                <a:srgbClr val="000000"/>
+              </a:buClr>
+              <a:buSzPct val="75000"/>
+              <a:buFont typeface="Symbol" charset="2"/>
+              <a:buChar char=""/>
+            </a:pPr>
+            <a:r>
+              <a:rPr b="0" lang="es-CO" sz="1800" spc="-1" strike="noStrike">
+                <a:solidFill>
+                  <a:srgbClr val="000000"/>
+                </a:solidFill>
+                <a:latin typeface="Arial"/>
+              </a:rPr>
+              <a:t>Cuarto nivel del esquema</a:t>
+            </a:r>
+            <a:endParaRPr b="0" lang="es-CO" sz="1800" spc="-1" strike="noStrike">
+              <a:solidFill>
+                <a:srgbClr val="000000"/>
+              </a:solidFill>
+              <a:latin typeface="Arial"/>
+            </a:endParaRPr>
+          </a:p>
+          <a:p>
+            <a:pPr lvl="4" marL="2160000" indent="-216000">
+              <a:spcBef>
+                <a:spcPts val="283"/>
+              </a:spcBef>
+              <a:buClr>
+                <a:srgbClr val="000000"/>
+              </a:buClr>
+              <a:buSzPct val="45000"/>
+              <a:buFont typeface="Wingdings" charset="2"/>
+              <a:buChar char=""/>
+            </a:pPr>
+            <a:r>
+              <a:rPr b="0" lang="es-CO" sz="1800" spc="-1" strike="noStrike">
+                <a:solidFill>
+                  <a:srgbClr val="000000"/>
+                </a:solidFill>
+                <a:latin typeface="Arial"/>
+              </a:rPr>
+              <a:t>Quinto nivel del esquema</a:t>
+            </a:r>
+            <a:endParaRPr b="0" lang="es-CO" sz="1800" spc="-1" strike="noStrike">
+              <a:solidFill>
+                <a:srgbClr val="000000"/>
+              </a:solidFill>
+              <a:latin typeface="Arial"/>
+            </a:endParaRPr>
+          </a:p>
+          <a:p>
+            <a:pPr lvl="5" marL="2592000" indent="-216000">
+              <a:spcBef>
+                <a:spcPts val="283"/>
+              </a:spcBef>
+              <a:buClr>
+                <a:srgbClr val="000000"/>
+              </a:buClr>
+              <a:buSzPct val="45000"/>
+              <a:buFont typeface="Wingdings" charset="2"/>
+              <a:buChar char=""/>
+            </a:pPr>
+            <a:r>
+              <a:rPr b="0" lang="es-CO" sz="1800" spc="-1" strike="noStrike">
+                <a:solidFill>
+                  <a:srgbClr val="000000"/>
+                </a:solidFill>
+                <a:latin typeface="Arial"/>
+              </a:rPr>
+              <a:t>Sexto nivel del esquema</a:t>
+            </a:r>
+            <a:endParaRPr b="0" lang="es-CO" sz="1800" spc="-1" strike="noStrike">
+              <a:solidFill>
+                <a:srgbClr val="000000"/>
+              </a:solidFill>
+              <a:latin typeface="Arial"/>
+            </a:endParaRPr>
+          </a:p>
+          <a:p>
+            <a:pPr lvl="6" marL="3024000" indent="-216000">
+              <a:spcBef>
+                <a:spcPts val="283"/>
+              </a:spcBef>
+              <a:buClr>
+                <a:srgbClr val="000000"/>
+              </a:buClr>
+              <a:buSzPct val="45000"/>
+              <a:buFont typeface="Wingdings" charset="2"/>
+              <a:buChar char=""/>
+            </a:pPr>
+            <a:r>
+              <a:rPr b="0" lang="es-CO" sz="1800" spc="-1" strike="noStrike">
+                <a:solidFill>
+                  <a:srgbClr val="000000"/>
+                </a:solidFill>
+                <a:latin typeface="Arial"/>
+              </a:rPr>
+              <a:t>Séptimo nivel del esquema</a:t>
+            </a:r>
+            <a:endParaRPr b="0" lang="es-CO" sz="1800" spc="-1" strike="noStrike">
+              <a:solidFill>
+                <a:srgbClr val="000000"/>
+              </a:solidFill>
+              <a:latin typeface="Arial"/>
+            </a:endParaRPr>
+          </a:p>
+        </p:txBody>
+      </p:sp>
+      <p:sp>
+        <p:nvSpPr>
+          <p:cNvPr id="12" name="PlaceHolder 4"/>
           <p:cNvSpPr>
             <a:spLocks noGrp="1"/>
           </p:cNvSpPr>
@@ -4251,7 +4723,7 @@
         <p:spPr>
           <a:xfrm>
             <a:off x="4038480" y="6356520"/>
-            <a:ext cx="4113360" cy="363600"/>
+            <a:ext cx="4113000" cy="363240"/>
           </a:xfrm>
           <a:prstGeom prst="rect">
             <a:avLst/>
@@ -4312,7 +4784,7 @@
       </p:sp>
       <p:sp>
         <p:nvSpPr>
-          <p:cNvPr id="8" name="PlaceHolder 2"/>
+          <p:cNvPr id="13" name="PlaceHolder 5"/>
           <p:cNvSpPr>
             <a:spLocks noGrp="1"/>
           </p:cNvSpPr>
@@ -4323,7 +4795,7 @@
         <p:spPr>
           <a:xfrm>
             <a:off x="8610480" y="6356520"/>
-            <a:ext cx="2741760" cy="363600"/>
+            <a:ext cx="2741400" cy="363240"/>
           </a:xfrm>
           <a:prstGeom prst="rect">
             <a:avLst/>
@@ -4365,7 +4837,7 @@
                 <a:tab algn="l" pos="0"/>
               </a:tabLst>
             </a:pPr>
-            <a:fld id="{88CC450B-88E5-4DE2-8DD5-4BDFFD9FB4AF}" type="slidenum">
+            <a:fld id="{4F097C02-659A-447F-B39F-B48612A1DA85}" type="slidenum">
               <a:rPr b="0" lang="es-CO" sz="1200" spc="-1" strike="noStrike">
                 <a:solidFill>
                   <a:srgbClr val="888888"/>
@@ -4386,7 +4858,7 @@
       </p:sp>
       <p:sp>
         <p:nvSpPr>
-          <p:cNvPr id="9" name="PlaceHolder 3"/>
+          <p:cNvPr id="14" name="PlaceHolder 6"/>
           <p:cNvSpPr>
             <a:spLocks noGrp="1"/>
           </p:cNvSpPr>
@@ -4397,7 +4869,7 @@
         <p:spPr>
           <a:xfrm>
             <a:off x="838080" y="6356520"/>
-            <a:ext cx="2741760" cy="363600"/>
+            <a:ext cx="2741400" cy="363240"/>
           </a:xfrm>
           <a:prstGeom prst="rect">
             <a:avLst/>
@@ -4479,7 +4951,56 @@
       </p:grpSpPr>
       <p:sp>
         <p:nvSpPr>
-          <p:cNvPr id="13" name="PlaceHolder 1"/>
+          <p:cNvPr id="18" name="PlaceHolder 1"/>
+          <p:cNvSpPr>
+            <a:spLocks noGrp="1"/>
+          </p:cNvSpPr>
+          <p:nvPr>
+            <p:ph type="title"/>
+          </p:nvPr>
+        </p:nvSpPr>
+        <p:spPr>
+          <a:xfrm>
+            <a:off x="838080" y="365040"/>
+            <a:ext cx="10513800" cy="1323720"/>
+          </a:xfrm>
+          <a:prstGeom prst="rect">
+            <a:avLst/>
+          </a:prstGeom>
+          <a:noFill/>
+          <a:ln w="0">
+            <a:noFill/>
+          </a:ln>
+        </p:spPr>
+        <p:txBody>
+          <a:bodyPr lIns="0" rIns="0" tIns="0" bIns="0" anchor="ctr">
+            <a:noAutofit/>
+          </a:bodyPr>
+          <a:p>
+            <a:pPr indent="0">
+              <a:buNone/>
+            </a:pPr>
+            <a:r>
+              <a:rPr b="0" lang="es-CO" sz="1800" spc="-1" strike="noStrike">
+                <a:solidFill>
+                  <a:srgbClr val="000000"/>
+                </a:solidFill>
+                <a:latin typeface="Arial"/>
+              </a:rPr>
+              <a:t>Pulse para editar el formato del texto de título</a:t>
+            </a:r>
+            <a:endParaRPr b="0" lang="es-CO" sz="1800" spc="-1" strike="noStrike">
+              <a:solidFill>
+                <a:srgbClr val="000000"/>
+              </a:solidFill>
+              <a:latin typeface="Arial"/>
+            </a:endParaRPr>
+          </a:p>
+        </p:txBody>
+      </p:sp>
+      <p:sp>
+        <p:nvSpPr>
+          <p:cNvPr id="19" name="PlaceHolder 2"/>
           <p:cNvSpPr>
             <a:spLocks noGrp="1"/>
           </p:cNvSpPr>
@@ -4490,7 +5011,7 @@
         <p:spPr>
           <a:xfrm>
             <a:off x="4038480" y="6356520"/>
-            <a:ext cx="4113360" cy="363600"/>
+            <a:ext cx="4113000" cy="363240"/>
           </a:xfrm>
           <a:prstGeom prst="rect">
             <a:avLst/>
@@ -4551,7 +5072,7 @@
       </p:sp>
       <p:sp>
         <p:nvSpPr>
-          <p:cNvPr id="14" name="PlaceHolder 2"/>
+          <p:cNvPr id="20" name="PlaceHolder 3"/>
           <p:cNvSpPr>
             <a:spLocks noGrp="1"/>
           </p:cNvSpPr>
@@ -4562,7 +5083,7 @@
         <p:spPr>
           <a:xfrm>
             <a:off x="8610480" y="6356520"/>
-            <a:ext cx="2741760" cy="363600"/>
+            <a:ext cx="2741400" cy="363240"/>
           </a:xfrm>
           <a:prstGeom prst="rect">
             <a:avLst/>
@@ -4604,7 +5125,7 @@
                 <a:tab algn="l" pos="0"/>
               </a:tabLst>
             </a:pPr>
-            <a:fld id="{CD5937F5-0B76-486B-90E8-023E91FA2582}" type="slidenum">
+            <a:fld id="{2446DAB2-3E63-408C-82C4-7DEE481F4867}" type="slidenum">
               <a:rPr b="0" lang="es-CO" sz="1200" spc="-1" strike="noStrike">
                 <a:solidFill>
                   <a:srgbClr val="888888"/>
@@ -4625,7 +5146,7 @@
       </p:sp>
       <p:sp>
         <p:nvSpPr>
-          <p:cNvPr id="15" name="PlaceHolder 3"/>
+          <p:cNvPr id="21" name="PlaceHolder 4"/>
           <p:cNvSpPr>
             <a:spLocks noGrp="1"/>
           </p:cNvSpPr>
@@ -4636,7 +5157,7 @@
         <p:spPr>
           <a:xfrm>
             <a:off x="838080" y="6356520"/>
-            <a:ext cx="2741760" cy="363600"/>
+            <a:ext cx="2741400" cy="363240"/>
           </a:xfrm>
           <a:prstGeom prst="rect">
             <a:avLst/>
@@ -4685,56 +5206,7 @@
       </p:sp>
       <p:sp>
         <p:nvSpPr>
-          <p:cNvPr id="16" name="PlaceHolder 4"/>
-          <p:cNvSpPr>
-            <a:spLocks noGrp="1"/>
-          </p:cNvSpPr>
-          <p:nvPr>
-            <p:ph type="title"/>
-          </p:nvPr>
-        </p:nvSpPr>
-        <p:spPr>
-          <a:xfrm>
-            <a:off x="609480" y="273600"/>
-            <a:ext cx="10972440" cy="1144800"/>
-          </a:xfrm>
-          <a:prstGeom prst="rect">
-            <a:avLst/>
-          </a:prstGeom>
-          <a:noFill/>
-          <a:ln w="0">
-            <a:noFill/>
-          </a:ln>
-        </p:spPr>
-        <p:txBody>
-          <a:bodyPr lIns="0" rIns="0" tIns="0" bIns="0" anchor="ctr">
-            <a:noAutofit/>
-          </a:bodyPr>
-          <a:p>
-            <a:pPr indent="0" algn="ctr">
-              <a:buNone/>
-            </a:pPr>
-            <a:r>
-              <a:rPr b="0" lang="es-CO" sz="4400" spc="-1" strike="noStrike">
-                <a:solidFill>
-                  <a:srgbClr val="000000"/>
-                </a:solidFill>
-                <a:latin typeface="Arial"/>
-              </a:rPr>
-              <a:t>Pulse para editar el formato del texto de título</a:t>
-            </a:r>
-            <a:endParaRPr b="0" lang="es-CO" sz="4400" spc="-1" strike="noStrike">
-              <a:solidFill>
-                <a:srgbClr val="000000"/>
-              </a:solidFill>
-              <a:latin typeface="Arial"/>
-            </a:endParaRPr>
-          </a:p>
-        </p:txBody>
-      </p:sp>
-      <p:sp>
-        <p:nvSpPr>
-          <p:cNvPr id="17" name="PlaceHolder 5"/>
+          <p:cNvPr id="22" name="PlaceHolder 5"/>
           <p:cNvSpPr>
             <a:spLocks noGrp="1"/>
           </p:cNvSpPr>
@@ -4962,8 +5434,6 @@
   <p:clrMap bg1="lt1" bg2="lt2" tx1="dk1" tx2="dk2" accent1="accent1" accent2="accent2" accent3="accent3" accent4="accent4" accent5="accent5" accent6="accent6" hlink="hlink" folHlink="folHlink"/>
   <p:sldLayoutIdLst>
     <p:sldLayoutId id="2147483653" r:id="rId2"/>
-    <p:sldLayoutId id="2147483654" r:id="rId3"/>
-    <p:sldLayoutId id="2147483655" r:id="rId4"/>
   </p:sldLayoutIdLst>
 </p:sldMaster>
 </file>
@@ -4994,281 +5464,7 @@
       </p:grpSpPr>
       <p:sp>
         <p:nvSpPr>
-          <p:cNvPr id="23" name="PlaceHolder 1"/>
-          <p:cNvSpPr>
-            <a:spLocks noGrp="1"/>
-          </p:cNvSpPr>
-          <p:nvPr>
-            <p:ph type="title"/>
-          </p:nvPr>
-        </p:nvSpPr>
-        <p:spPr>
-          <a:xfrm>
-            <a:off x="838080" y="365040"/>
-            <a:ext cx="10514160" cy="1324080"/>
-          </a:xfrm>
-          <a:prstGeom prst="rect">
-            <a:avLst/>
-          </a:prstGeom>
-          <a:noFill/>
-          <a:ln w="0">
-            <a:noFill/>
-          </a:ln>
-        </p:spPr>
-        <p:txBody>
-          <a:bodyPr lIns="0" rIns="0" tIns="0" bIns="0" anchor="ctr">
-            <a:noAutofit/>
-          </a:bodyPr>
-          <a:p>
-            <a:pPr indent="0" algn="ctr">
-              <a:buNone/>
-            </a:pPr>
-            <a:r>
-              <a:rPr b="0" lang="es-CO" sz="4400" spc="-1" strike="noStrike">
-                <a:solidFill>
-                  <a:srgbClr val="000000"/>
-                </a:solidFill>
-                <a:latin typeface="Arial"/>
-              </a:rPr>
-              <a:t>Pulse para editar el formato del texto de título</a:t>
-            </a:r>
-            <a:endParaRPr b="0" lang="es-CO" sz="4400" spc="-1" strike="noStrike">
-              <a:solidFill>
-                <a:srgbClr val="000000"/>
-              </a:solidFill>
-              <a:latin typeface="Arial"/>
-            </a:endParaRPr>
-          </a:p>
-        </p:txBody>
-      </p:sp>
-      <p:sp>
-        <p:nvSpPr>
-          <p:cNvPr id="24" name="PlaceHolder 2"/>
-          <p:cNvSpPr>
-            <a:spLocks noGrp="1"/>
-          </p:cNvSpPr>
-          <p:nvPr>
-            <p:ph type="body"/>
-          </p:nvPr>
-        </p:nvSpPr>
-        <p:spPr>
-          <a:xfrm>
-            <a:off x="838080" y="1825560"/>
-            <a:ext cx="1232640" cy="4349880"/>
-          </a:xfrm>
-          <a:prstGeom prst="rect">
-            <a:avLst/>
-          </a:prstGeom>
-          <a:noFill/>
-          <a:ln w="0">
-            <a:noFill/>
-          </a:ln>
-        </p:spPr>
-        <p:txBody>
-          <a:bodyPr lIns="0" rIns="0" tIns="0" bIns="0" anchor="t">
-            <a:normAutofit fontScale="9374"/>
-          </a:bodyPr>
-          <a:p>
-            <a:pPr marL="432000" indent="-324000">
-              <a:spcBef>
-                <a:spcPts val="1417"/>
-              </a:spcBef>
-              <a:buClr>
-                <a:srgbClr val="000000"/>
-              </a:buClr>
-              <a:buSzPct val="45000"/>
-              <a:buFont typeface="Wingdings" charset="2"/>
-              <a:buChar char=""/>
-            </a:pPr>
-            <a:r>
-              <a:rPr b="0" lang="es-CO" sz="3200" spc="-1" strike="noStrike">
-                <a:solidFill>
-                  <a:srgbClr val="000000"/>
-                </a:solidFill>
-                <a:latin typeface="Arial"/>
-              </a:rPr>
-              <a:t>Pulse para editar el formato de texto del esquema</a:t>
-            </a:r>
-            <a:endParaRPr b="0" lang="es-CO" sz="3200" spc="-1" strike="noStrike">
-              <a:solidFill>
-                <a:srgbClr val="000000"/>
-              </a:solidFill>
-              <a:latin typeface="Arial"/>
-            </a:endParaRPr>
-          </a:p>
-          <a:p>
-            <a:pPr lvl="1" marL="864000" indent="-324000">
-              <a:spcBef>
-                <a:spcPts val="1134"/>
-              </a:spcBef>
-              <a:buClr>
-                <a:srgbClr val="000000"/>
-              </a:buClr>
-              <a:buSzPct val="75000"/>
-              <a:buFont typeface="Symbol" charset="2"/>
-              <a:buChar char=""/>
-            </a:pPr>
-            <a:r>
-              <a:rPr b="0" lang="es-CO" sz="2800" spc="-1" strike="noStrike">
-                <a:solidFill>
-                  <a:srgbClr val="000000"/>
-                </a:solidFill>
-                <a:latin typeface="Arial"/>
-              </a:rPr>
-              <a:t>Segundo nivel del esquema</a:t>
-            </a:r>
-            <a:endParaRPr b="0" lang="es-CO" sz="2800" spc="-1" strike="noStrike">
-              <a:solidFill>
-                <a:srgbClr val="000000"/>
-              </a:solidFill>
-              <a:latin typeface="Arial"/>
-            </a:endParaRPr>
-          </a:p>
-          <a:p>
-            <a:pPr lvl="2" marL="1296000" indent="-288000">
-              <a:spcBef>
-                <a:spcPts val="850"/>
-              </a:spcBef>
-              <a:buClr>
-                <a:srgbClr val="000000"/>
-              </a:buClr>
-              <a:buSzPct val="45000"/>
-              <a:buFont typeface="Wingdings" charset="2"/>
-              <a:buChar char=""/>
-            </a:pPr>
-            <a:r>
-              <a:rPr b="0" lang="es-CO" sz="2400" spc="-1" strike="noStrike">
-                <a:solidFill>
-                  <a:srgbClr val="000000"/>
-                </a:solidFill>
-                <a:latin typeface="Arial"/>
-              </a:rPr>
-              <a:t>Tercer nivel del esquema</a:t>
-            </a:r>
-            <a:endParaRPr b="0" lang="es-CO" sz="2400" spc="-1" strike="noStrike">
-              <a:solidFill>
-                <a:srgbClr val="000000"/>
-              </a:solidFill>
-              <a:latin typeface="Arial"/>
-            </a:endParaRPr>
-          </a:p>
-          <a:p>
-            <a:pPr lvl="3" marL="1728000" indent="-216000">
-              <a:spcBef>
-                <a:spcPts val="567"/>
-              </a:spcBef>
-              <a:buClr>
-                <a:srgbClr val="000000"/>
-              </a:buClr>
-              <a:buSzPct val="75000"/>
-              <a:buFont typeface="Symbol" charset="2"/>
-              <a:buChar char=""/>
-            </a:pPr>
-            <a:r>
-              <a:rPr b="0" lang="es-CO" sz="2000" spc="-1" strike="noStrike">
-                <a:solidFill>
-                  <a:srgbClr val="000000"/>
-                </a:solidFill>
-                <a:latin typeface="Arial"/>
-              </a:rPr>
-              <a:t>Cuarto nivel del esquema</a:t>
-            </a:r>
-            <a:endParaRPr b="0" lang="es-CO" sz="2000" spc="-1" strike="noStrike">
-              <a:solidFill>
-                <a:srgbClr val="000000"/>
-              </a:solidFill>
-              <a:latin typeface="Arial"/>
-            </a:endParaRPr>
-          </a:p>
-          <a:p>
-            <a:pPr lvl="4" marL="2160000" indent="-216000">
-              <a:spcBef>
-                <a:spcPts val="283"/>
-              </a:spcBef>
-              <a:buClr>
-                <a:srgbClr val="000000"/>
-              </a:buClr>
-              <a:buSzPct val="45000"/>
-              <a:buFont typeface="Wingdings" charset="2"/>
-              <a:buChar char=""/>
-            </a:pPr>
-            <a:r>
-              <a:rPr b="0" lang="es-CO" sz="2000" spc="-1" strike="noStrike">
-                <a:solidFill>
-                  <a:srgbClr val="000000"/>
-                </a:solidFill>
-                <a:latin typeface="Arial"/>
-              </a:rPr>
-              <a:t>Quinto nivel del esquema</a:t>
-            </a:r>
-            <a:endParaRPr b="0" lang="es-CO" sz="2000" spc="-1" strike="noStrike">
-              <a:solidFill>
-                <a:srgbClr val="000000"/>
-              </a:solidFill>
-              <a:latin typeface="Arial"/>
-            </a:endParaRPr>
-          </a:p>
-          <a:p>
-            <a:pPr lvl="5" marL="2592000" indent="-216000">
-              <a:spcBef>
-                <a:spcPts val="283"/>
-              </a:spcBef>
-              <a:buClr>
-                <a:srgbClr val="000000"/>
-              </a:buClr>
-              <a:buSzPct val="45000"/>
-              <a:buFont typeface="Wingdings" charset="2"/>
-              <a:buChar char=""/>
-            </a:pPr>
-            <a:r>
-              <a:rPr b="0" lang="es-CO" sz="2000" spc="-1" strike="noStrike">
-                <a:solidFill>
-                  <a:srgbClr val="000000"/>
-                </a:solidFill>
-                <a:latin typeface="Arial"/>
-              </a:rPr>
-              <a:t>Sexto nivel del esquema</a:t>
-            </a:r>
-            <a:endParaRPr b="0" lang="es-CO" sz="2000" spc="-1" strike="noStrike">
-              <a:solidFill>
-                <a:srgbClr val="000000"/>
-              </a:solidFill>
-              <a:latin typeface="Arial"/>
-            </a:endParaRPr>
-          </a:p>
-          <a:p>
-            <a:pPr lvl="6" marL="3024000" indent="-216000">
-              <a:spcBef>
-                <a:spcPts val="283"/>
-              </a:spcBef>
-              <a:buClr>
-                <a:srgbClr val="000000"/>
-              </a:buClr>
-              <a:buSzPct val="45000"/>
-              <a:buFont typeface="Wingdings" charset="2"/>
-              <a:buChar char=""/>
-            </a:pPr>
-            <a:r>
-              <a:rPr b="0" lang="es-CO" sz="2000" spc="-1" strike="noStrike">
-                <a:solidFill>
-                  <a:srgbClr val="000000"/>
-                </a:solidFill>
-                <a:latin typeface="Arial"/>
-              </a:rPr>
-              <a:t>Séptimo nivel del esquema</a:t>
-            </a:r>
-            <a:endParaRPr b="0" lang="es-CO" sz="2000" spc="-1" strike="noStrike">
-              <a:solidFill>
-                <a:srgbClr val="000000"/>
-              </a:solidFill>
-              <a:latin typeface="Arial"/>
-            </a:endParaRPr>
-          </a:p>
-        </p:txBody>
-      </p:sp>
-      <p:sp>
-        <p:nvSpPr>
-          <p:cNvPr id="25" name="PlaceHolder 3"/>
+          <p:cNvPr id="25" name="PlaceHolder 1"/>
           <p:cNvSpPr>
             <a:spLocks noGrp="1"/>
           </p:cNvSpPr>
@@ -5279,7 +5475,7 @@
         <p:spPr>
           <a:xfrm>
             <a:off x="4038480" y="6356520"/>
-            <a:ext cx="4113360" cy="363600"/>
+            <a:ext cx="4113000" cy="363240"/>
           </a:xfrm>
           <a:prstGeom prst="rect">
             <a:avLst/>
@@ -5340,7 +5536,7 @@
       </p:sp>
       <p:sp>
         <p:nvSpPr>
-          <p:cNvPr id="26" name="PlaceHolder 4"/>
+          <p:cNvPr id="26" name="PlaceHolder 2"/>
           <p:cNvSpPr>
             <a:spLocks noGrp="1"/>
           </p:cNvSpPr>
@@ -5351,7 +5547,7 @@
         <p:spPr>
           <a:xfrm>
             <a:off x="8610480" y="6356520"/>
-            <a:ext cx="2741760" cy="363600"/>
+            <a:ext cx="2741400" cy="363240"/>
           </a:xfrm>
           <a:prstGeom prst="rect">
             <a:avLst/>
@@ -5393,7 +5589,7 @@
                 <a:tab algn="l" pos="0"/>
               </a:tabLst>
             </a:pPr>
-            <a:fld id="{513408F4-F2D3-4CDE-8B54-465C69B6A5E0}" type="slidenum">
+            <a:fld id="{D4002245-E9E8-459B-A837-4268C2E877F7}" type="slidenum">
               <a:rPr b="0" lang="es-CO" sz="1200" spc="-1" strike="noStrike">
                 <a:solidFill>
                   <a:srgbClr val="888888"/>
@@ -5414,7 +5610,7 @@
       </p:sp>
       <p:sp>
         <p:nvSpPr>
-          <p:cNvPr id="27" name="PlaceHolder 5"/>
+          <p:cNvPr id="27" name="PlaceHolder 3"/>
           <p:cNvSpPr>
             <a:spLocks noGrp="1"/>
           </p:cNvSpPr>
@@ -5425,7 +5621,7 @@
         <p:spPr>
           <a:xfrm>
             <a:off x="838080" y="6356520"/>
-            <a:ext cx="2741760" cy="363600"/>
+            <a:ext cx="2741400" cy="363240"/>
           </a:xfrm>
           <a:prstGeom prst="rect">
             <a:avLst/>
@@ -5472,11 +5668,285 @@
           </a:p>
         </p:txBody>
       </p:sp>
+      <p:sp>
+        <p:nvSpPr>
+          <p:cNvPr id="28" name="PlaceHolder 4"/>
+          <p:cNvSpPr>
+            <a:spLocks noGrp="1"/>
+          </p:cNvSpPr>
+          <p:nvPr>
+            <p:ph type="title"/>
+          </p:nvPr>
+        </p:nvSpPr>
+        <p:spPr>
+          <a:xfrm>
+            <a:off x="609480" y="273600"/>
+            <a:ext cx="10972440" cy="1144800"/>
+          </a:xfrm>
+          <a:prstGeom prst="rect">
+            <a:avLst/>
+          </a:prstGeom>
+          <a:noFill/>
+          <a:ln w="0">
+            <a:noFill/>
+          </a:ln>
+        </p:spPr>
+        <p:txBody>
+          <a:bodyPr lIns="0" rIns="0" tIns="0" bIns="0" anchor="ctr">
+            <a:noAutofit/>
+          </a:bodyPr>
+          <a:p>
+            <a:pPr indent="0" algn="ctr">
+              <a:buNone/>
+            </a:pPr>
+            <a:r>
+              <a:rPr b="0" lang="es-CO" sz="4400" spc="-1" strike="noStrike">
+                <a:solidFill>
+                  <a:srgbClr val="000000"/>
+                </a:solidFill>
+                <a:latin typeface="Arial"/>
+              </a:rPr>
+              <a:t>Pulse para editar el formato del texto de título</a:t>
+            </a:r>
+            <a:endParaRPr b="0" lang="es-CO" sz="4400" spc="-1" strike="noStrike">
+              <a:solidFill>
+                <a:srgbClr val="000000"/>
+              </a:solidFill>
+              <a:latin typeface="Arial"/>
+            </a:endParaRPr>
+          </a:p>
+        </p:txBody>
+      </p:sp>
+      <p:sp>
+        <p:nvSpPr>
+          <p:cNvPr id="29" name="PlaceHolder 5"/>
+          <p:cNvSpPr>
+            <a:spLocks noGrp="1"/>
+          </p:cNvSpPr>
+          <p:nvPr>
+            <p:ph type="body"/>
+          </p:nvPr>
+        </p:nvSpPr>
+        <p:spPr>
+          <a:xfrm>
+            <a:off x="609480" y="1604520"/>
+            <a:ext cx="10972440" cy="3977280"/>
+          </a:xfrm>
+          <a:prstGeom prst="rect">
+            <a:avLst/>
+          </a:prstGeom>
+          <a:noFill/>
+          <a:ln w="0">
+            <a:noFill/>
+          </a:ln>
+        </p:spPr>
+        <p:txBody>
+          <a:bodyPr lIns="0" rIns="0" tIns="0" bIns="0" anchor="t">
+            <a:normAutofit/>
+          </a:bodyPr>
+          <a:p>
+            <a:pPr marL="432000" indent="-324000">
+              <a:spcBef>
+                <a:spcPts val="1417"/>
+              </a:spcBef>
+              <a:buClr>
+                <a:srgbClr val="000000"/>
+              </a:buClr>
+              <a:buSzPct val="45000"/>
+              <a:buFont typeface="Wingdings" charset="2"/>
+              <a:buChar char=""/>
+            </a:pPr>
+            <a:r>
+              <a:rPr b="0" lang="es-CO" sz="3200" spc="-1" strike="noStrike">
+                <a:solidFill>
+                  <a:srgbClr val="000000"/>
+                </a:solidFill>
+                <a:latin typeface="Arial"/>
+              </a:rPr>
+              <a:t>Pulse para editar el formato de texto del esquema</a:t>
+            </a:r>
+            <a:endParaRPr b="0" lang="es-CO" sz="3200" spc="-1" strike="noStrike">
+              <a:solidFill>
+                <a:srgbClr val="000000"/>
+              </a:solidFill>
+              <a:latin typeface="Arial"/>
+            </a:endParaRPr>
+          </a:p>
+          <a:p>
+            <a:pPr lvl="1" marL="864000" indent="-324000">
+              <a:spcBef>
+                <a:spcPts val="1134"/>
+              </a:spcBef>
+              <a:buClr>
+                <a:srgbClr val="000000"/>
+              </a:buClr>
+              <a:buSzPct val="75000"/>
+              <a:buFont typeface="Symbol" charset="2"/>
+              <a:buChar char=""/>
+            </a:pPr>
+            <a:r>
+              <a:rPr b="0" lang="es-CO" sz="2800" spc="-1" strike="noStrike">
+                <a:solidFill>
+                  <a:srgbClr val="000000"/>
+                </a:solidFill>
+                <a:latin typeface="Arial"/>
+              </a:rPr>
+              <a:t>Segundo nivel del esquema</a:t>
+            </a:r>
+            <a:endParaRPr b="0" lang="es-CO" sz="2800" spc="-1" strike="noStrike">
+              <a:solidFill>
+                <a:srgbClr val="000000"/>
+              </a:solidFill>
+              <a:latin typeface="Arial"/>
+            </a:endParaRPr>
+          </a:p>
+          <a:p>
+            <a:pPr lvl="2" marL="1296000" indent="-288000">
+              <a:spcBef>
+                <a:spcPts val="850"/>
+              </a:spcBef>
+              <a:buClr>
+                <a:srgbClr val="000000"/>
+              </a:buClr>
+              <a:buSzPct val="45000"/>
+              <a:buFont typeface="Wingdings" charset="2"/>
+              <a:buChar char=""/>
+            </a:pPr>
+            <a:r>
+              <a:rPr b="0" lang="es-CO" sz="2400" spc="-1" strike="noStrike">
+                <a:solidFill>
+                  <a:srgbClr val="000000"/>
+                </a:solidFill>
+                <a:latin typeface="Arial"/>
+              </a:rPr>
+              <a:t>Tercer nivel del esquema</a:t>
+            </a:r>
+            <a:endParaRPr b="0" lang="es-CO" sz="2400" spc="-1" strike="noStrike">
+              <a:solidFill>
+                <a:srgbClr val="000000"/>
+              </a:solidFill>
+              <a:latin typeface="Arial"/>
+            </a:endParaRPr>
+          </a:p>
+          <a:p>
+            <a:pPr lvl="3" marL="1728000" indent="-216000">
+              <a:spcBef>
+                <a:spcPts val="567"/>
+              </a:spcBef>
+              <a:buClr>
+                <a:srgbClr val="000000"/>
+              </a:buClr>
+              <a:buSzPct val="75000"/>
+              <a:buFont typeface="Symbol" charset="2"/>
+              <a:buChar char=""/>
+            </a:pPr>
+            <a:r>
+              <a:rPr b="0" lang="es-CO" sz="2000" spc="-1" strike="noStrike">
+                <a:solidFill>
+                  <a:srgbClr val="000000"/>
+                </a:solidFill>
+                <a:latin typeface="Arial"/>
+              </a:rPr>
+              <a:t>Cuarto nivel del esquema</a:t>
+            </a:r>
+            <a:endParaRPr b="0" lang="es-CO" sz="2000" spc="-1" strike="noStrike">
+              <a:solidFill>
+                <a:srgbClr val="000000"/>
+              </a:solidFill>
+              <a:latin typeface="Arial"/>
+            </a:endParaRPr>
+          </a:p>
+          <a:p>
+            <a:pPr lvl="4" marL="2160000" indent="-216000">
+              <a:spcBef>
+                <a:spcPts val="283"/>
+              </a:spcBef>
+              <a:buClr>
+                <a:srgbClr val="000000"/>
+              </a:buClr>
+              <a:buSzPct val="45000"/>
+              <a:buFont typeface="Wingdings" charset="2"/>
+              <a:buChar char=""/>
+            </a:pPr>
+            <a:r>
+              <a:rPr b="0" lang="es-CO" sz="2000" spc="-1" strike="noStrike">
+                <a:solidFill>
+                  <a:srgbClr val="000000"/>
+                </a:solidFill>
+                <a:latin typeface="Arial"/>
+              </a:rPr>
+              <a:t>Quinto nivel del esquema</a:t>
+            </a:r>
+            <a:endParaRPr b="0" lang="es-CO" sz="2000" spc="-1" strike="noStrike">
+              <a:solidFill>
+                <a:srgbClr val="000000"/>
+              </a:solidFill>
+              <a:latin typeface="Arial"/>
+            </a:endParaRPr>
+          </a:p>
+          <a:p>
+            <a:pPr lvl="5" marL="2592000" indent="-216000">
+              <a:spcBef>
+                <a:spcPts val="283"/>
+              </a:spcBef>
+              <a:buClr>
+                <a:srgbClr val="000000"/>
+              </a:buClr>
+              <a:buSzPct val="45000"/>
+              <a:buFont typeface="Wingdings" charset="2"/>
+              <a:buChar char=""/>
+            </a:pPr>
+            <a:r>
+              <a:rPr b="0" lang="es-CO" sz="2000" spc="-1" strike="noStrike">
+                <a:solidFill>
+                  <a:srgbClr val="000000"/>
+                </a:solidFill>
+                <a:latin typeface="Arial"/>
+              </a:rPr>
+              <a:t>Sexto nivel del esquema</a:t>
+            </a:r>
+            <a:endParaRPr b="0" lang="es-CO" sz="2000" spc="-1" strike="noStrike">
+              <a:solidFill>
+                <a:srgbClr val="000000"/>
+              </a:solidFill>
+              <a:latin typeface="Arial"/>
+            </a:endParaRPr>
+          </a:p>
+          <a:p>
+            <a:pPr lvl="6" marL="3024000" indent="-216000">
+              <a:spcBef>
+                <a:spcPts val="283"/>
+              </a:spcBef>
+              <a:buClr>
+                <a:srgbClr val="000000"/>
+              </a:buClr>
+              <a:buSzPct val="45000"/>
+              <a:buFont typeface="Wingdings" charset="2"/>
+              <a:buChar char=""/>
+            </a:pPr>
+            <a:r>
+              <a:rPr b="0" lang="es-CO" sz="2000" spc="-1" strike="noStrike">
+                <a:solidFill>
+                  <a:srgbClr val="000000"/>
+                </a:solidFill>
+                <a:latin typeface="Arial"/>
+              </a:rPr>
+              <a:t>Séptimo nivel del esquema</a:t>
+            </a:r>
+            <a:endParaRPr b="0" lang="es-CO" sz="2000" spc="-1" strike="noStrike">
+              <a:solidFill>
+                <a:srgbClr val="000000"/>
+              </a:solidFill>
+              <a:latin typeface="Arial"/>
+            </a:endParaRPr>
+          </a:p>
+        </p:txBody>
+      </p:sp>
     </p:spTree>
   </p:cSld>
   <p:clrMap bg1="lt1" bg2="lt2" tx1="dk1" tx2="dk2" accent1="accent1" accent2="accent2" accent3="accent3" accent4="accent4" accent5="accent5" accent6="accent6" hlink="hlink" folHlink="folHlink"/>
   <p:sldLayoutIdLst>
-    <p:sldLayoutId id="2147483657" r:id="rId2"/>
+    <p:sldLayoutId id="2147483655" r:id="rId2"/>
   </p:sldLayoutIdLst>
 </p:sldMaster>
 </file>
@@ -5507,7 +5977,506 @@
       </p:grpSpPr>
       <p:sp>
         <p:nvSpPr>
-          <p:cNvPr id="31" name="PlaceHolder 1"/>
+          <p:cNvPr id="30" name="PlaceHolder 1"/>
+          <p:cNvSpPr>
+            <a:spLocks noGrp="1"/>
+          </p:cNvSpPr>
+          <p:nvPr>
+            <p:ph type="title"/>
+          </p:nvPr>
+        </p:nvSpPr>
+        <p:spPr>
+          <a:xfrm>
+            <a:off x="838080" y="365040"/>
+            <a:ext cx="10513800" cy="1323720"/>
+          </a:xfrm>
+          <a:prstGeom prst="rect">
+            <a:avLst/>
+          </a:prstGeom>
+          <a:noFill/>
+          <a:ln w="0">
+            <a:noFill/>
+          </a:ln>
+        </p:spPr>
+        <p:txBody>
+          <a:bodyPr lIns="0" rIns="0" tIns="0" bIns="0" anchor="ctr">
+            <a:noAutofit/>
+          </a:bodyPr>
+          <a:p>
+            <a:pPr indent="0">
+              <a:buNone/>
+            </a:pPr>
+            <a:r>
+              <a:rPr b="0" lang="es-CO" sz="1800" spc="-1" strike="noStrike">
+                <a:solidFill>
+                  <a:srgbClr val="000000"/>
+                </a:solidFill>
+                <a:latin typeface="Arial"/>
+              </a:rPr>
+              <a:t>Pulse para editar el formato del texto de título</a:t>
+            </a:r>
+            <a:endParaRPr b="0" lang="es-CO" sz="1800" spc="-1" strike="noStrike">
+              <a:solidFill>
+                <a:srgbClr val="000000"/>
+              </a:solidFill>
+              <a:latin typeface="Arial"/>
+            </a:endParaRPr>
+          </a:p>
+        </p:txBody>
+      </p:sp>
+      <p:sp>
+        <p:nvSpPr>
+          <p:cNvPr id="31" name="PlaceHolder 2"/>
+          <p:cNvSpPr>
+            <a:spLocks noGrp="1"/>
+          </p:cNvSpPr>
+          <p:nvPr>
+            <p:ph type="body"/>
+          </p:nvPr>
+        </p:nvSpPr>
+        <p:spPr>
+          <a:xfrm>
+            <a:off x="838080" y="1825560"/>
+            <a:ext cx="292680" cy="4349520"/>
+          </a:xfrm>
+          <a:prstGeom prst="rect">
+            <a:avLst/>
+          </a:prstGeom>
+          <a:noFill/>
+          <a:ln w="0">
+            <a:noFill/>
+          </a:ln>
+        </p:spPr>
+        <p:txBody>
+          <a:bodyPr lIns="0" rIns="0" tIns="0" bIns="0" anchor="t">
+            <a:normAutofit fontScale="6111"/>
+          </a:bodyPr>
+          <a:p>
+            <a:pPr marL="432000" indent="-324000">
+              <a:spcBef>
+                <a:spcPts val="1417"/>
+              </a:spcBef>
+              <a:buClr>
+                <a:srgbClr val="000000"/>
+              </a:buClr>
+              <a:buSzPct val="45000"/>
+              <a:buFont typeface="Wingdings" charset="2"/>
+              <a:buChar char=""/>
+            </a:pPr>
+            <a:r>
+              <a:rPr b="0" lang="es-CO" sz="1800" spc="-1" strike="noStrike">
+                <a:solidFill>
+                  <a:srgbClr val="000000"/>
+                </a:solidFill>
+                <a:latin typeface="Arial"/>
+              </a:rPr>
+              <a:t>Pulse para editar el formato de texto del esquema</a:t>
+            </a:r>
+            <a:endParaRPr b="0" lang="es-CO" sz="1800" spc="-1" strike="noStrike">
+              <a:solidFill>
+                <a:srgbClr val="000000"/>
+              </a:solidFill>
+              <a:latin typeface="Arial"/>
+            </a:endParaRPr>
+          </a:p>
+          <a:p>
+            <a:pPr lvl="1" marL="864000" indent="-324000">
+              <a:spcBef>
+                <a:spcPts val="1134"/>
+              </a:spcBef>
+              <a:buClr>
+                <a:srgbClr val="000000"/>
+              </a:buClr>
+              <a:buSzPct val="75000"/>
+              <a:buFont typeface="Symbol" charset="2"/>
+              <a:buChar char=""/>
+            </a:pPr>
+            <a:r>
+              <a:rPr b="0" lang="es-CO" sz="1800" spc="-1" strike="noStrike">
+                <a:solidFill>
+                  <a:srgbClr val="000000"/>
+                </a:solidFill>
+                <a:latin typeface="Arial"/>
+              </a:rPr>
+              <a:t>Segundo nivel del esquema</a:t>
+            </a:r>
+            <a:endParaRPr b="0" lang="es-CO" sz="1800" spc="-1" strike="noStrike">
+              <a:solidFill>
+                <a:srgbClr val="000000"/>
+              </a:solidFill>
+              <a:latin typeface="Arial"/>
+            </a:endParaRPr>
+          </a:p>
+          <a:p>
+            <a:pPr lvl="2" marL="1296000" indent="-288000">
+              <a:spcBef>
+                <a:spcPts val="850"/>
+              </a:spcBef>
+              <a:buClr>
+                <a:srgbClr val="000000"/>
+              </a:buClr>
+              <a:buSzPct val="45000"/>
+              <a:buFont typeface="Wingdings" charset="2"/>
+              <a:buChar char=""/>
+            </a:pPr>
+            <a:r>
+              <a:rPr b="0" lang="es-CO" sz="1800" spc="-1" strike="noStrike">
+                <a:solidFill>
+                  <a:srgbClr val="000000"/>
+                </a:solidFill>
+                <a:latin typeface="Arial"/>
+              </a:rPr>
+              <a:t>Tercer nivel del esquema</a:t>
+            </a:r>
+            <a:endParaRPr b="0" lang="es-CO" sz="1800" spc="-1" strike="noStrike">
+              <a:solidFill>
+                <a:srgbClr val="000000"/>
+              </a:solidFill>
+              <a:latin typeface="Arial"/>
+            </a:endParaRPr>
+          </a:p>
+          <a:p>
+            <a:pPr lvl="3" marL="1728000" indent="-216000">
+              <a:spcBef>
+                <a:spcPts val="567"/>
+              </a:spcBef>
+              <a:buClr>
+                <a:srgbClr val="000000"/>
+              </a:buClr>
+              <a:buSzPct val="75000"/>
+              <a:buFont typeface="Symbol" charset="2"/>
+              <a:buChar char=""/>
+            </a:pPr>
+            <a:r>
+              <a:rPr b="0" lang="es-CO" sz="1800" spc="-1" strike="noStrike">
+                <a:solidFill>
+                  <a:srgbClr val="000000"/>
+                </a:solidFill>
+                <a:latin typeface="Arial"/>
+              </a:rPr>
+              <a:t>Cuarto nivel del esquema</a:t>
+            </a:r>
+            <a:endParaRPr b="0" lang="es-CO" sz="1800" spc="-1" strike="noStrike">
+              <a:solidFill>
+                <a:srgbClr val="000000"/>
+              </a:solidFill>
+              <a:latin typeface="Arial"/>
+            </a:endParaRPr>
+          </a:p>
+          <a:p>
+            <a:pPr lvl="4" marL="2160000" indent="-216000">
+              <a:spcBef>
+                <a:spcPts val="283"/>
+              </a:spcBef>
+              <a:buClr>
+                <a:srgbClr val="000000"/>
+              </a:buClr>
+              <a:buSzPct val="45000"/>
+              <a:buFont typeface="Wingdings" charset="2"/>
+              <a:buChar char=""/>
+            </a:pPr>
+            <a:r>
+              <a:rPr b="0" lang="es-CO" sz="1800" spc="-1" strike="noStrike">
+                <a:solidFill>
+                  <a:srgbClr val="000000"/>
+                </a:solidFill>
+                <a:latin typeface="Arial"/>
+              </a:rPr>
+              <a:t>Quinto nivel del esquema</a:t>
+            </a:r>
+            <a:endParaRPr b="0" lang="es-CO" sz="1800" spc="-1" strike="noStrike">
+              <a:solidFill>
+                <a:srgbClr val="000000"/>
+              </a:solidFill>
+              <a:latin typeface="Arial"/>
+            </a:endParaRPr>
+          </a:p>
+          <a:p>
+            <a:pPr lvl="5" marL="2592000" indent="-216000">
+              <a:spcBef>
+                <a:spcPts val="283"/>
+              </a:spcBef>
+              <a:buClr>
+                <a:srgbClr val="000000"/>
+              </a:buClr>
+              <a:buSzPct val="45000"/>
+              <a:buFont typeface="Wingdings" charset="2"/>
+              <a:buChar char=""/>
+            </a:pPr>
+            <a:r>
+              <a:rPr b="0" lang="es-CO" sz="1800" spc="-1" strike="noStrike">
+                <a:solidFill>
+                  <a:srgbClr val="000000"/>
+                </a:solidFill>
+                <a:latin typeface="Arial"/>
+              </a:rPr>
+              <a:t>Sexto nivel del esquema</a:t>
+            </a:r>
+            <a:endParaRPr b="0" lang="es-CO" sz="1800" spc="-1" strike="noStrike">
+              <a:solidFill>
+                <a:srgbClr val="000000"/>
+              </a:solidFill>
+              <a:latin typeface="Arial"/>
+            </a:endParaRPr>
+          </a:p>
+          <a:p>
+            <a:pPr lvl="6" marL="3024000" indent="-216000">
+              <a:spcBef>
+                <a:spcPts val="283"/>
+              </a:spcBef>
+              <a:buClr>
+                <a:srgbClr val="000000"/>
+              </a:buClr>
+              <a:buSzPct val="45000"/>
+              <a:buFont typeface="Wingdings" charset="2"/>
+              <a:buChar char=""/>
+            </a:pPr>
+            <a:r>
+              <a:rPr b="0" lang="es-CO" sz="1800" spc="-1" strike="noStrike">
+                <a:solidFill>
+                  <a:srgbClr val="000000"/>
+                </a:solidFill>
+                <a:latin typeface="Arial"/>
+              </a:rPr>
+              <a:t>Séptimo nivel del esquema</a:t>
+            </a:r>
+            <a:endParaRPr b="0" lang="es-CO" sz="1800" spc="-1" strike="noStrike">
+              <a:solidFill>
+                <a:srgbClr val="000000"/>
+              </a:solidFill>
+              <a:latin typeface="Arial"/>
+            </a:endParaRPr>
+          </a:p>
+        </p:txBody>
+      </p:sp>
+      <p:sp>
+        <p:nvSpPr>
+          <p:cNvPr id="32" name="PlaceHolder 3"/>
+          <p:cNvSpPr>
+            <a:spLocks noGrp="1"/>
+          </p:cNvSpPr>
+          <p:nvPr>
+            <p:ph type="body"/>
+          </p:nvPr>
+        </p:nvSpPr>
+        <p:spPr>
+          <a:xfrm>
+            <a:off x="1146240" y="1825560"/>
+            <a:ext cx="292680" cy="4349520"/>
+          </a:xfrm>
+          <a:prstGeom prst="rect">
+            <a:avLst/>
+          </a:prstGeom>
+          <a:noFill/>
+          <a:ln w="0">
+            <a:noFill/>
+          </a:ln>
+        </p:spPr>
+        <p:txBody>
+          <a:bodyPr lIns="0" rIns="0" tIns="0" bIns="0" anchor="t">
+            <a:normAutofit fontScale="6111"/>
+          </a:bodyPr>
+          <a:p>
+            <a:pPr marL="432000" indent="-324000">
+              <a:spcBef>
+                <a:spcPts val="1417"/>
+              </a:spcBef>
+              <a:buClr>
+                <a:srgbClr val="000000"/>
+              </a:buClr>
+              <a:buSzPct val="45000"/>
+              <a:buFont typeface="Wingdings" charset="2"/>
+              <a:buChar char=""/>
+            </a:pPr>
+            <a:r>
+              <a:rPr b="0" lang="es-CO" sz="1800" spc="-1" strike="noStrike">
+                <a:solidFill>
+                  <a:srgbClr val="000000"/>
+                </a:solidFill>
+                <a:latin typeface="Arial"/>
+              </a:rPr>
+              <a:t>Pulse para editar el formato de texto del esquema</a:t>
+            </a:r>
+            <a:endParaRPr b="0" lang="es-CO" sz="1800" spc="-1" strike="noStrike">
+              <a:solidFill>
+                <a:srgbClr val="000000"/>
+              </a:solidFill>
+              <a:latin typeface="Arial"/>
+            </a:endParaRPr>
+          </a:p>
+          <a:p>
+            <a:pPr lvl="1" marL="864000" indent="-324000">
+              <a:spcBef>
+                <a:spcPts val="1134"/>
+              </a:spcBef>
+              <a:buClr>
+                <a:srgbClr val="000000"/>
+              </a:buClr>
+              <a:buSzPct val="75000"/>
+              <a:buFont typeface="Symbol" charset="2"/>
+              <a:buChar char=""/>
+            </a:pPr>
+            <a:r>
+              <a:rPr b="0" lang="es-CO" sz="1800" spc="-1" strike="noStrike">
+                <a:solidFill>
+                  <a:srgbClr val="000000"/>
+                </a:solidFill>
+                <a:latin typeface="Arial"/>
+              </a:rPr>
+              <a:t>Segundo nivel del esquema</a:t>
+            </a:r>
+            <a:endParaRPr b="0" lang="es-CO" sz="1800" spc="-1" strike="noStrike">
+              <a:solidFill>
+                <a:srgbClr val="000000"/>
+              </a:solidFill>
+              <a:latin typeface="Arial"/>
+            </a:endParaRPr>
+          </a:p>
+          <a:p>
+            <a:pPr lvl="2" marL="1296000" indent="-288000">
+              <a:spcBef>
+                <a:spcPts val="850"/>
+              </a:spcBef>
+              <a:buClr>
+                <a:srgbClr val="000000"/>
+              </a:buClr>
+              <a:buSzPct val="45000"/>
+              <a:buFont typeface="Wingdings" charset="2"/>
+              <a:buChar char=""/>
+            </a:pPr>
+            <a:r>
+              <a:rPr b="0" lang="es-CO" sz="1800" spc="-1" strike="noStrike">
+                <a:solidFill>
+                  <a:srgbClr val="000000"/>
+                </a:solidFill>
+                <a:latin typeface="Arial"/>
+              </a:rPr>
+              <a:t>Tercer nivel del esquema</a:t>
+            </a:r>
+            <a:endParaRPr b="0" lang="es-CO" sz="1800" spc="-1" strike="noStrike">
+              <a:solidFill>
+                <a:srgbClr val="000000"/>
+              </a:solidFill>
+              <a:latin typeface="Arial"/>
+            </a:endParaRPr>
+          </a:p>
+          <a:p>
+            <a:pPr lvl="3" marL="1728000" indent="-216000">
+              <a:spcBef>
+                <a:spcPts val="567"/>
+              </a:spcBef>
+              <a:buClr>
+                <a:srgbClr val="000000"/>
+              </a:buClr>
+              <a:buSzPct val="75000"/>
+              <a:buFont typeface="Symbol" charset="2"/>
+              <a:buChar char=""/>
+            </a:pPr>
+            <a:r>
+              <a:rPr b="0" lang="es-CO" sz="1800" spc="-1" strike="noStrike">
+                <a:solidFill>
+                  <a:srgbClr val="000000"/>
+                </a:solidFill>
+                <a:latin typeface="Arial"/>
+              </a:rPr>
+              <a:t>Cuarto nivel del esquema</a:t>
+            </a:r>
+            <a:endParaRPr b="0" lang="es-CO" sz="1800" spc="-1" strike="noStrike">
+              <a:solidFill>
+                <a:srgbClr val="000000"/>
+              </a:solidFill>
+              <a:latin typeface="Arial"/>
+            </a:endParaRPr>
+          </a:p>
+          <a:p>
+            <a:pPr lvl="4" marL="2160000" indent="-216000">
+              <a:spcBef>
+                <a:spcPts val="283"/>
+              </a:spcBef>
+              <a:buClr>
+                <a:srgbClr val="000000"/>
+              </a:buClr>
+              <a:buSzPct val="45000"/>
+              <a:buFont typeface="Wingdings" charset="2"/>
+              <a:buChar char=""/>
+            </a:pPr>
+            <a:r>
+              <a:rPr b="0" lang="es-CO" sz="1800" spc="-1" strike="noStrike">
+                <a:solidFill>
+                  <a:srgbClr val="000000"/>
+                </a:solidFill>
+                <a:latin typeface="Arial"/>
+              </a:rPr>
+              <a:t>Quinto nivel del esquema</a:t>
+            </a:r>
+            <a:endParaRPr b="0" lang="es-CO" sz="1800" spc="-1" strike="noStrike">
+              <a:solidFill>
+                <a:srgbClr val="000000"/>
+              </a:solidFill>
+              <a:latin typeface="Arial"/>
+            </a:endParaRPr>
+          </a:p>
+          <a:p>
+            <a:pPr lvl="5" marL="2592000" indent="-216000">
+              <a:spcBef>
+                <a:spcPts val="283"/>
+              </a:spcBef>
+              <a:buClr>
+                <a:srgbClr val="000000"/>
+              </a:buClr>
+              <a:buSzPct val="45000"/>
+              <a:buFont typeface="Wingdings" charset="2"/>
+              <a:buChar char=""/>
+            </a:pPr>
+            <a:r>
+              <a:rPr b="0" lang="es-CO" sz="1800" spc="-1" strike="noStrike">
+                <a:solidFill>
+                  <a:srgbClr val="000000"/>
+                </a:solidFill>
+                <a:latin typeface="Arial"/>
+              </a:rPr>
+              <a:t>Sexto nivel del esquema</a:t>
+            </a:r>
+            <a:endParaRPr b="0" lang="es-CO" sz="1800" spc="-1" strike="noStrike">
+              <a:solidFill>
+                <a:srgbClr val="000000"/>
+              </a:solidFill>
+              <a:latin typeface="Arial"/>
+            </a:endParaRPr>
+          </a:p>
+          <a:p>
+            <a:pPr lvl="6" marL="3024000" indent="-216000">
+              <a:spcBef>
+                <a:spcPts val="283"/>
+              </a:spcBef>
+              <a:buClr>
+                <a:srgbClr val="000000"/>
+              </a:buClr>
+              <a:buSzPct val="45000"/>
+              <a:buFont typeface="Wingdings" charset="2"/>
+              <a:buChar char=""/>
+            </a:pPr>
+            <a:r>
+              <a:rPr b="0" lang="es-CO" sz="1800" spc="-1" strike="noStrike">
+                <a:solidFill>
+                  <a:srgbClr val="000000"/>
+                </a:solidFill>
+                <a:latin typeface="Arial"/>
+              </a:rPr>
+              <a:t>Séptimo nivel del esquema</a:t>
+            </a:r>
+            <a:endParaRPr b="0" lang="es-CO" sz="1800" spc="-1" strike="noStrike">
+              <a:solidFill>
+                <a:srgbClr val="000000"/>
+              </a:solidFill>
+              <a:latin typeface="Arial"/>
+            </a:endParaRPr>
+          </a:p>
+        </p:txBody>
+      </p:sp>
+      <p:sp>
+        <p:nvSpPr>
+          <p:cNvPr id="33" name="PlaceHolder 4"/>
           <p:cNvSpPr>
             <a:spLocks noGrp="1"/>
           </p:cNvSpPr>
@@ -5518,7 +6487,7 @@
         <p:spPr>
           <a:xfrm>
             <a:off x="4038480" y="6356520"/>
-            <a:ext cx="4113360" cy="363600"/>
+            <a:ext cx="4113000" cy="363240"/>
           </a:xfrm>
           <a:prstGeom prst="rect">
             <a:avLst/>
@@ -5579,7 +6548,7 @@
       </p:sp>
       <p:sp>
         <p:nvSpPr>
-          <p:cNvPr id="32" name="PlaceHolder 2"/>
+          <p:cNvPr id="34" name="PlaceHolder 5"/>
           <p:cNvSpPr>
             <a:spLocks noGrp="1"/>
           </p:cNvSpPr>
@@ -5590,7 +6559,7 @@
         <p:spPr>
           <a:xfrm>
             <a:off x="8610480" y="6356520"/>
-            <a:ext cx="2741760" cy="363600"/>
+            <a:ext cx="2741400" cy="363240"/>
           </a:xfrm>
           <a:prstGeom prst="rect">
             <a:avLst/>
@@ -5632,7 +6601,7 @@
                 <a:tab algn="l" pos="0"/>
               </a:tabLst>
             </a:pPr>
-            <a:fld id="{B3A6A8DB-A905-49EA-8A2B-CBB515E78464}" type="slidenum">
+            <a:fld id="{951AF29A-CDE2-4097-ABA3-D8AB538B800E}" type="slidenum">
               <a:rPr b="0" lang="es-CO" sz="1200" spc="-1" strike="noStrike">
                 <a:solidFill>
                   <a:srgbClr val="888888"/>
@@ -5653,7 +6622,7 @@
       </p:sp>
       <p:sp>
         <p:nvSpPr>
-          <p:cNvPr id="33" name="PlaceHolder 3"/>
+          <p:cNvPr id="35" name="PlaceHolder 6"/>
           <p:cNvSpPr>
             <a:spLocks noGrp="1"/>
           </p:cNvSpPr>
@@ -5664,7 +6633,7 @@
         <p:spPr>
           <a:xfrm>
             <a:off x="838080" y="6356520"/>
-            <a:ext cx="2741760" cy="363600"/>
+            <a:ext cx="2741400" cy="363240"/>
           </a:xfrm>
           <a:prstGeom prst="rect">
             <a:avLst/>
@@ -5715,7 +6684,7 @@
   </p:cSld>
   <p:clrMap bg1="lt1" bg2="lt2" tx1="dk1" tx2="dk2" accent1="accent1" accent2="accent2" accent3="accent3" accent4="accent4" accent5="accent5" accent6="accent6" hlink="hlink" folHlink="folHlink"/>
   <p:sldLayoutIdLst>
-    <p:sldLayoutId id="2147483659" r:id="rId2"/>
+    <p:sldLayoutId id="2147483657" r:id="rId2"/>
   </p:sldLayoutIdLst>
 </p:sldMaster>
 </file>
@@ -5746,7 +6715,7 @@
       </p:grpSpPr>
       <p:sp>
         <p:nvSpPr>
-          <p:cNvPr id="37" name="PlaceHolder 1"/>
+          <p:cNvPr id="39" name="PlaceHolder 1"/>
           <p:cNvSpPr>
             <a:spLocks noGrp="1"/>
           </p:cNvSpPr>
@@ -5757,7 +6726,7 @@
         <p:spPr>
           <a:xfrm>
             <a:off x="838080" y="365040"/>
-            <a:ext cx="10514160" cy="1324080"/>
+            <a:ext cx="10513800" cy="1323720"/>
           </a:xfrm>
           <a:prstGeom prst="rect">
             <a:avLst/>
@@ -5772,11 +6741,11 @@
             <a:noAutofit/>
           </a:bodyPr>
           <a:p>
-            <a:pPr indent="0" algn="ctr">
+            <a:pPr indent="0">
               <a:buNone/>
             </a:pPr>
             <a:r>
-              <a:rPr b="0" lang="es-CO" sz="4400" spc="-1" strike="noStrike">
+              <a:rPr b="0" lang="es-CO" sz="1800" spc="-1" strike="noStrike">
                 <a:solidFill>
                   <a:srgbClr val="000000"/>
                 </a:solidFill>
@@ -5784,18 +6753,18 @@
               </a:rPr>
               <a:t>Pulse para editar el formato del texto de título</a:t>
             </a:r>
-            <a:endParaRPr b="0" lang="es-CO" sz="4400" spc="-1" strike="noStrike">
-              <a:solidFill>
-                <a:srgbClr val="000000"/>
-              </a:solidFill>
-              <a:latin typeface="Arial"/>
-            </a:endParaRPr>
-          </a:p>
-        </p:txBody>
-      </p:sp>
-      <p:sp>
-        <p:nvSpPr>
-          <p:cNvPr id="38" name="PlaceHolder 2"/>
+            <a:endParaRPr b="0" lang="es-CO" sz="1800" spc="-1" strike="noStrike">
+              <a:solidFill>
+                <a:srgbClr val="000000"/>
+              </a:solidFill>
+              <a:latin typeface="Arial"/>
+            </a:endParaRPr>
+          </a:p>
+        </p:txBody>
+      </p:sp>
+      <p:sp>
+        <p:nvSpPr>
+          <p:cNvPr id="40" name="PlaceHolder 2"/>
           <p:cNvSpPr>
             <a:spLocks noGrp="1"/>
           </p:cNvSpPr>
@@ -5806,7 +6775,7 @@
         <p:spPr>
           <a:xfrm>
             <a:off x="838080" y="1825560"/>
-            <a:ext cx="601200" cy="4349880"/>
+            <a:ext cx="292680" cy="4349520"/>
           </a:xfrm>
           <a:prstGeom prst="rect">
             <a:avLst/>
@@ -5818,7 +6787,7 @@
         </p:spPr>
         <p:txBody>
           <a:bodyPr lIns="0" rIns="0" tIns="0" bIns="0" anchor="t">
-            <a:normAutofit fontScale="7811" lnSpcReduction="10000"/>
+            <a:normAutofit fontScale="6111"/>
           </a:bodyPr>
           <a:p>
             <a:pPr marL="432000" indent="-324000">
@@ -5833,7 +6802,7 @@
               <a:buChar char=""/>
             </a:pPr>
             <a:r>
-              <a:rPr b="0" lang="es-CO" sz="3200" spc="-1" strike="noStrike">
+              <a:rPr b="0" lang="es-CO" sz="1800" spc="-1" strike="noStrike">
                 <a:solidFill>
                   <a:srgbClr val="000000"/>
                 </a:solidFill>
@@ -5841,7 +6810,7 @@
               </a:rPr>
               <a:t>Pulse para editar el formato de texto del esquema</a:t>
             </a:r>
-            <a:endParaRPr b="0" lang="es-CO" sz="3200" spc="-1" strike="noStrike">
+            <a:endParaRPr b="0" lang="es-CO" sz="1800" spc="-1" strike="noStrike">
               <a:solidFill>
                 <a:srgbClr val="000000"/>
               </a:solidFill>
@@ -5861,7 +6830,7 @@
               <a:buChar char=""/>
             </a:pPr>
             <a:r>
-              <a:rPr b="0" lang="es-CO" sz="2800" spc="-1" strike="noStrike">
+              <a:rPr b="0" lang="es-CO" sz="1800" spc="-1" strike="noStrike">
                 <a:solidFill>
                   <a:srgbClr val="000000"/>
                 </a:solidFill>
@@ -5869,7 +6838,7 @@
               </a:rPr>
               <a:t>Segundo nivel del esquema</a:t>
             </a:r>
-            <a:endParaRPr b="0" lang="es-CO" sz="2800" spc="-1" strike="noStrike">
+            <a:endParaRPr b="0" lang="es-CO" sz="1800" spc="-1" strike="noStrike">
               <a:solidFill>
                 <a:srgbClr val="000000"/>
               </a:solidFill>
@@ -5889,7 +6858,7 @@
               <a:buChar char=""/>
             </a:pPr>
             <a:r>
-              <a:rPr b="0" lang="es-CO" sz="2400" spc="-1" strike="noStrike">
+              <a:rPr b="0" lang="es-CO" sz="1800" spc="-1" strike="noStrike">
                 <a:solidFill>
                   <a:srgbClr val="000000"/>
                 </a:solidFill>
@@ -5897,7 +6866,7 @@
               </a:rPr>
               <a:t>Tercer nivel del esquema</a:t>
             </a:r>
-            <a:endParaRPr b="0" lang="es-CO" sz="2400" spc="-1" strike="noStrike">
+            <a:endParaRPr b="0" lang="es-CO" sz="1800" spc="-1" strike="noStrike">
               <a:solidFill>
                 <a:srgbClr val="000000"/>
               </a:solidFill>
@@ -5917,7 +6886,7 @@
               <a:buChar char=""/>
             </a:pPr>
             <a:r>
-              <a:rPr b="0" lang="es-CO" sz="2000" spc="-1" strike="noStrike">
+              <a:rPr b="0" lang="es-CO" sz="1800" spc="-1" strike="noStrike">
                 <a:solidFill>
                   <a:srgbClr val="000000"/>
                 </a:solidFill>
@@ -5925,7 +6894,7 @@
               </a:rPr>
               <a:t>Cuarto nivel del esquema</a:t>
             </a:r>
-            <a:endParaRPr b="0" lang="es-CO" sz="2000" spc="-1" strike="noStrike">
+            <a:endParaRPr b="0" lang="es-CO" sz="1800" spc="-1" strike="noStrike">
               <a:solidFill>
                 <a:srgbClr val="000000"/>
               </a:solidFill>
@@ -5945,7 +6914,7 @@
               <a:buChar char=""/>
             </a:pPr>
             <a:r>
-              <a:rPr b="0" lang="es-CO" sz="2000" spc="-1" strike="noStrike">
+              <a:rPr b="0" lang="es-CO" sz="1800" spc="-1" strike="noStrike">
                 <a:solidFill>
                   <a:srgbClr val="000000"/>
                 </a:solidFill>
@@ -5953,7 +6922,7 @@
               </a:rPr>
               <a:t>Quinto nivel del esquema</a:t>
             </a:r>
-            <a:endParaRPr b="0" lang="es-CO" sz="2000" spc="-1" strike="noStrike">
+            <a:endParaRPr b="0" lang="es-CO" sz="1800" spc="-1" strike="noStrike">
               <a:solidFill>
                 <a:srgbClr val="000000"/>
               </a:solidFill>
@@ -5973,7 +6942,7 @@
               <a:buChar char=""/>
             </a:pPr>
             <a:r>
-              <a:rPr b="0" lang="es-CO" sz="2000" spc="-1" strike="noStrike">
+              <a:rPr b="0" lang="es-CO" sz="1800" spc="-1" strike="noStrike">
                 <a:solidFill>
                   <a:srgbClr val="000000"/>
                 </a:solidFill>
@@ -5981,7 +6950,7 @@
               </a:rPr>
               <a:t>Sexto nivel del esquema</a:t>
             </a:r>
-            <a:endParaRPr b="0" lang="es-CO" sz="2000" spc="-1" strike="noStrike">
+            <a:endParaRPr b="0" lang="es-CO" sz="1800" spc="-1" strike="noStrike">
               <a:solidFill>
                 <a:srgbClr val="000000"/>
               </a:solidFill>
@@ -6001,7 +6970,7 @@
               <a:buChar char=""/>
             </a:pPr>
             <a:r>
-              <a:rPr b="0" lang="es-CO" sz="2000" spc="-1" strike="noStrike">
+              <a:rPr b="0" lang="es-CO" sz="1800" spc="-1" strike="noStrike">
                 <a:solidFill>
                   <a:srgbClr val="000000"/>
                 </a:solidFill>
@@ -6009,18 +6978,18 @@
               </a:rPr>
               <a:t>Séptimo nivel del esquema</a:t>
             </a:r>
-            <a:endParaRPr b="0" lang="es-CO" sz="2000" spc="-1" strike="noStrike">
-              <a:solidFill>
-                <a:srgbClr val="000000"/>
-              </a:solidFill>
-              <a:latin typeface="Arial"/>
-            </a:endParaRPr>
-          </a:p>
-        </p:txBody>
-      </p:sp>
-      <p:sp>
-        <p:nvSpPr>
-          <p:cNvPr id="39" name="PlaceHolder 3"/>
+            <a:endParaRPr b="0" lang="es-CO" sz="1800" spc="-1" strike="noStrike">
+              <a:solidFill>
+                <a:srgbClr val="000000"/>
+              </a:solidFill>
+              <a:latin typeface="Arial"/>
+            </a:endParaRPr>
+          </a:p>
+        </p:txBody>
+      </p:sp>
+      <p:sp>
+        <p:nvSpPr>
+          <p:cNvPr id="41" name="PlaceHolder 3"/>
           <p:cNvSpPr>
             <a:spLocks noGrp="1"/>
           </p:cNvSpPr>
@@ -6030,8 +6999,8 @@
         </p:nvSpPr>
         <p:spPr>
           <a:xfrm>
-            <a:off x="1470240" y="1825560"/>
-            <a:ext cx="601200" cy="4349880"/>
+            <a:off x="1146240" y="1825560"/>
+            <a:ext cx="292680" cy="4349520"/>
           </a:xfrm>
           <a:prstGeom prst="rect">
             <a:avLst/>
@@ -6043,7 +7012,7 @@
         </p:spPr>
         <p:txBody>
           <a:bodyPr lIns="0" rIns="0" tIns="0" bIns="0" anchor="t">
-            <a:normAutofit fontScale="7811" lnSpcReduction="10000"/>
+            <a:normAutofit fontScale="6111"/>
           </a:bodyPr>
           <a:p>
             <a:pPr marL="432000" indent="-324000">
@@ -6058,7 +7027,7 @@
               <a:buChar char=""/>
             </a:pPr>
             <a:r>
-              <a:rPr b="0" lang="es-CO" sz="3200" spc="-1" strike="noStrike">
+              <a:rPr b="0" lang="es-CO" sz="1800" spc="-1" strike="noStrike">
                 <a:solidFill>
                   <a:srgbClr val="000000"/>
                 </a:solidFill>
@@ -6066,7 +7035,7 @@
               </a:rPr>
               <a:t>Pulse para editar el formato de texto del esquema</a:t>
             </a:r>
-            <a:endParaRPr b="0" lang="es-CO" sz="3200" spc="-1" strike="noStrike">
+            <a:endParaRPr b="0" lang="es-CO" sz="1800" spc="-1" strike="noStrike">
               <a:solidFill>
                 <a:srgbClr val="000000"/>
               </a:solidFill>
@@ -6086,7 +7055,7 @@
               <a:buChar char=""/>
             </a:pPr>
             <a:r>
-              <a:rPr b="0" lang="es-CO" sz="2800" spc="-1" strike="noStrike">
+              <a:rPr b="0" lang="es-CO" sz="1800" spc="-1" strike="noStrike">
                 <a:solidFill>
                   <a:srgbClr val="000000"/>
                 </a:solidFill>
@@ -6094,7 +7063,7 @@
               </a:rPr>
               <a:t>Segundo nivel del esquema</a:t>
             </a:r>
-            <a:endParaRPr b="0" lang="es-CO" sz="2800" spc="-1" strike="noStrike">
+            <a:endParaRPr b="0" lang="es-CO" sz="1800" spc="-1" strike="noStrike">
               <a:solidFill>
                 <a:srgbClr val="000000"/>
               </a:solidFill>
@@ -6114,7 +7083,7 @@
               <a:buChar char=""/>
             </a:pPr>
             <a:r>
-              <a:rPr b="0" lang="es-CO" sz="2400" spc="-1" strike="noStrike">
+              <a:rPr b="0" lang="es-CO" sz="1800" spc="-1" strike="noStrike">
                 <a:solidFill>
                   <a:srgbClr val="000000"/>
                 </a:solidFill>
@@ -6122,7 +7091,7 @@
               </a:rPr>
               <a:t>Tercer nivel del esquema</a:t>
             </a:r>
-            <a:endParaRPr b="0" lang="es-CO" sz="2400" spc="-1" strike="noStrike">
+            <a:endParaRPr b="0" lang="es-CO" sz="1800" spc="-1" strike="noStrike">
               <a:solidFill>
                 <a:srgbClr val="000000"/>
               </a:solidFill>
@@ -6142,7 +7111,7 @@
               <a:buChar char=""/>
             </a:pPr>
             <a:r>
-              <a:rPr b="0" lang="es-CO" sz="2000" spc="-1" strike="noStrike">
+              <a:rPr b="0" lang="es-CO" sz="1800" spc="-1" strike="noStrike">
                 <a:solidFill>
                   <a:srgbClr val="000000"/>
                 </a:solidFill>
@@ -6150,7 +7119,7 @@
               </a:rPr>
               <a:t>Cuarto nivel del esquema</a:t>
             </a:r>
-            <a:endParaRPr b="0" lang="es-CO" sz="2000" spc="-1" strike="noStrike">
+            <a:endParaRPr b="0" lang="es-CO" sz="1800" spc="-1" strike="noStrike">
               <a:solidFill>
                 <a:srgbClr val="000000"/>
               </a:solidFill>
@@ -6170,7 +7139,7 @@
               <a:buChar char=""/>
             </a:pPr>
             <a:r>
-              <a:rPr b="0" lang="es-CO" sz="2000" spc="-1" strike="noStrike">
+              <a:rPr b="0" lang="es-CO" sz="1800" spc="-1" strike="noStrike">
                 <a:solidFill>
                   <a:srgbClr val="000000"/>
                 </a:solidFill>
@@ -6178,7 +7147,7 @@
               </a:rPr>
               <a:t>Quinto nivel del esquema</a:t>
             </a:r>
-            <a:endParaRPr b="0" lang="es-CO" sz="2000" spc="-1" strike="noStrike">
+            <a:endParaRPr b="0" lang="es-CO" sz="1800" spc="-1" strike="noStrike">
               <a:solidFill>
                 <a:srgbClr val="000000"/>
               </a:solidFill>
@@ -6198,7 +7167,7 @@
               <a:buChar char=""/>
             </a:pPr>
             <a:r>
-              <a:rPr b="0" lang="es-CO" sz="2000" spc="-1" strike="noStrike">
+              <a:rPr b="0" lang="es-CO" sz="1800" spc="-1" strike="noStrike">
                 <a:solidFill>
                   <a:srgbClr val="000000"/>
                 </a:solidFill>
@@ -6206,7 +7175,7 @@
               </a:rPr>
               <a:t>Sexto nivel del esquema</a:t>
             </a:r>
-            <a:endParaRPr b="0" lang="es-CO" sz="2000" spc="-1" strike="noStrike">
+            <a:endParaRPr b="0" lang="es-CO" sz="1800" spc="-1" strike="noStrike">
               <a:solidFill>
                 <a:srgbClr val="000000"/>
               </a:solidFill>
@@ -6226,7 +7195,7 @@
               <a:buChar char=""/>
             </a:pPr>
             <a:r>
-              <a:rPr b="0" lang="es-CO" sz="2000" spc="-1" strike="noStrike">
+              <a:rPr b="0" lang="es-CO" sz="1800" spc="-1" strike="noStrike">
                 <a:solidFill>
                   <a:srgbClr val="000000"/>
                 </a:solidFill>
@@ -6234,18 +7203,18 @@
               </a:rPr>
               <a:t>Séptimo nivel del esquema</a:t>
             </a:r>
-            <a:endParaRPr b="0" lang="es-CO" sz="2000" spc="-1" strike="noStrike">
-              <a:solidFill>
-                <a:srgbClr val="000000"/>
-              </a:solidFill>
-              <a:latin typeface="Arial"/>
-            </a:endParaRPr>
-          </a:p>
-        </p:txBody>
-      </p:sp>
-      <p:sp>
-        <p:nvSpPr>
-          <p:cNvPr id="40" name="PlaceHolder 4"/>
+            <a:endParaRPr b="0" lang="es-CO" sz="1800" spc="-1" strike="noStrike">
+              <a:solidFill>
+                <a:srgbClr val="000000"/>
+              </a:solidFill>
+              <a:latin typeface="Arial"/>
+            </a:endParaRPr>
+          </a:p>
+        </p:txBody>
+      </p:sp>
+      <p:sp>
+        <p:nvSpPr>
+          <p:cNvPr id="42" name="PlaceHolder 4"/>
           <p:cNvSpPr>
             <a:spLocks noGrp="1"/>
           </p:cNvSpPr>
@@ -6256,7 +7225,7 @@
         <p:spPr>
           <a:xfrm>
             <a:off x="4038480" y="6356520"/>
-            <a:ext cx="4113360" cy="363600"/>
+            <a:ext cx="4113000" cy="363240"/>
           </a:xfrm>
           <a:prstGeom prst="rect">
             <a:avLst/>
@@ -6317,7 +7286,7 @@
       </p:sp>
       <p:sp>
         <p:nvSpPr>
-          <p:cNvPr id="41" name="PlaceHolder 5"/>
+          <p:cNvPr id="43" name="PlaceHolder 5"/>
           <p:cNvSpPr>
             <a:spLocks noGrp="1"/>
           </p:cNvSpPr>
@@ -6328,7 +7297,7 @@
         <p:spPr>
           <a:xfrm>
             <a:off x="8610480" y="6356520"/>
-            <a:ext cx="2741760" cy="363600"/>
+            <a:ext cx="2741400" cy="363240"/>
           </a:xfrm>
           <a:prstGeom prst="rect">
             <a:avLst/>
@@ -6370,7 +7339,7 @@
                 <a:tab algn="l" pos="0"/>
               </a:tabLst>
             </a:pPr>
-            <a:fld id="{2D139368-EBB6-46DE-BEA7-F91260319DED}" type="slidenum">
+            <a:fld id="{1A44C7EB-AD80-4616-9B50-526D2431C303}" type="slidenum">
               <a:rPr b="0" lang="es-CO" sz="1200" spc="-1" strike="noStrike">
                 <a:solidFill>
                   <a:srgbClr val="888888"/>
@@ -6391,7 +7360,7 @@
       </p:sp>
       <p:sp>
         <p:nvSpPr>
-          <p:cNvPr id="42" name="PlaceHolder 6"/>
+          <p:cNvPr id="44" name="PlaceHolder 6"/>
           <p:cNvSpPr>
             <a:spLocks noGrp="1"/>
           </p:cNvSpPr>
@@ -6402,7 +7371,7 @@
         <p:spPr>
           <a:xfrm>
             <a:off x="838080" y="6356520"/>
-            <a:ext cx="2741760" cy="363600"/>
+            <a:ext cx="2741400" cy="363240"/>
           </a:xfrm>
           <a:prstGeom prst="rect">
             <a:avLst/>
@@ -6453,7 +7422,7 @@
   </p:cSld>
   <p:clrMap bg1="lt1" bg2="lt2" tx1="dk1" tx2="dk2" accent1="accent1" accent2="accent2" accent3="accent3" accent4="accent4" accent5="accent5" accent6="accent6" hlink="hlink" folHlink="folHlink"/>
   <p:sldLayoutIdLst>
-    <p:sldLayoutId id="2147483661" r:id="rId2"/>
+    <p:sldLayoutId id="2147483659" r:id="rId2"/>
   </p:sldLayoutIdLst>
 </p:sldMaster>
 </file>
@@ -6484,7 +7453,506 @@
       </p:grpSpPr>
       <p:sp>
         <p:nvSpPr>
-          <p:cNvPr id="46" name="PlaceHolder 1"/>
+          <p:cNvPr id="48" name="PlaceHolder 1"/>
+          <p:cNvSpPr>
+            <a:spLocks noGrp="1"/>
+          </p:cNvSpPr>
+          <p:nvPr>
+            <p:ph type="title"/>
+          </p:nvPr>
+        </p:nvSpPr>
+        <p:spPr>
+          <a:xfrm>
+            <a:off x="838080" y="365040"/>
+            <a:ext cx="10513800" cy="1323720"/>
+          </a:xfrm>
+          <a:prstGeom prst="rect">
+            <a:avLst/>
+          </a:prstGeom>
+          <a:noFill/>
+          <a:ln w="0">
+            <a:noFill/>
+          </a:ln>
+        </p:spPr>
+        <p:txBody>
+          <a:bodyPr lIns="0" rIns="0" tIns="0" bIns="0" anchor="ctr">
+            <a:noAutofit/>
+          </a:bodyPr>
+          <a:p>
+            <a:pPr indent="0">
+              <a:buNone/>
+            </a:pPr>
+            <a:r>
+              <a:rPr b="0" lang="es-CO" sz="1800" spc="-1" strike="noStrike">
+                <a:solidFill>
+                  <a:srgbClr val="000000"/>
+                </a:solidFill>
+                <a:latin typeface="Arial"/>
+              </a:rPr>
+              <a:t>Pulse para editar el formato del texto de título</a:t>
+            </a:r>
+            <a:endParaRPr b="0" lang="es-CO" sz="1800" spc="-1" strike="noStrike">
+              <a:solidFill>
+                <a:srgbClr val="000000"/>
+              </a:solidFill>
+              <a:latin typeface="Arial"/>
+            </a:endParaRPr>
+          </a:p>
+        </p:txBody>
+      </p:sp>
+      <p:sp>
+        <p:nvSpPr>
+          <p:cNvPr id="49" name="PlaceHolder 2"/>
+          <p:cNvSpPr>
+            <a:spLocks noGrp="1"/>
+          </p:cNvSpPr>
+          <p:nvPr>
+            <p:ph type="body"/>
+          </p:nvPr>
+        </p:nvSpPr>
+        <p:spPr>
+          <a:xfrm>
+            <a:off x="838080" y="1825560"/>
+            <a:ext cx="292680" cy="4349520"/>
+          </a:xfrm>
+          <a:prstGeom prst="rect">
+            <a:avLst/>
+          </a:prstGeom>
+          <a:noFill/>
+          <a:ln w="0">
+            <a:noFill/>
+          </a:ln>
+        </p:spPr>
+        <p:txBody>
+          <a:bodyPr lIns="0" rIns="0" tIns="0" bIns="0" anchor="t">
+            <a:normAutofit fontScale="6111"/>
+          </a:bodyPr>
+          <a:p>
+            <a:pPr marL="432000" indent="-324000">
+              <a:spcBef>
+                <a:spcPts val="1417"/>
+              </a:spcBef>
+              <a:buClr>
+                <a:srgbClr val="000000"/>
+              </a:buClr>
+              <a:buSzPct val="45000"/>
+              <a:buFont typeface="Wingdings" charset="2"/>
+              <a:buChar char=""/>
+            </a:pPr>
+            <a:r>
+              <a:rPr b="0" lang="es-CO" sz="1800" spc="-1" strike="noStrike">
+                <a:solidFill>
+                  <a:srgbClr val="000000"/>
+                </a:solidFill>
+                <a:latin typeface="Arial"/>
+              </a:rPr>
+              <a:t>Pulse para editar el formato de texto del esquema</a:t>
+            </a:r>
+            <a:endParaRPr b="0" lang="es-CO" sz="1800" spc="-1" strike="noStrike">
+              <a:solidFill>
+                <a:srgbClr val="000000"/>
+              </a:solidFill>
+              <a:latin typeface="Arial"/>
+            </a:endParaRPr>
+          </a:p>
+          <a:p>
+            <a:pPr lvl="1" marL="864000" indent="-324000">
+              <a:spcBef>
+                <a:spcPts val="1134"/>
+              </a:spcBef>
+              <a:buClr>
+                <a:srgbClr val="000000"/>
+              </a:buClr>
+              <a:buSzPct val="75000"/>
+              <a:buFont typeface="Symbol" charset="2"/>
+              <a:buChar char=""/>
+            </a:pPr>
+            <a:r>
+              <a:rPr b="0" lang="es-CO" sz="1800" spc="-1" strike="noStrike">
+                <a:solidFill>
+                  <a:srgbClr val="000000"/>
+                </a:solidFill>
+                <a:latin typeface="Arial"/>
+              </a:rPr>
+              <a:t>Segundo nivel del esquema</a:t>
+            </a:r>
+            <a:endParaRPr b="0" lang="es-CO" sz="1800" spc="-1" strike="noStrike">
+              <a:solidFill>
+                <a:srgbClr val="000000"/>
+              </a:solidFill>
+              <a:latin typeface="Arial"/>
+            </a:endParaRPr>
+          </a:p>
+          <a:p>
+            <a:pPr lvl="2" marL="1296000" indent="-288000">
+              <a:spcBef>
+                <a:spcPts val="850"/>
+              </a:spcBef>
+              <a:buClr>
+                <a:srgbClr val="000000"/>
+              </a:buClr>
+              <a:buSzPct val="45000"/>
+              <a:buFont typeface="Wingdings" charset="2"/>
+              <a:buChar char=""/>
+            </a:pPr>
+            <a:r>
+              <a:rPr b="0" lang="es-CO" sz="1800" spc="-1" strike="noStrike">
+                <a:solidFill>
+                  <a:srgbClr val="000000"/>
+                </a:solidFill>
+                <a:latin typeface="Arial"/>
+              </a:rPr>
+              <a:t>Tercer nivel del esquema</a:t>
+            </a:r>
+            <a:endParaRPr b="0" lang="es-CO" sz="1800" spc="-1" strike="noStrike">
+              <a:solidFill>
+                <a:srgbClr val="000000"/>
+              </a:solidFill>
+              <a:latin typeface="Arial"/>
+            </a:endParaRPr>
+          </a:p>
+          <a:p>
+            <a:pPr lvl="3" marL="1728000" indent="-216000">
+              <a:spcBef>
+                <a:spcPts val="567"/>
+              </a:spcBef>
+              <a:buClr>
+                <a:srgbClr val="000000"/>
+              </a:buClr>
+              <a:buSzPct val="75000"/>
+              <a:buFont typeface="Symbol" charset="2"/>
+              <a:buChar char=""/>
+            </a:pPr>
+            <a:r>
+              <a:rPr b="0" lang="es-CO" sz="1800" spc="-1" strike="noStrike">
+                <a:solidFill>
+                  <a:srgbClr val="000000"/>
+                </a:solidFill>
+                <a:latin typeface="Arial"/>
+              </a:rPr>
+              <a:t>Cuarto nivel del esquema</a:t>
+            </a:r>
+            <a:endParaRPr b="0" lang="es-CO" sz="1800" spc="-1" strike="noStrike">
+              <a:solidFill>
+                <a:srgbClr val="000000"/>
+              </a:solidFill>
+              <a:latin typeface="Arial"/>
+            </a:endParaRPr>
+          </a:p>
+          <a:p>
+            <a:pPr lvl="4" marL="2160000" indent="-216000">
+              <a:spcBef>
+                <a:spcPts val="283"/>
+              </a:spcBef>
+              <a:buClr>
+                <a:srgbClr val="000000"/>
+              </a:buClr>
+              <a:buSzPct val="45000"/>
+              <a:buFont typeface="Wingdings" charset="2"/>
+              <a:buChar char=""/>
+            </a:pPr>
+            <a:r>
+              <a:rPr b="0" lang="es-CO" sz="1800" spc="-1" strike="noStrike">
+                <a:solidFill>
+                  <a:srgbClr val="000000"/>
+                </a:solidFill>
+                <a:latin typeface="Arial"/>
+              </a:rPr>
+              <a:t>Quinto nivel del esquema</a:t>
+            </a:r>
+            <a:endParaRPr b="0" lang="es-CO" sz="1800" spc="-1" strike="noStrike">
+              <a:solidFill>
+                <a:srgbClr val="000000"/>
+              </a:solidFill>
+              <a:latin typeface="Arial"/>
+            </a:endParaRPr>
+          </a:p>
+          <a:p>
+            <a:pPr lvl="5" marL="2592000" indent="-216000">
+              <a:spcBef>
+                <a:spcPts val="283"/>
+              </a:spcBef>
+              <a:buClr>
+                <a:srgbClr val="000000"/>
+              </a:buClr>
+              <a:buSzPct val="45000"/>
+              <a:buFont typeface="Wingdings" charset="2"/>
+              <a:buChar char=""/>
+            </a:pPr>
+            <a:r>
+              <a:rPr b="0" lang="es-CO" sz="1800" spc="-1" strike="noStrike">
+                <a:solidFill>
+                  <a:srgbClr val="000000"/>
+                </a:solidFill>
+                <a:latin typeface="Arial"/>
+              </a:rPr>
+              <a:t>Sexto nivel del esquema</a:t>
+            </a:r>
+            <a:endParaRPr b="0" lang="es-CO" sz="1800" spc="-1" strike="noStrike">
+              <a:solidFill>
+                <a:srgbClr val="000000"/>
+              </a:solidFill>
+              <a:latin typeface="Arial"/>
+            </a:endParaRPr>
+          </a:p>
+          <a:p>
+            <a:pPr lvl="6" marL="3024000" indent="-216000">
+              <a:spcBef>
+                <a:spcPts val="283"/>
+              </a:spcBef>
+              <a:buClr>
+                <a:srgbClr val="000000"/>
+              </a:buClr>
+              <a:buSzPct val="45000"/>
+              <a:buFont typeface="Wingdings" charset="2"/>
+              <a:buChar char=""/>
+            </a:pPr>
+            <a:r>
+              <a:rPr b="0" lang="es-CO" sz="1800" spc="-1" strike="noStrike">
+                <a:solidFill>
+                  <a:srgbClr val="000000"/>
+                </a:solidFill>
+                <a:latin typeface="Arial"/>
+              </a:rPr>
+              <a:t>Séptimo nivel del esquema</a:t>
+            </a:r>
+            <a:endParaRPr b="0" lang="es-CO" sz="1800" spc="-1" strike="noStrike">
+              <a:solidFill>
+                <a:srgbClr val="000000"/>
+              </a:solidFill>
+              <a:latin typeface="Arial"/>
+            </a:endParaRPr>
+          </a:p>
+        </p:txBody>
+      </p:sp>
+      <p:sp>
+        <p:nvSpPr>
+          <p:cNvPr id="50" name="PlaceHolder 3"/>
+          <p:cNvSpPr>
+            <a:spLocks noGrp="1"/>
+          </p:cNvSpPr>
+          <p:nvPr>
+            <p:ph type="body"/>
+          </p:nvPr>
+        </p:nvSpPr>
+        <p:spPr>
+          <a:xfrm>
+            <a:off x="1146240" y="1825560"/>
+            <a:ext cx="292680" cy="4349520"/>
+          </a:xfrm>
+          <a:prstGeom prst="rect">
+            <a:avLst/>
+          </a:prstGeom>
+          <a:noFill/>
+          <a:ln w="0">
+            <a:noFill/>
+          </a:ln>
+        </p:spPr>
+        <p:txBody>
+          <a:bodyPr lIns="0" rIns="0" tIns="0" bIns="0" anchor="t">
+            <a:normAutofit fontScale="6111"/>
+          </a:bodyPr>
+          <a:p>
+            <a:pPr marL="432000" indent="-324000">
+              <a:spcBef>
+                <a:spcPts val="1417"/>
+              </a:spcBef>
+              <a:buClr>
+                <a:srgbClr val="000000"/>
+              </a:buClr>
+              <a:buSzPct val="45000"/>
+              <a:buFont typeface="Wingdings" charset="2"/>
+              <a:buChar char=""/>
+            </a:pPr>
+            <a:r>
+              <a:rPr b="0" lang="es-CO" sz="1800" spc="-1" strike="noStrike">
+                <a:solidFill>
+                  <a:srgbClr val="000000"/>
+                </a:solidFill>
+                <a:latin typeface="Arial"/>
+              </a:rPr>
+              <a:t>Pulse para editar el formato de texto del esquema</a:t>
+            </a:r>
+            <a:endParaRPr b="0" lang="es-CO" sz="1800" spc="-1" strike="noStrike">
+              <a:solidFill>
+                <a:srgbClr val="000000"/>
+              </a:solidFill>
+              <a:latin typeface="Arial"/>
+            </a:endParaRPr>
+          </a:p>
+          <a:p>
+            <a:pPr lvl="1" marL="864000" indent="-324000">
+              <a:spcBef>
+                <a:spcPts val="1134"/>
+              </a:spcBef>
+              <a:buClr>
+                <a:srgbClr val="000000"/>
+              </a:buClr>
+              <a:buSzPct val="75000"/>
+              <a:buFont typeface="Symbol" charset="2"/>
+              <a:buChar char=""/>
+            </a:pPr>
+            <a:r>
+              <a:rPr b="0" lang="es-CO" sz="1800" spc="-1" strike="noStrike">
+                <a:solidFill>
+                  <a:srgbClr val="000000"/>
+                </a:solidFill>
+                <a:latin typeface="Arial"/>
+              </a:rPr>
+              <a:t>Segundo nivel del esquema</a:t>
+            </a:r>
+            <a:endParaRPr b="0" lang="es-CO" sz="1800" spc="-1" strike="noStrike">
+              <a:solidFill>
+                <a:srgbClr val="000000"/>
+              </a:solidFill>
+              <a:latin typeface="Arial"/>
+            </a:endParaRPr>
+          </a:p>
+          <a:p>
+            <a:pPr lvl="2" marL="1296000" indent="-288000">
+              <a:spcBef>
+                <a:spcPts val="850"/>
+              </a:spcBef>
+              <a:buClr>
+                <a:srgbClr val="000000"/>
+              </a:buClr>
+              <a:buSzPct val="45000"/>
+              <a:buFont typeface="Wingdings" charset="2"/>
+              <a:buChar char=""/>
+            </a:pPr>
+            <a:r>
+              <a:rPr b="0" lang="es-CO" sz="1800" spc="-1" strike="noStrike">
+                <a:solidFill>
+                  <a:srgbClr val="000000"/>
+                </a:solidFill>
+                <a:latin typeface="Arial"/>
+              </a:rPr>
+              <a:t>Tercer nivel del esquema</a:t>
+            </a:r>
+            <a:endParaRPr b="0" lang="es-CO" sz="1800" spc="-1" strike="noStrike">
+              <a:solidFill>
+                <a:srgbClr val="000000"/>
+              </a:solidFill>
+              <a:latin typeface="Arial"/>
+            </a:endParaRPr>
+          </a:p>
+          <a:p>
+            <a:pPr lvl="3" marL="1728000" indent="-216000">
+              <a:spcBef>
+                <a:spcPts val="567"/>
+              </a:spcBef>
+              <a:buClr>
+                <a:srgbClr val="000000"/>
+              </a:buClr>
+              <a:buSzPct val="75000"/>
+              <a:buFont typeface="Symbol" charset="2"/>
+              <a:buChar char=""/>
+            </a:pPr>
+            <a:r>
+              <a:rPr b="0" lang="es-CO" sz="1800" spc="-1" strike="noStrike">
+                <a:solidFill>
+                  <a:srgbClr val="000000"/>
+                </a:solidFill>
+                <a:latin typeface="Arial"/>
+              </a:rPr>
+              <a:t>Cuarto nivel del esquema</a:t>
+            </a:r>
+            <a:endParaRPr b="0" lang="es-CO" sz="1800" spc="-1" strike="noStrike">
+              <a:solidFill>
+                <a:srgbClr val="000000"/>
+              </a:solidFill>
+              <a:latin typeface="Arial"/>
+            </a:endParaRPr>
+          </a:p>
+          <a:p>
+            <a:pPr lvl="4" marL="2160000" indent="-216000">
+              <a:spcBef>
+                <a:spcPts val="283"/>
+              </a:spcBef>
+              <a:buClr>
+                <a:srgbClr val="000000"/>
+              </a:buClr>
+              <a:buSzPct val="45000"/>
+              <a:buFont typeface="Wingdings" charset="2"/>
+              <a:buChar char=""/>
+            </a:pPr>
+            <a:r>
+              <a:rPr b="0" lang="es-CO" sz="1800" spc="-1" strike="noStrike">
+                <a:solidFill>
+                  <a:srgbClr val="000000"/>
+                </a:solidFill>
+                <a:latin typeface="Arial"/>
+              </a:rPr>
+              <a:t>Quinto nivel del esquema</a:t>
+            </a:r>
+            <a:endParaRPr b="0" lang="es-CO" sz="1800" spc="-1" strike="noStrike">
+              <a:solidFill>
+                <a:srgbClr val="000000"/>
+              </a:solidFill>
+              <a:latin typeface="Arial"/>
+            </a:endParaRPr>
+          </a:p>
+          <a:p>
+            <a:pPr lvl="5" marL="2592000" indent="-216000">
+              <a:spcBef>
+                <a:spcPts val="283"/>
+              </a:spcBef>
+              <a:buClr>
+                <a:srgbClr val="000000"/>
+              </a:buClr>
+              <a:buSzPct val="45000"/>
+              <a:buFont typeface="Wingdings" charset="2"/>
+              <a:buChar char=""/>
+            </a:pPr>
+            <a:r>
+              <a:rPr b="0" lang="es-CO" sz="1800" spc="-1" strike="noStrike">
+                <a:solidFill>
+                  <a:srgbClr val="000000"/>
+                </a:solidFill>
+                <a:latin typeface="Arial"/>
+              </a:rPr>
+              <a:t>Sexto nivel del esquema</a:t>
+            </a:r>
+            <a:endParaRPr b="0" lang="es-CO" sz="1800" spc="-1" strike="noStrike">
+              <a:solidFill>
+                <a:srgbClr val="000000"/>
+              </a:solidFill>
+              <a:latin typeface="Arial"/>
+            </a:endParaRPr>
+          </a:p>
+          <a:p>
+            <a:pPr lvl="6" marL="3024000" indent="-216000">
+              <a:spcBef>
+                <a:spcPts val="283"/>
+              </a:spcBef>
+              <a:buClr>
+                <a:srgbClr val="000000"/>
+              </a:buClr>
+              <a:buSzPct val="45000"/>
+              <a:buFont typeface="Wingdings" charset="2"/>
+              <a:buChar char=""/>
+            </a:pPr>
+            <a:r>
+              <a:rPr b="0" lang="es-CO" sz="1800" spc="-1" strike="noStrike">
+                <a:solidFill>
+                  <a:srgbClr val="000000"/>
+                </a:solidFill>
+                <a:latin typeface="Arial"/>
+              </a:rPr>
+              <a:t>Séptimo nivel del esquema</a:t>
+            </a:r>
+            <a:endParaRPr b="0" lang="es-CO" sz="1800" spc="-1" strike="noStrike">
+              <a:solidFill>
+                <a:srgbClr val="000000"/>
+              </a:solidFill>
+              <a:latin typeface="Arial"/>
+            </a:endParaRPr>
+          </a:p>
+        </p:txBody>
+      </p:sp>
+      <p:sp>
+        <p:nvSpPr>
+          <p:cNvPr id="51" name="PlaceHolder 4"/>
           <p:cNvSpPr>
             <a:spLocks noGrp="1"/>
           </p:cNvSpPr>
@@ -6495,7 +7963,7 @@
         <p:spPr>
           <a:xfrm>
             <a:off x="4038480" y="6356520"/>
-            <a:ext cx="4113360" cy="363600"/>
+            <a:ext cx="4113000" cy="363240"/>
           </a:xfrm>
           <a:prstGeom prst="rect">
             <a:avLst/>
@@ -6556,7 +8024,7 @@
       </p:sp>
       <p:sp>
         <p:nvSpPr>
-          <p:cNvPr id="47" name="PlaceHolder 2"/>
+          <p:cNvPr id="52" name="PlaceHolder 5"/>
           <p:cNvSpPr>
             <a:spLocks noGrp="1"/>
           </p:cNvSpPr>
@@ -6567,7 +8035,7 @@
         <p:spPr>
           <a:xfrm>
             <a:off x="8610480" y="6356520"/>
-            <a:ext cx="2741760" cy="363600"/>
+            <a:ext cx="2741400" cy="363240"/>
           </a:xfrm>
           <a:prstGeom prst="rect">
             <a:avLst/>
@@ -6609,7 +8077,7 @@
                 <a:tab algn="l" pos="0"/>
               </a:tabLst>
             </a:pPr>
-            <a:fld id="{F5DD1FE2-25DE-4E72-A470-5CD9BE79D5CD}" type="slidenum">
+            <a:fld id="{0DC46036-CF4F-4207-932F-A8F96A9DCF41}" type="slidenum">
               <a:rPr b="0" lang="es-CO" sz="1200" spc="-1" strike="noStrike">
                 <a:solidFill>
                   <a:srgbClr val="888888"/>
@@ -6630,7 +8098,7 @@
       </p:sp>
       <p:sp>
         <p:nvSpPr>
-          <p:cNvPr id="48" name="PlaceHolder 3"/>
+          <p:cNvPr id="53" name="PlaceHolder 6"/>
           <p:cNvSpPr>
             <a:spLocks noGrp="1"/>
           </p:cNvSpPr>
@@ -6641,7 +8109,7 @@
         <p:spPr>
           <a:xfrm>
             <a:off x="838080" y="6356520"/>
-            <a:ext cx="2741760" cy="363600"/>
+            <a:ext cx="2741400" cy="363240"/>
           </a:xfrm>
           <a:prstGeom prst="rect">
             <a:avLst/>
@@ -6691,7 +8159,9 @@
     </p:spTree>
   </p:cSld>
   <p:clrMap bg1="lt1" bg2="lt2" tx1="dk1" tx2="dk2" accent1="accent1" accent2="accent2" accent3="accent3" accent4="accent4" accent5="accent5" accent6="accent6" hlink="hlink" folHlink="folHlink"/>
-  <p:sldLayoutIdLst/>
+  <p:sldLayoutIdLst>
+    <p:sldLayoutId id="2147483661" r:id="rId2"/>
+  </p:sldLayoutIdLst>
 </p:sldMaster>
 </file>
 
@@ -6721,7 +8191,7 @@
       </p:grpSpPr>
       <p:sp>
         <p:nvSpPr>
-          <p:cNvPr id="49" name="PlaceHolder 1"/>
+          <p:cNvPr id="57" name="PlaceHolder 1"/>
           <p:cNvSpPr>
             <a:spLocks noGrp="1"/>
           </p:cNvSpPr>
@@ -6732,7 +8202,7 @@
         <p:spPr>
           <a:xfrm>
             <a:off x="838080" y="365040"/>
-            <a:ext cx="10514160" cy="1324080"/>
+            <a:ext cx="10513800" cy="1323720"/>
           </a:xfrm>
           <a:prstGeom prst="rect">
             <a:avLst/>
@@ -6747,11 +8217,11 @@
             <a:noAutofit/>
           </a:bodyPr>
           <a:p>
-            <a:pPr indent="0" algn="ctr">
+            <a:pPr indent="0">
               <a:buNone/>
             </a:pPr>
             <a:r>
-              <a:rPr b="0" lang="es-CO" sz="4400" spc="-1" strike="noStrike">
+              <a:rPr b="0" lang="es-CO" sz="1800" spc="-1" strike="noStrike">
                 <a:solidFill>
                   <a:srgbClr val="000000"/>
                 </a:solidFill>
@@ -6759,18 +8229,468 @@
               </a:rPr>
               <a:t>Pulse para editar el formato del texto de título</a:t>
             </a:r>
-            <a:endParaRPr b="0" lang="es-CO" sz="4400" spc="-1" strike="noStrike">
-              <a:solidFill>
-                <a:srgbClr val="000000"/>
-              </a:solidFill>
-              <a:latin typeface="Arial"/>
-            </a:endParaRPr>
-          </a:p>
-        </p:txBody>
-      </p:sp>
-      <p:sp>
-        <p:nvSpPr>
-          <p:cNvPr id="50" name="PlaceHolder 2"/>
+            <a:endParaRPr b="0" lang="es-CO" sz="1800" spc="-1" strike="noStrike">
+              <a:solidFill>
+                <a:srgbClr val="000000"/>
+              </a:solidFill>
+              <a:latin typeface="Arial"/>
+            </a:endParaRPr>
+          </a:p>
+        </p:txBody>
+      </p:sp>
+      <p:sp>
+        <p:nvSpPr>
+          <p:cNvPr id="58" name="PlaceHolder 2"/>
+          <p:cNvSpPr>
+            <a:spLocks noGrp="1"/>
+          </p:cNvSpPr>
+          <p:nvPr>
+            <p:ph type="body"/>
+          </p:nvPr>
+        </p:nvSpPr>
+        <p:spPr>
+          <a:xfrm>
+            <a:off x="838080" y="1825560"/>
+            <a:ext cx="292680" cy="4349520"/>
+          </a:xfrm>
+          <a:prstGeom prst="rect">
+            <a:avLst/>
+          </a:prstGeom>
+          <a:noFill/>
+          <a:ln w="0">
+            <a:noFill/>
+          </a:ln>
+        </p:spPr>
+        <p:txBody>
+          <a:bodyPr lIns="0" rIns="0" tIns="0" bIns="0" anchor="t">
+            <a:normAutofit fontScale="6111"/>
+          </a:bodyPr>
+          <a:p>
+            <a:pPr marL="432000" indent="-324000">
+              <a:spcBef>
+                <a:spcPts val="1417"/>
+              </a:spcBef>
+              <a:buClr>
+                <a:srgbClr val="000000"/>
+              </a:buClr>
+              <a:buSzPct val="45000"/>
+              <a:buFont typeface="Wingdings" charset="2"/>
+              <a:buChar char=""/>
+            </a:pPr>
+            <a:r>
+              <a:rPr b="0" lang="es-CO" sz="1800" spc="-1" strike="noStrike">
+                <a:solidFill>
+                  <a:srgbClr val="000000"/>
+                </a:solidFill>
+                <a:latin typeface="Arial"/>
+              </a:rPr>
+              <a:t>Pulse para editar el formato de texto del esquema</a:t>
+            </a:r>
+            <a:endParaRPr b="0" lang="es-CO" sz="1800" spc="-1" strike="noStrike">
+              <a:solidFill>
+                <a:srgbClr val="000000"/>
+              </a:solidFill>
+              <a:latin typeface="Arial"/>
+            </a:endParaRPr>
+          </a:p>
+          <a:p>
+            <a:pPr lvl="1" marL="864000" indent="-324000">
+              <a:spcBef>
+                <a:spcPts val="1134"/>
+              </a:spcBef>
+              <a:buClr>
+                <a:srgbClr val="000000"/>
+              </a:buClr>
+              <a:buSzPct val="75000"/>
+              <a:buFont typeface="Symbol" charset="2"/>
+              <a:buChar char=""/>
+            </a:pPr>
+            <a:r>
+              <a:rPr b="0" lang="es-CO" sz="1800" spc="-1" strike="noStrike">
+                <a:solidFill>
+                  <a:srgbClr val="000000"/>
+                </a:solidFill>
+                <a:latin typeface="Arial"/>
+              </a:rPr>
+              <a:t>Segundo nivel del esquema</a:t>
+            </a:r>
+            <a:endParaRPr b="0" lang="es-CO" sz="1800" spc="-1" strike="noStrike">
+              <a:solidFill>
+                <a:srgbClr val="000000"/>
+              </a:solidFill>
+              <a:latin typeface="Arial"/>
+            </a:endParaRPr>
+          </a:p>
+          <a:p>
+            <a:pPr lvl="2" marL="1296000" indent="-288000">
+              <a:spcBef>
+                <a:spcPts val="850"/>
+              </a:spcBef>
+              <a:buClr>
+                <a:srgbClr val="000000"/>
+              </a:buClr>
+              <a:buSzPct val="45000"/>
+              <a:buFont typeface="Wingdings" charset="2"/>
+              <a:buChar char=""/>
+            </a:pPr>
+            <a:r>
+              <a:rPr b="0" lang="es-CO" sz="1800" spc="-1" strike="noStrike">
+                <a:solidFill>
+                  <a:srgbClr val="000000"/>
+                </a:solidFill>
+                <a:latin typeface="Arial"/>
+              </a:rPr>
+              <a:t>Tercer nivel del esquema</a:t>
+            </a:r>
+            <a:endParaRPr b="0" lang="es-CO" sz="1800" spc="-1" strike="noStrike">
+              <a:solidFill>
+                <a:srgbClr val="000000"/>
+              </a:solidFill>
+              <a:latin typeface="Arial"/>
+            </a:endParaRPr>
+          </a:p>
+          <a:p>
+            <a:pPr lvl="3" marL="1728000" indent="-216000">
+              <a:spcBef>
+                <a:spcPts val="567"/>
+              </a:spcBef>
+              <a:buClr>
+                <a:srgbClr val="000000"/>
+              </a:buClr>
+              <a:buSzPct val="75000"/>
+              <a:buFont typeface="Symbol" charset="2"/>
+              <a:buChar char=""/>
+            </a:pPr>
+            <a:r>
+              <a:rPr b="0" lang="es-CO" sz="1800" spc="-1" strike="noStrike">
+                <a:solidFill>
+                  <a:srgbClr val="000000"/>
+                </a:solidFill>
+                <a:latin typeface="Arial"/>
+              </a:rPr>
+              <a:t>Cuarto nivel del esquema</a:t>
+            </a:r>
+            <a:endParaRPr b="0" lang="es-CO" sz="1800" spc="-1" strike="noStrike">
+              <a:solidFill>
+                <a:srgbClr val="000000"/>
+              </a:solidFill>
+              <a:latin typeface="Arial"/>
+            </a:endParaRPr>
+          </a:p>
+          <a:p>
+            <a:pPr lvl="4" marL="2160000" indent="-216000">
+              <a:spcBef>
+                <a:spcPts val="283"/>
+              </a:spcBef>
+              <a:buClr>
+                <a:srgbClr val="000000"/>
+              </a:buClr>
+              <a:buSzPct val="45000"/>
+              <a:buFont typeface="Wingdings" charset="2"/>
+              <a:buChar char=""/>
+            </a:pPr>
+            <a:r>
+              <a:rPr b="0" lang="es-CO" sz="1800" spc="-1" strike="noStrike">
+                <a:solidFill>
+                  <a:srgbClr val="000000"/>
+                </a:solidFill>
+                <a:latin typeface="Arial"/>
+              </a:rPr>
+              <a:t>Quinto nivel del esquema</a:t>
+            </a:r>
+            <a:endParaRPr b="0" lang="es-CO" sz="1800" spc="-1" strike="noStrike">
+              <a:solidFill>
+                <a:srgbClr val="000000"/>
+              </a:solidFill>
+              <a:latin typeface="Arial"/>
+            </a:endParaRPr>
+          </a:p>
+          <a:p>
+            <a:pPr lvl="5" marL="2592000" indent="-216000">
+              <a:spcBef>
+                <a:spcPts val="283"/>
+              </a:spcBef>
+              <a:buClr>
+                <a:srgbClr val="000000"/>
+              </a:buClr>
+              <a:buSzPct val="45000"/>
+              <a:buFont typeface="Wingdings" charset="2"/>
+              <a:buChar char=""/>
+            </a:pPr>
+            <a:r>
+              <a:rPr b="0" lang="es-CO" sz="1800" spc="-1" strike="noStrike">
+                <a:solidFill>
+                  <a:srgbClr val="000000"/>
+                </a:solidFill>
+                <a:latin typeface="Arial"/>
+              </a:rPr>
+              <a:t>Sexto nivel del esquema</a:t>
+            </a:r>
+            <a:endParaRPr b="0" lang="es-CO" sz="1800" spc="-1" strike="noStrike">
+              <a:solidFill>
+                <a:srgbClr val="000000"/>
+              </a:solidFill>
+              <a:latin typeface="Arial"/>
+            </a:endParaRPr>
+          </a:p>
+          <a:p>
+            <a:pPr lvl="6" marL="3024000" indent="-216000">
+              <a:spcBef>
+                <a:spcPts val="283"/>
+              </a:spcBef>
+              <a:buClr>
+                <a:srgbClr val="000000"/>
+              </a:buClr>
+              <a:buSzPct val="45000"/>
+              <a:buFont typeface="Wingdings" charset="2"/>
+              <a:buChar char=""/>
+            </a:pPr>
+            <a:r>
+              <a:rPr b="0" lang="es-CO" sz="1800" spc="-1" strike="noStrike">
+                <a:solidFill>
+                  <a:srgbClr val="000000"/>
+                </a:solidFill>
+                <a:latin typeface="Arial"/>
+              </a:rPr>
+              <a:t>Séptimo nivel del esquema</a:t>
+            </a:r>
+            <a:endParaRPr b="0" lang="es-CO" sz="1800" spc="-1" strike="noStrike">
+              <a:solidFill>
+                <a:srgbClr val="000000"/>
+              </a:solidFill>
+              <a:latin typeface="Arial"/>
+            </a:endParaRPr>
+          </a:p>
+        </p:txBody>
+      </p:sp>
+      <p:sp>
+        <p:nvSpPr>
+          <p:cNvPr id="59" name="PlaceHolder 3"/>
+          <p:cNvSpPr>
+            <a:spLocks noGrp="1"/>
+          </p:cNvSpPr>
+          <p:nvPr>
+            <p:ph type="body"/>
+          </p:nvPr>
+        </p:nvSpPr>
+        <p:spPr>
+          <a:xfrm>
+            <a:off x="1146240" y="1825560"/>
+            <a:ext cx="292680" cy="4349520"/>
+          </a:xfrm>
+          <a:prstGeom prst="rect">
+            <a:avLst/>
+          </a:prstGeom>
+          <a:noFill/>
+          <a:ln w="0">
+            <a:noFill/>
+          </a:ln>
+        </p:spPr>
+        <p:txBody>
+          <a:bodyPr lIns="0" rIns="0" tIns="0" bIns="0" anchor="t">
+            <a:normAutofit fontScale="6111"/>
+          </a:bodyPr>
+          <a:p>
+            <a:pPr marL="432000" indent="-324000">
+              <a:spcBef>
+                <a:spcPts val="1417"/>
+              </a:spcBef>
+              <a:buClr>
+                <a:srgbClr val="000000"/>
+              </a:buClr>
+              <a:buSzPct val="45000"/>
+              <a:buFont typeface="Wingdings" charset="2"/>
+              <a:buChar char=""/>
+            </a:pPr>
+            <a:r>
+              <a:rPr b="0" lang="es-CO" sz="1800" spc="-1" strike="noStrike">
+                <a:solidFill>
+                  <a:srgbClr val="000000"/>
+                </a:solidFill>
+                <a:latin typeface="Arial"/>
+              </a:rPr>
+              <a:t>Pulse para editar el formato de texto del esquema</a:t>
+            </a:r>
+            <a:endParaRPr b="0" lang="es-CO" sz="1800" spc="-1" strike="noStrike">
+              <a:solidFill>
+                <a:srgbClr val="000000"/>
+              </a:solidFill>
+              <a:latin typeface="Arial"/>
+            </a:endParaRPr>
+          </a:p>
+          <a:p>
+            <a:pPr lvl="1" marL="864000" indent="-324000">
+              <a:spcBef>
+                <a:spcPts val="1134"/>
+              </a:spcBef>
+              <a:buClr>
+                <a:srgbClr val="000000"/>
+              </a:buClr>
+              <a:buSzPct val="75000"/>
+              <a:buFont typeface="Symbol" charset="2"/>
+              <a:buChar char=""/>
+            </a:pPr>
+            <a:r>
+              <a:rPr b="0" lang="es-CO" sz="1800" spc="-1" strike="noStrike">
+                <a:solidFill>
+                  <a:srgbClr val="000000"/>
+                </a:solidFill>
+                <a:latin typeface="Arial"/>
+              </a:rPr>
+              <a:t>Segundo nivel del esquema</a:t>
+            </a:r>
+            <a:endParaRPr b="0" lang="es-CO" sz="1800" spc="-1" strike="noStrike">
+              <a:solidFill>
+                <a:srgbClr val="000000"/>
+              </a:solidFill>
+              <a:latin typeface="Arial"/>
+            </a:endParaRPr>
+          </a:p>
+          <a:p>
+            <a:pPr lvl="2" marL="1296000" indent="-288000">
+              <a:spcBef>
+                <a:spcPts val="850"/>
+              </a:spcBef>
+              <a:buClr>
+                <a:srgbClr val="000000"/>
+              </a:buClr>
+              <a:buSzPct val="45000"/>
+              <a:buFont typeface="Wingdings" charset="2"/>
+              <a:buChar char=""/>
+            </a:pPr>
+            <a:r>
+              <a:rPr b="0" lang="es-CO" sz="1800" spc="-1" strike="noStrike">
+                <a:solidFill>
+                  <a:srgbClr val="000000"/>
+                </a:solidFill>
+                <a:latin typeface="Arial"/>
+              </a:rPr>
+              <a:t>Tercer nivel del esquema</a:t>
+            </a:r>
+            <a:endParaRPr b="0" lang="es-CO" sz="1800" spc="-1" strike="noStrike">
+              <a:solidFill>
+                <a:srgbClr val="000000"/>
+              </a:solidFill>
+              <a:latin typeface="Arial"/>
+            </a:endParaRPr>
+          </a:p>
+          <a:p>
+            <a:pPr lvl="3" marL="1728000" indent="-216000">
+              <a:spcBef>
+                <a:spcPts val="567"/>
+              </a:spcBef>
+              <a:buClr>
+                <a:srgbClr val="000000"/>
+              </a:buClr>
+              <a:buSzPct val="75000"/>
+              <a:buFont typeface="Symbol" charset="2"/>
+              <a:buChar char=""/>
+            </a:pPr>
+            <a:r>
+              <a:rPr b="0" lang="es-CO" sz="1800" spc="-1" strike="noStrike">
+                <a:solidFill>
+                  <a:srgbClr val="000000"/>
+                </a:solidFill>
+                <a:latin typeface="Arial"/>
+              </a:rPr>
+              <a:t>Cuarto nivel del esquema</a:t>
+            </a:r>
+            <a:endParaRPr b="0" lang="es-CO" sz="1800" spc="-1" strike="noStrike">
+              <a:solidFill>
+                <a:srgbClr val="000000"/>
+              </a:solidFill>
+              <a:latin typeface="Arial"/>
+            </a:endParaRPr>
+          </a:p>
+          <a:p>
+            <a:pPr lvl="4" marL="2160000" indent="-216000">
+              <a:spcBef>
+                <a:spcPts val="283"/>
+              </a:spcBef>
+              <a:buClr>
+                <a:srgbClr val="000000"/>
+              </a:buClr>
+              <a:buSzPct val="45000"/>
+              <a:buFont typeface="Wingdings" charset="2"/>
+              <a:buChar char=""/>
+            </a:pPr>
+            <a:r>
+              <a:rPr b="0" lang="es-CO" sz="1800" spc="-1" strike="noStrike">
+                <a:solidFill>
+                  <a:srgbClr val="000000"/>
+                </a:solidFill>
+                <a:latin typeface="Arial"/>
+              </a:rPr>
+              <a:t>Quinto nivel del esquema</a:t>
+            </a:r>
+            <a:endParaRPr b="0" lang="es-CO" sz="1800" spc="-1" strike="noStrike">
+              <a:solidFill>
+                <a:srgbClr val="000000"/>
+              </a:solidFill>
+              <a:latin typeface="Arial"/>
+            </a:endParaRPr>
+          </a:p>
+          <a:p>
+            <a:pPr lvl="5" marL="2592000" indent="-216000">
+              <a:spcBef>
+                <a:spcPts val="283"/>
+              </a:spcBef>
+              <a:buClr>
+                <a:srgbClr val="000000"/>
+              </a:buClr>
+              <a:buSzPct val="45000"/>
+              <a:buFont typeface="Wingdings" charset="2"/>
+              <a:buChar char=""/>
+            </a:pPr>
+            <a:r>
+              <a:rPr b="0" lang="es-CO" sz="1800" spc="-1" strike="noStrike">
+                <a:solidFill>
+                  <a:srgbClr val="000000"/>
+                </a:solidFill>
+                <a:latin typeface="Arial"/>
+              </a:rPr>
+              <a:t>Sexto nivel del esquema</a:t>
+            </a:r>
+            <a:endParaRPr b="0" lang="es-CO" sz="1800" spc="-1" strike="noStrike">
+              <a:solidFill>
+                <a:srgbClr val="000000"/>
+              </a:solidFill>
+              <a:latin typeface="Arial"/>
+            </a:endParaRPr>
+          </a:p>
+          <a:p>
+            <a:pPr lvl="6" marL="3024000" indent="-216000">
+              <a:spcBef>
+                <a:spcPts val="283"/>
+              </a:spcBef>
+              <a:buClr>
+                <a:srgbClr val="000000"/>
+              </a:buClr>
+              <a:buSzPct val="45000"/>
+              <a:buFont typeface="Wingdings" charset="2"/>
+              <a:buChar char=""/>
+            </a:pPr>
+            <a:r>
+              <a:rPr b="0" lang="es-CO" sz="1800" spc="-1" strike="noStrike">
+                <a:solidFill>
+                  <a:srgbClr val="000000"/>
+                </a:solidFill>
+                <a:latin typeface="Arial"/>
+              </a:rPr>
+              <a:t>Séptimo nivel del esquema</a:t>
+            </a:r>
+            <a:endParaRPr b="0" lang="es-CO" sz="1800" spc="-1" strike="noStrike">
+              <a:solidFill>
+                <a:srgbClr val="000000"/>
+              </a:solidFill>
+              <a:latin typeface="Arial"/>
+            </a:endParaRPr>
+          </a:p>
+        </p:txBody>
+      </p:sp>
+      <p:sp>
+        <p:nvSpPr>
+          <p:cNvPr id="60" name="PlaceHolder 4"/>
           <p:cNvSpPr>
             <a:spLocks noGrp="1"/>
           </p:cNvSpPr>
@@ -6781,7 +8701,7 @@
         <p:spPr>
           <a:xfrm>
             <a:off x="4038480" y="6356520"/>
-            <a:ext cx="4113360" cy="363600"/>
+            <a:ext cx="4113000" cy="363240"/>
           </a:xfrm>
           <a:prstGeom prst="rect">
             <a:avLst/>
@@ -6842,7 +8762,7 @@
       </p:sp>
       <p:sp>
         <p:nvSpPr>
-          <p:cNvPr id="51" name="PlaceHolder 3"/>
+          <p:cNvPr id="61" name="PlaceHolder 5"/>
           <p:cNvSpPr>
             <a:spLocks noGrp="1"/>
           </p:cNvSpPr>
@@ -6853,7 +8773,7 @@
         <p:spPr>
           <a:xfrm>
             <a:off x="8610480" y="6356520"/>
-            <a:ext cx="2741760" cy="363600"/>
+            <a:ext cx="2741400" cy="363240"/>
           </a:xfrm>
           <a:prstGeom prst="rect">
             <a:avLst/>
@@ -6895,7 +8815,7 @@
                 <a:tab algn="l" pos="0"/>
               </a:tabLst>
             </a:pPr>
-            <a:fld id="{59043B6B-B2FF-4471-9190-3B5F0E44AC0D}" type="slidenum">
+            <a:fld id="{C0CB7C66-5018-4D9A-AA5D-C7EED7499B83}" type="slidenum">
               <a:rPr b="0" lang="es-CO" sz="1200" spc="-1" strike="noStrike">
                 <a:solidFill>
                   <a:srgbClr val="888888"/>
@@ -6916,7 +8836,7 @@
       </p:sp>
       <p:sp>
         <p:nvSpPr>
-          <p:cNvPr id="52" name="PlaceHolder 4"/>
+          <p:cNvPr id="62" name="PlaceHolder 6"/>
           <p:cNvSpPr>
             <a:spLocks noGrp="1"/>
           </p:cNvSpPr>
@@ -6927,7 +8847,7 @@
         <p:spPr>
           <a:xfrm>
             <a:off x="838080" y="6356520"/>
-            <a:ext cx="2741760" cy="363600"/>
+            <a:ext cx="2741400" cy="363240"/>
           </a:xfrm>
           <a:prstGeom prst="rect">
             <a:avLst/>
@@ -6977,244 +8897,9 @@
     </p:spTree>
   </p:cSld>
   <p:clrMap bg1="lt1" bg2="lt2" tx1="dk1" tx2="dk2" accent1="accent1" accent2="accent2" accent3="accent3" accent4="accent4" accent5="accent5" accent6="accent6" hlink="hlink" folHlink="folHlink"/>
-  <p:sldLayoutIdLst/>
-</p:sldMaster>
-</file>
-
-<file path=ppt/slideMasters/slideMaster9.xml><?xml version="1.0" encoding="utf-8"?>
-<p:sldMaster xmlns:a="http://schemas.openxmlformats.org/drawingml/2006/main" xmlns:p="http://schemas.openxmlformats.org/presentationml/2006/main" xmlns:r="http://schemas.openxmlformats.org/officeDocument/2006/relationships" xmlns:p14="http://schemas.microsoft.com/office/powerpoint/2010/main" xmlns:p15="http://schemas.microsoft.com/office/powerpoint/2012/main" xmlns:mc="http://schemas.openxmlformats.org/markup-compatibility/2006">
-  <p:cSld>
-    <p:bg>
-      <p:bgPr>
-        <a:solidFill>
-          <a:schemeClr val="lt1"/>
-        </a:solidFill>
-      </p:bgPr>
-    </p:bg>
-    <p:spTree>
-      <p:nvGrpSpPr>
-        <p:cNvPr id="1" name=""/>
-        <p:cNvGrpSpPr/>
-        <p:nvPr/>
-      </p:nvGrpSpPr>
-      <p:grpSpPr>
-        <a:xfrm>
-          <a:off x="0" y="0"/>
-          <a:ext cx="0" cy="0"/>
-          <a:chOff x="0" y="0"/>
-          <a:chExt cx="0" cy="0"/>
-        </a:xfrm>
-      </p:grpSpPr>
-      <p:sp>
-        <p:nvSpPr>
-          <p:cNvPr id="53" name="PlaceHolder 1"/>
-          <p:cNvSpPr>
-            <a:spLocks noGrp="1"/>
-          </p:cNvSpPr>
-          <p:nvPr>
-            <p:ph type="ftr" idx="25"/>
-          </p:nvPr>
-        </p:nvSpPr>
-        <p:spPr>
-          <a:xfrm>
-            <a:off x="4038480" y="6356520"/>
-            <a:ext cx="4113360" cy="363600"/>
-          </a:xfrm>
-          <a:prstGeom prst="rect">
-            <a:avLst/>
-          </a:prstGeom>
-          <a:noFill/>
-          <a:ln w="0">
-            <a:noFill/>
-          </a:ln>
-        </p:spPr>
-        <p:txBody>
-          <a:bodyPr lIns="91440" rIns="91440" tIns="45720" bIns="45720" anchor="ctr">
-            <a:noAutofit/>
-          </a:bodyPr>
-          <a:lstStyle>
-            <a:lvl1pPr indent="0" algn="ctr">
-              <a:lnSpc>
-                <a:spcPct val="100000"/>
-              </a:lnSpc>
-              <a:buNone/>
-              <a:tabLst>
-                <a:tab algn="l" pos="0"/>
-              </a:tabLst>
-              <a:defRPr b="0" lang="es-CO" sz="1400" spc="-1" strike="noStrike">
-                <a:solidFill>
-                  <a:srgbClr val="000000"/>
-                </a:solidFill>
-                <a:latin typeface="Times New Roman"/>
-              </a:defRPr>
-            </a:lvl1pPr>
-          </a:lstStyle>
-          <a:p>
-            <a:pPr indent="0" algn="ctr">
-              <a:lnSpc>
-                <a:spcPct val="100000"/>
-              </a:lnSpc>
-              <a:buNone/>
-              <a:tabLst>
-                <a:tab algn="l" pos="0"/>
-              </a:tabLst>
-            </a:pPr>
-            <a:r>
-              <a:rPr b="0" lang="es-CO" sz="1400" spc="-1" strike="noStrike">
-                <a:solidFill>
-                  <a:srgbClr val="000000"/>
-                </a:solidFill>
-                <a:latin typeface="Times New Roman"/>
-              </a:rPr>
-              <a:t>&lt;pie de página&gt;</a:t>
-            </a:r>
-            <a:endParaRPr b="0" lang="es-CO" sz="1400" spc="-1" strike="noStrike">
-              <a:solidFill>
-                <a:srgbClr val="000000"/>
-              </a:solidFill>
-              <a:latin typeface="Times New Roman"/>
-            </a:endParaRPr>
-          </a:p>
-        </p:txBody>
-      </p:sp>
-      <p:sp>
-        <p:nvSpPr>
-          <p:cNvPr id="54" name="PlaceHolder 2"/>
-          <p:cNvSpPr>
-            <a:spLocks noGrp="1"/>
-          </p:cNvSpPr>
-          <p:nvPr>
-            <p:ph type="sldNum" idx="26"/>
-          </p:nvPr>
-        </p:nvSpPr>
-        <p:spPr>
-          <a:xfrm>
-            <a:off x="8610480" y="6356520"/>
-            <a:ext cx="2741760" cy="363600"/>
-          </a:xfrm>
-          <a:prstGeom prst="rect">
-            <a:avLst/>
-          </a:prstGeom>
-          <a:noFill/>
-          <a:ln w="0">
-            <a:noFill/>
-          </a:ln>
-        </p:spPr>
-        <p:txBody>
-          <a:bodyPr lIns="91440" rIns="91440" tIns="45720" bIns="45720" anchor="ctr">
-            <a:noAutofit/>
-          </a:bodyPr>
-          <a:lstStyle>
-            <a:lvl1pPr indent="0" algn="r">
-              <a:lnSpc>
-                <a:spcPct val="100000"/>
-              </a:lnSpc>
-              <a:buNone/>
-              <a:tabLst>
-                <a:tab algn="l" pos="0"/>
-              </a:tabLst>
-              <a:defRPr b="0" lang="es-CO" sz="1200" spc="-1" strike="noStrike">
-                <a:solidFill>
-                  <a:srgbClr val="888888"/>
-                </a:solidFill>
-                <a:latin typeface="Calibri"/>
-                <a:ea typeface="Calibri"/>
-              </a:defRPr>
-            </a:lvl1pPr>
-          </a:lstStyle>
-          <a:p>
-            <a:pPr indent="0" algn="r">
-              <a:lnSpc>
-                <a:spcPct val="100000"/>
-              </a:lnSpc>
-              <a:buNone/>
-              <a:tabLst>
-                <a:tab algn="l" pos="0"/>
-              </a:tabLst>
-            </a:pPr>
-            <a:fld id="{529A37C1-8897-45DA-A4E3-A0D485D1AA62}" type="slidenum">
-              <a:rPr b="0" lang="es-CO" sz="1200" spc="-1" strike="noStrike">
-                <a:solidFill>
-                  <a:srgbClr val="888888"/>
-                </a:solidFill>
-                <a:latin typeface="Calibri"/>
-                <a:ea typeface="Calibri"/>
-              </a:rPr>
-              <a:t>&lt;número&gt;</a:t>
-            </a:fld>
-            <a:endParaRPr b="0" lang="es-CO" sz="1200" spc="-1" strike="noStrike">
-              <a:solidFill>
-                <a:srgbClr val="000000"/>
-              </a:solidFill>
-              <a:latin typeface="Times New Roman"/>
-            </a:endParaRPr>
-          </a:p>
-        </p:txBody>
-      </p:sp>
-      <p:sp>
-        <p:nvSpPr>
-          <p:cNvPr id="55" name="PlaceHolder 3"/>
-          <p:cNvSpPr>
-            <a:spLocks noGrp="1"/>
-          </p:cNvSpPr>
-          <p:nvPr>
-            <p:ph type="dt" idx="27"/>
-          </p:nvPr>
-        </p:nvSpPr>
-        <p:spPr>
-          <a:xfrm>
-            <a:off x="838080" y="6356520"/>
-            <a:ext cx="2741760" cy="363600"/>
-          </a:xfrm>
-          <a:prstGeom prst="rect">
-            <a:avLst/>
-          </a:prstGeom>
-          <a:noFill/>
-          <a:ln w="0">
-            <a:noFill/>
-          </a:ln>
-        </p:spPr>
-        <p:txBody>
-          <a:bodyPr lIns="91440" rIns="91440" tIns="45720" bIns="45720" anchor="ctr">
-            <a:noAutofit/>
-          </a:bodyPr>
-          <a:lstStyle>
-            <a:lvl1pPr indent="0">
-              <a:buNone/>
-              <a:defRPr b="0" lang="es-CO" sz="1400" spc="-1" strike="noStrike">
-                <a:solidFill>
-                  <a:srgbClr val="000000"/>
-                </a:solidFill>
-                <a:latin typeface="Times New Roman"/>
-              </a:defRPr>
-            </a:lvl1pPr>
-          </a:lstStyle>
-          <a:p>
-            <a:pPr indent="0">
-              <a:buNone/>
-            </a:pPr>
-            <a:r>
-              <a:rPr b="0" lang="es-CO" sz="1400" spc="-1" strike="noStrike">
-                <a:solidFill>
-                  <a:srgbClr val="000000"/>
-                </a:solidFill>
-                <a:latin typeface="Times New Roman"/>
-              </a:rPr>
-              <a:t>&lt;fecha/hora&gt;</a:t>
-            </a:r>
-            <a:endParaRPr b="0" lang="es-CO" sz="1400" spc="-1" strike="noStrike">
-              <a:solidFill>
-                <a:srgbClr val="000000"/>
-              </a:solidFill>
-              <a:latin typeface="Times New Roman"/>
-            </a:endParaRPr>
-          </a:p>
-        </p:txBody>
-      </p:sp>
-    </p:spTree>
-  </p:cSld>
-  <p:clrMap bg1="lt1" bg2="lt2" tx1="dk1" tx2="dk2" accent1="accent1" accent2="accent2" accent3="accent3" accent4="accent4" accent5="accent5" accent6="accent6" hlink="hlink" folHlink="folHlink"/>
-  <p:sldLayoutIdLst/>
+  <p:sldLayoutIdLst>
+    <p:sldLayoutId id="2147483663" r:id="rId2"/>
+  </p:sldLayoutIdLst>
 </p:sldMaster>
 </file>
 
@@ -7237,21 +8922,21 @@
       </p:grpSpPr>
       <p:grpSp>
         <p:nvGrpSpPr>
-          <p:cNvPr id="68" name="Google Shape;89;g1f213c8c16b_0_0"/>
+          <p:cNvPr id="72" name="Google Shape;89;g1f213c8c16b_0_0"/>
           <p:cNvGrpSpPr/>
           <p:nvPr/>
         </p:nvGrpSpPr>
         <p:grpSpPr>
           <a:xfrm>
             <a:off x="0" y="0"/>
-            <a:ext cx="12190680" cy="6856560"/>
+            <a:ext cx="12190320" cy="6856200"/>
             <a:chOff x="0" y="0"/>
-            <a:chExt cx="12190680" cy="6856560"/>
+            <a:chExt cx="12190320" cy="6856200"/>
           </a:xfrm>
         </p:grpSpPr>
         <p:pic>
           <p:nvPicPr>
-            <p:cNvPr id="69" name="Google Shape;90;g1f213c8c16b_0_0" descr=""/>
+            <p:cNvPr id="73" name="Google Shape;90;g1f213c8c16b_0_0" descr=""/>
             <p:cNvPicPr/>
             <p:nvPr/>
           </p:nvPicPr>
@@ -7263,7 +8948,7 @@
           <p:spPr>
             <a:xfrm>
               <a:off x="0" y="0"/>
-              <a:ext cx="12190680" cy="6856560"/>
+              <a:ext cx="12190320" cy="6856200"/>
             </a:xfrm>
             <a:prstGeom prst="rect">
               <a:avLst/>
@@ -7275,7 +8960,7 @@
         </p:pic>
         <p:pic>
           <p:nvPicPr>
-            <p:cNvPr id="70" name="Google Shape;91;g1f213c8c16b_0_0" descr=""/>
+            <p:cNvPr id="74" name="Google Shape;91;g1f213c8c16b_0_0" descr=""/>
             <p:cNvPicPr/>
             <p:nvPr/>
           </p:nvPicPr>
@@ -7286,7 +8971,7 @@
           <p:spPr>
             <a:xfrm>
               <a:off x="0" y="0"/>
-              <a:ext cx="12190680" cy="6856560"/>
+              <a:ext cx="12190320" cy="6856200"/>
             </a:xfrm>
             <a:prstGeom prst="rect">
               <a:avLst/>
@@ -7299,7 +8984,7 @@
       </p:grpSp>
       <p:pic>
         <p:nvPicPr>
-          <p:cNvPr id="71" name="Google Shape;92;g1f213c8c16b_0_0" descr=""/>
+          <p:cNvPr id="75" name="Google Shape;92;g1f213c8c16b_0_0" descr=""/>
           <p:cNvPicPr/>
           <p:nvPr/>
         </p:nvPicPr>
@@ -7310,7 +8995,7 @@
         <p:spPr>
           <a:xfrm>
             <a:off x="4219200" y="647640"/>
-            <a:ext cx="3752640" cy="1797480"/>
+            <a:ext cx="3752280" cy="1797120"/>
           </a:xfrm>
           <a:prstGeom prst="rect">
             <a:avLst/>
@@ -7322,14 +9007,14 @@
       </p:pic>
       <p:sp>
         <p:nvSpPr>
-          <p:cNvPr id="72" name="Google Shape;93;g1f213c8c16b_0_0"/>
+          <p:cNvPr id="76" name="Google Shape;93;g1f213c8c16b_0_0"/>
           <p:cNvSpPr/>
           <p:nvPr/>
         </p:nvSpPr>
         <p:spPr>
           <a:xfrm>
             <a:off x="2158560" y="2392560"/>
-            <a:ext cx="7873200" cy="1157040"/>
+            <a:ext cx="7872840" cy="1156320"/>
           </a:xfrm>
           <a:prstGeom prst="rect">
             <a:avLst/>
@@ -7379,14 +9064,14 @@
       </p:sp>
       <p:sp>
         <p:nvSpPr>
-          <p:cNvPr id="73" name="Google Shape;94;g1f213c8c16b_0_0"/>
+          <p:cNvPr id="77" name="Google Shape;94;g1f213c8c16b_0_0"/>
           <p:cNvSpPr/>
           <p:nvPr/>
         </p:nvSpPr>
         <p:spPr>
           <a:xfrm>
             <a:off x="2185200" y="3582000"/>
-            <a:ext cx="7873200" cy="699840"/>
+            <a:ext cx="7872840" cy="699120"/>
           </a:xfrm>
           <a:prstGeom prst="rect">
             <a:avLst/>
@@ -7446,7 +9131,7 @@
       </p:sp>
       <p:pic>
         <p:nvPicPr>
-          <p:cNvPr id="74" name="Google Shape;95;g1f213c8c16b_0_0" descr=""/>
+          <p:cNvPr id="78" name="Google Shape;95;g1f213c8c16b_0_0" descr=""/>
           <p:cNvPicPr/>
           <p:nvPr/>
         </p:nvPicPr>
@@ -7457,7 +9142,7 @@
         <p:spPr>
           <a:xfrm>
             <a:off x="9712800" y="5933520"/>
-            <a:ext cx="2163600" cy="668160"/>
+            <a:ext cx="2163240" cy="667800"/>
           </a:xfrm>
           <a:prstGeom prst="rect">
             <a:avLst/>
@@ -7469,21 +9154,21 @@
       </p:pic>
       <p:grpSp>
         <p:nvGrpSpPr>
-          <p:cNvPr id="75" name="Google Shape;96;g1f213c8c16b_0_0"/>
+          <p:cNvPr id="79" name="Google Shape;96;g1f213c8c16b_0_0"/>
           <p:cNvGrpSpPr/>
           <p:nvPr/>
         </p:nvGrpSpPr>
         <p:grpSpPr>
           <a:xfrm>
             <a:off x="626400" y="254520"/>
-            <a:ext cx="11250000" cy="981720"/>
+            <a:ext cx="11249640" cy="981360"/>
             <a:chOff x="626400" y="254520"/>
-            <a:chExt cx="11250000" cy="981720"/>
+            <a:chExt cx="11249640" cy="981360"/>
           </a:xfrm>
         </p:grpSpPr>
         <p:pic>
           <p:nvPicPr>
-            <p:cNvPr id="76" name="Google Shape;97;g1f213c8c16b_0_0" descr=""/>
+            <p:cNvPr id="80" name="Google Shape;97;g1f213c8c16b_0_0" descr=""/>
             <p:cNvPicPr/>
             <p:nvPr/>
           </p:nvPicPr>
@@ -7494,7 +9179,7 @@
           <p:spPr>
             <a:xfrm>
               <a:off x="10059840" y="254520"/>
-              <a:ext cx="1816560" cy="981720"/>
+              <a:ext cx="1816200" cy="981360"/>
             </a:xfrm>
             <a:prstGeom prst="rect">
               <a:avLst/>
@@ -7506,7 +9191,7 @@
         </p:pic>
         <p:pic>
           <p:nvPicPr>
-            <p:cNvPr id="77" name="Google Shape;98;g1f213c8c16b_0_0" descr=""/>
+            <p:cNvPr id="81" name="Google Shape;98;g1f213c8c16b_0_0" descr=""/>
             <p:cNvPicPr/>
             <p:nvPr/>
           </p:nvPicPr>
@@ -7517,7 +9202,7 @@
           <p:spPr>
             <a:xfrm>
               <a:off x="626400" y="484200"/>
-              <a:ext cx="1504440" cy="523080"/>
+              <a:ext cx="1504080" cy="522720"/>
             </a:xfrm>
             <a:prstGeom prst="rect">
               <a:avLst/>
@@ -7530,14 +9215,14 @@
       </p:grpSp>
       <p:sp>
         <p:nvSpPr>
-          <p:cNvPr id="78" name="Google Shape;99;g1f213c8c16b_0_0"/>
+          <p:cNvPr id="82" name="Google Shape;99;g1f213c8c16b_0_0"/>
           <p:cNvSpPr/>
           <p:nvPr/>
         </p:nvSpPr>
         <p:spPr>
           <a:xfrm>
             <a:off x="4545360" y="4447800"/>
-            <a:ext cx="2818440" cy="921960"/>
+            <a:ext cx="2818080" cy="921600"/>
           </a:xfrm>
           <a:prstGeom prst="rect">
             <a:avLst/>
@@ -7669,21 +9354,21 @@
       </p:grpSpPr>
       <p:grpSp>
         <p:nvGrpSpPr>
-          <p:cNvPr id="158" name="Google Shape;132;g1f213c8c16b_0_ 7"/>
+          <p:cNvPr id="162" name="Google Shape;132;g1f213c8c16b_0_ 7"/>
           <p:cNvGrpSpPr/>
           <p:nvPr/>
         </p:nvGrpSpPr>
         <p:grpSpPr>
           <a:xfrm>
             <a:off x="0" y="0"/>
-            <a:ext cx="12190680" cy="6856560"/>
+            <a:ext cx="12190320" cy="6856200"/>
             <a:chOff x="0" y="0"/>
-            <a:chExt cx="12190680" cy="6856560"/>
+            <a:chExt cx="12190320" cy="6856200"/>
           </a:xfrm>
         </p:grpSpPr>
         <p:pic>
           <p:nvPicPr>
-            <p:cNvPr id="159" name="Google Shape;133;g1f213c8c16b_0_ 7" descr=""/>
+            <p:cNvPr id="163" name="Google Shape;133;g1f213c8c16b_0_ 7" descr=""/>
             <p:cNvPicPr/>
             <p:nvPr/>
           </p:nvPicPr>
@@ -7695,7 +9380,7 @@
           <p:spPr>
             <a:xfrm>
               <a:off x="0" y="0"/>
-              <a:ext cx="12190680" cy="6856560"/>
+              <a:ext cx="12190320" cy="6856200"/>
             </a:xfrm>
             <a:prstGeom prst="rect">
               <a:avLst/>
@@ -7707,7 +9392,7 @@
         </p:pic>
         <p:pic>
           <p:nvPicPr>
-            <p:cNvPr id="160" name="Google Shape;134;g1f213c8c16b_0_ 7" descr=""/>
+            <p:cNvPr id="164" name="Google Shape;134;g1f213c8c16b_0_ 7" descr=""/>
             <p:cNvPicPr/>
             <p:nvPr/>
           </p:nvPicPr>
@@ -7718,7 +9403,7 @@
           <p:spPr>
             <a:xfrm>
               <a:off x="0" y="0"/>
-              <a:ext cx="12190680" cy="6856560"/>
+              <a:ext cx="12190320" cy="6856200"/>
             </a:xfrm>
             <a:prstGeom prst="rect">
               <a:avLst/>
@@ -7731,7 +9416,7 @@
       </p:grpSp>
       <p:pic>
         <p:nvPicPr>
-          <p:cNvPr id="161" name="Google Shape;136;g1f213c8c16b_0_ 7" descr=""/>
+          <p:cNvPr id="165" name="Google Shape;136;g1f213c8c16b_0_ 7" descr=""/>
           <p:cNvPicPr/>
           <p:nvPr/>
         </p:nvPicPr>
@@ -7742,7 +9427,7 @@
         <p:spPr>
           <a:xfrm>
             <a:off x="601200" y="390600"/>
-            <a:ext cx="1086480" cy="377640"/>
+            <a:ext cx="1086120" cy="377280"/>
           </a:xfrm>
           <a:prstGeom prst="rect">
             <a:avLst/>
@@ -7754,7 +9439,7 @@
       </p:pic>
       <p:pic>
         <p:nvPicPr>
-          <p:cNvPr id="162" name="Google Shape;137;g1f213c8c16b_0_ 7" descr=""/>
+          <p:cNvPr id="166" name="Google Shape;137;g1f213c8c16b_0_ 7" descr=""/>
           <p:cNvPicPr/>
           <p:nvPr/>
         </p:nvPicPr>
@@ -7765,7 +9450,7 @@
         <p:spPr>
           <a:xfrm>
             <a:off x="10231920" y="195120"/>
-            <a:ext cx="1422360" cy="768600"/>
+            <a:ext cx="1422000" cy="768240"/>
           </a:xfrm>
           <a:prstGeom prst="rect">
             <a:avLst/>
@@ -7777,7 +9462,7 @@
       </p:pic>
       <p:sp>
         <p:nvSpPr>
-          <p:cNvPr id="163" name="PlaceHolder 1"/>
+          <p:cNvPr id="167" name="PlaceHolder 1"/>
           <p:cNvSpPr>
             <a:spLocks noGrp="1"/>
           </p:cNvSpPr>
@@ -7788,7 +9473,7 @@
         <p:spPr>
           <a:xfrm>
             <a:off x="838080" y="365040"/>
-            <a:ext cx="10514160" cy="1324080"/>
+            <a:ext cx="10513800" cy="1323720"/>
           </a:xfrm>
           <a:prstGeom prst="rect">
             <a:avLst/>
@@ -7833,7 +9518,7 @@
       </p:sp>
       <p:pic>
         <p:nvPicPr>
-          <p:cNvPr id="164" name="" descr=""/>
+          <p:cNvPr id="168" name="" descr=""/>
           <p:cNvPicPr/>
           <p:nvPr/>
         </p:nvPicPr>
@@ -7844,7 +9529,7 @@
         <p:spPr>
           <a:xfrm>
             <a:off x="2340000" y="1980000"/>
-            <a:ext cx="7670880" cy="4413960"/>
+            <a:ext cx="7670520" cy="4413600"/>
           </a:xfrm>
           <a:prstGeom prst="rect">
             <a:avLst/>
@@ -7886,21 +9571,21 @@
       </p:grpSpPr>
       <p:grpSp>
         <p:nvGrpSpPr>
-          <p:cNvPr id="79" name="Google Shape;105;g1f213c8c16b_0_15"/>
+          <p:cNvPr id="83" name="Google Shape;105;g1f213c8c16b_0_15"/>
           <p:cNvGrpSpPr/>
           <p:nvPr/>
         </p:nvGrpSpPr>
         <p:grpSpPr>
           <a:xfrm>
             <a:off x="0" y="0"/>
-            <a:ext cx="12190680" cy="6856560"/>
+            <a:ext cx="12190320" cy="6856200"/>
             <a:chOff x="0" y="0"/>
-            <a:chExt cx="12190680" cy="6856560"/>
+            <a:chExt cx="12190320" cy="6856200"/>
           </a:xfrm>
         </p:grpSpPr>
         <p:pic>
           <p:nvPicPr>
-            <p:cNvPr id="80" name="Google Shape;106;g1f213c8c16b_0_15" descr=""/>
+            <p:cNvPr id="84" name="Google Shape;106;g1f213c8c16b_0_15" descr=""/>
             <p:cNvPicPr/>
             <p:nvPr/>
           </p:nvPicPr>
@@ -7912,7 +9597,7 @@
           <p:spPr>
             <a:xfrm>
               <a:off x="0" y="0"/>
-              <a:ext cx="12190680" cy="6856560"/>
+              <a:ext cx="12190320" cy="6856200"/>
             </a:xfrm>
             <a:prstGeom prst="rect">
               <a:avLst/>
@@ -7924,7 +9609,7 @@
         </p:pic>
         <p:pic>
           <p:nvPicPr>
-            <p:cNvPr id="81" name="Google Shape;107;g1f213c8c16b_0_15" descr=""/>
+            <p:cNvPr id="85" name="Google Shape;107;g1f213c8c16b_0_15" descr=""/>
             <p:cNvPicPr/>
             <p:nvPr/>
           </p:nvPicPr>
@@ -7935,7 +9620,7 @@
           <p:spPr>
             <a:xfrm>
               <a:off x="0" y="0"/>
-              <a:ext cx="12190680" cy="6856560"/>
+              <a:ext cx="12190320" cy="6856200"/>
             </a:xfrm>
             <a:prstGeom prst="rect">
               <a:avLst/>
@@ -7948,7 +9633,7 @@
       </p:grpSp>
       <p:pic>
         <p:nvPicPr>
-          <p:cNvPr id="82" name="Google Shape;108;g1f213c8c16b_0_15" descr=""/>
+          <p:cNvPr id="86" name="Google Shape;108;g1f213c8c16b_0_15" descr=""/>
           <p:cNvPicPr/>
           <p:nvPr/>
         </p:nvPicPr>
@@ -7959,7 +9644,7 @@
         <p:spPr>
           <a:xfrm>
             <a:off x="4815360" y="165600"/>
-            <a:ext cx="2337840" cy="1119240"/>
+            <a:ext cx="2337480" cy="1118880"/>
           </a:xfrm>
           <a:prstGeom prst="rect">
             <a:avLst/>
@@ -7971,14 +9656,14 @@
       </p:pic>
       <p:sp>
         <p:nvSpPr>
-          <p:cNvPr id="83" name="Google Shape;109;g1f213c8c16b_0_15"/>
+          <p:cNvPr id="87" name="Google Shape;109;g1f213c8c16b_0_15"/>
           <p:cNvSpPr/>
           <p:nvPr/>
         </p:nvSpPr>
         <p:spPr>
           <a:xfrm>
             <a:off x="2753640" y="1352160"/>
-            <a:ext cx="7105680" cy="852480"/>
+            <a:ext cx="7105320" cy="851760"/>
           </a:xfrm>
           <a:prstGeom prst="rect">
             <a:avLst/>
@@ -8028,14 +9713,14 @@
       </p:sp>
       <p:sp>
         <p:nvSpPr>
-          <p:cNvPr id="84" name="Google Shape;110;g1f213c8c16b_0_15"/>
+          <p:cNvPr id="88" name="Google Shape;110;g1f213c8c16b_0_15"/>
           <p:cNvSpPr/>
           <p:nvPr/>
         </p:nvSpPr>
         <p:spPr>
           <a:xfrm>
             <a:off x="3476160" y="2461320"/>
-            <a:ext cx="788760" cy="788760"/>
+            <a:ext cx="788400" cy="788400"/>
           </a:xfrm>
           <a:prstGeom prst="ellipse">
             <a:avLst/>
@@ -8081,14 +9766,14 @@
       </p:sp>
       <p:sp>
         <p:nvSpPr>
-          <p:cNvPr id="85" name="Google Shape;111;g1f213c8c16b_0_15"/>
+          <p:cNvPr id="89" name="Google Shape;111;g1f213c8c16b_0_15"/>
           <p:cNvSpPr/>
           <p:nvPr/>
         </p:nvSpPr>
         <p:spPr>
           <a:xfrm>
             <a:off x="3476160" y="3603960"/>
-            <a:ext cx="788760" cy="788760"/>
+            <a:ext cx="788400" cy="788400"/>
           </a:xfrm>
           <a:prstGeom prst="ellipse">
             <a:avLst/>
@@ -8134,14 +9819,14 @@
       </p:sp>
       <p:sp>
         <p:nvSpPr>
-          <p:cNvPr id="86" name="Google Shape;112;g1f213c8c16b_0_15"/>
+          <p:cNvPr id="90" name="Google Shape;112;g1f213c8c16b_0_15"/>
           <p:cNvSpPr/>
           <p:nvPr/>
         </p:nvSpPr>
         <p:spPr>
           <a:xfrm>
             <a:off x="3476160" y="4757760"/>
-            <a:ext cx="788760" cy="788760"/>
+            <a:ext cx="788400" cy="788400"/>
           </a:xfrm>
           <a:prstGeom prst="ellipse">
             <a:avLst/>
@@ -8167,6 +9852,11 @@
             <a:noAutofit/>
           </a:bodyPr>
           <a:p>
+            <a:pPr>
+              <a:lnSpc>
+                <a:spcPct val="100000"/>
+              </a:lnSpc>
+            </a:pPr>
             <a:endParaRPr b="0" lang="es-CO" sz="1800" spc="-1" strike="noStrike">
               <a:solidFill>
                 <a:schemeClr val="lt1"/>
@@ -8179,14 +9869,14 @@
       </p:sp>
       <p:sp>
         <p:nvSpPr>
-          <p:cNvPr id="87" name="Google Shape;113;g1f213c8c16b_0_15"/>
+          <p:cNvPr id="91" name="Google Shape;113;g1f213c8c16b_0_15"/>
           <p:cNvSpPr/>
           <p:nvPr/>
         </p:nvSpPr>
         <p:spPr>
           <a:xfrm>
             <a:off x="4630320" y="2580840"/>
-            <a:ext cx="4189680" cy="659160"/>
+            <a:ext cx="4189320" cy="658800"/>
           </a:xfrm>
           <a:prstGeom prst="roundRect">
             <a:avLst>
@@ -8214,6 +9904,11 @@
             <a:noAutofit/>
           </a:bodyPr>
           <a:p>
+            <a:pPr>
+              <a:lnSpc>
+                <a:spcPct val="100000"/>
+              </a:lnSpc>
+            </a:pPr>
             <a:endParaRPr b="0" lang="es-CO" sz="1800" spc="-1" strike="noStrike">
               <a:solidFill>
                 <a:srgbClr val="adf6fe"/>
@@ -8226,14 +9921,14 @@
       </p:sp>
       <p:sp>
         <p:nvSpPr>
-          <p:cNvPr id="88" name="Google Shape;114;g1f213c8c16b_0_15"/>
+          <p:cNvPr id="92" name="Google Shape;114;g1f213c8c16b_0_15"/>
           <p:cNvSpPr/>
           <p:nvPr/>
         </p:nvSpPr>
         <p:spPr>
           <a:xfrm>
             <a:off x="4630320" y="3668760"/>
-            <a:ext cx="4189680" cy="659160"/>
+            <a:ext cx="4189320" cy="658800"/>
           </a:xfrm>
           <a:prstGeom prst="roundRect">
             <a:avLst>
@@ -8261,6 +9956,11 @@
             <a:noAutofit/>
           </a:bodyPr>
           <a:p>
+            <a:pPr>
+              <a:lnSpc>
+                <a:spcPct val="100000"/>
+              </a:lnSpc>
+            </a:pPr>
             <a:endParaRPr b="0" lang="es-CO" sz="1800" spc="-1" strike="noStrike">
               <a:solidFill>
                 <a:srgbClr val="adf6fe"/>
@@ -8273,14 +9973,14 @@
       </p:sp>
       <p:sp>
         <p:nvSpPr>
-          <p:cNvPr id="89" name="Google Shape;115;g1f213c8c16b_0_15"/>
+          <p:cNvPr id="93" name="Google Shape;115;g1f213c8c16b_0_15"/>
           <p:cNvSpPr/>
           <p:nvPr/>
         </p:nvSpPr>
         <p:spPr>
           <a:xfrm>
             <a:off x="4630320" y="4822560"/>
-            <a:ext cx="4189680" cy="659160"/>
+            <a:ext cx="4189320" cy="658800"/>
           </a:xfrm>
           <a:prstGeom prst="roundRect">
             <a:avLst>
@@ -8308,6 +10008,11 @@
             <a:noAutofit/>
           </a:bodyPr>
           <a:p>
+            <a:pPr>
+              <a:lnSpc>
+                <a:spcPct val="100000"/>
+              </a:lnSpc>
+            </a:pPr>
             <a:endParaRPr b="0" lang="es-CO" sz="1800" spc="-1" strike="noStrike">
               <a:solidFill>
                 <a:srgbClr val="adf6fe"/>
@@ -8320,14 +10025,14 @@
       </p:sp>
       <p:sp>
         <p:nvSpPr>
-          <p:cNvPr id="90" name="Google Shape;116;g1f213c8c16b_0_15"/>
+          <p:cNvPr id="94" name="Google Shape;116;g1f213c8c16b_0_15"/>
           <p:cNvSpPr/>
           <p:nvPr/>
         </p:nvSpPr>
         <p:spPr>
           <a:xfrm>
             <a:off x="3587040" y="2520000"/>
-            <a:ext cx="585360" cy="699840"/>
+            <a:ext cx="585000" cy="699120"/>
           </a:xfrm>
           <a:prstGeom prst="rect">
             <a:avLst/>
@@ -8377,14 +10082,14 @@
       </p:sp>
       <p:sp>
         <p:nvSpPr>
-          <p:cNvPr id="91" name="Google Shape;117;g1f213c8c16b_0_15"/>
+          <p:cNvPr id="95" name="Google Shape;117;g1f213c8c16b_0_15"/>
           <p:cNvSpPr/>
           <p:nvPr/>
         </p:nvSpPr>
         <p:spPr>
           <a:xfrm>
             <a:off x="3594960" y="3687480"/>
-            <a:ext cx="585360" cy="699840"/>
+            <a:ext cx="585000" cy="699120"/>
           </a:xfrm>
           <a:prstGeom prst="rect">
             <a:avLst/>
@@ -8434,14 +10139,14 @@
       </p:sp>
       <p:sp>
         <p:nvSpPr>
-          <p:cNvPr id="92" name="Google Shape;118;g1f213c8c16b_0_15"/>
+          <p:cNvPr id="96" name="Google Shape;118;g1f213c8c16b_0_15"/>
           <p:cNvSpPr/>
           <p:nvPr/>
         </p:nvSpPr>
         <p:spPr>
           <a:xfrm>
             <a:off x="3578040" y="4822560"/>
-            <a:ext cx="585360" cy="699840"/>
+            <a:ext cx="585000" cy="699120"/>
           </a:xfrm>
           <a:prstGeom prst="rect">
             <a:avLst/>
@@ -8491,14 +10196,14 @@
       </p:sp>
       <p:sp>
         <p:nvSpPr>
-          <p:cNvPr id="93" name="Google Shape;119;g1f213c8c16b_0_15"/>
+          <p:cNvPr id="97" name="Google Shape;119;g1f213c8c16b_0_15"/>
           <p:cNvSpPr/>
           <p:nvPr/>
         </p:nvSpPr>
         <p:spPr>
           <a:xfrm>
             <a:off x="4630320" y="2582640"/>
-            <a:ext cx="4263480" cy="639000"/>
+            <a:ext cx="4263120" cy="638280"/>
           </a:xfrm>
           <a:prstGeom prst="rect">
             <a:avLst/>
@@ -8548,14 +10253,14 @@
       </p:sp>
       <p:sp>
         <p:nvSpPr>
-          <p:cNvPr id="94" name="Google Shape;120;g1f213c8c16b_0_15"/>
+          <p:cNvPr id="98" name="Google Shape;120;g1f213c8c16b_0_15"/>
           <p:cNvSpPr/>
           <p:nvPr/>
         </p:nvSpPr>
         <p:spPr>
           <a:xfrm>
             <a:off x="4828320" y="3687480"/>
-            <a:ext cx="3793680" cy="699840"/>
+            <a:ext cx="3793320" cy="699120"/>
           </a:xfrm>
           <a:prstGeom prst="rect">
             <a:avLst/>
@@ -8602,14 +10307,14 @@
       </p:sp>
       <p:sp>
         <p:nvSpPr>
-          <p:cNvPr id="95" name="Google Shape;121;g1f213c8c16b_0_15"/>
+          <p:cNvPr id="99" name="Google Shape;121;g1f213c8c16b_0_15"/>
           <p:cNvSpPr/>
           <p:nvPr/>
         </p:nvSpPr>
         <p:spPr>
           <a:xfrm>
             <a:off x="4630320" y="4844880"/>
-            <a:ext cx="4189680" cy="517320"/>
+            <a:ext cx="4189320" cy="516600"/>
           </a:xfrm>
           <a:prstGeom prst="rect">
             <a:avLst/>
@@ -8659,17 +10364,17 @@
       </p:sp>
       <p:cxnSp>
         <p:nvCxnSpPr>
-          <p:cNvPr id="96" name="Google Shape;122;g1f213c8c16b_0_15"/>
+          <p:cNvPr id="100" name="Google Shape;122;g1f213c8c16b_0_15"/>
           <p:cNvCxnSpPr>
-            <a:stCxn id="84" idx="4"/>
-            <a:endCxn id="85" idx="0"/>
+            <a:stCxn id="88" idx="4"/>
+            <a:endCxn id="89" idx="0"/>
           </p:cNvCxnSpPr>
           <p:nvPr/>
         </p:nvCxnSpPr>
         <p:spPr>
           <a:xfrm>
-            <a:off x="3870720" y="3250080"/>
-            <a:ext cx="360" cy="354240"/>
+            <a:off x="3870360" y="3249720"/>
+            <a:ext cx="360" cy="354600"/>
           </a:xfrm>
           <a:prstGeom prst="straightConnector1">
             <a:avLst/>
@@ -8684,16 +10389,16 @@
       </p:cxnSp>
       <p:cxnSp>
         <p:nvCxnSpPr>
-          <p:cNvPr id="97" name="Google Shape;123;g1f213c8c16b_0_15"/>
+          <p:cNvPr id="101" name="Google Shape;123;g1f213c8c16b_0_15"/>
           <p:cNvCxnSpPr>
-            <a:stCxn id="91" idx="2"/>
+            <a:stCxn id="95" idx="2"/>
           </p:cNvCxnSpPr>
           <p:nvPr/>
         </p:nvCxnSpPr>
         <p:spPr>
           <a:xfrm>
-            <a:off x="3887640" y="4387320"/>
-            <a:ext cx="2160" cy="354240"/>
+            <a:off x="3887280" y="4386600"/>
+            <a:ext cx="2880" cy="355320"/>
           </a:xfrm>
           <a:prstGeom prst="straightConnector1">
             <a:avLst/>
@@ -8708,21 +10413,21 @@
       </p:cxnSp>
       <p:grpSp>
         <p:nvGrpSpPr>
-          <p:cNvPr id="98" name="Google Shape;124;g1f213c8c16b_0_15"/>
+          <p:cNvPr id="102" name="Google Shape;124;g1f213c8c16b_0_15"/>
           <p:cNvGrpSpPr/>
           <p:nvPr/>
         </p:nvGrpSpPr>
         <p:grpSpPr>
           <a:xfrm>
             <a:off x="626400" y="254520"/>
-            <a:ext cx="11250000" cy="981720"/>
+            <a:ext cx="11249640" cy="981360"/>
             <a:chOff x="626400" y="254520"/>
-            <a:chExt cx="11250000" cy="981720"/>
+            <a:chExt cx="11249640" cy="981360"/>
           </a:xfrm>
         </p:grpSpPr>
         <p:pic>
           <p:nvPicPr>
-            <p:cNvPr id="99" name="Google Shape;125;g1f213c8c16b_0_15" descr=""/>
+            <p:cNvPr id="103" name="Google Shape;125;g1f213c8c16b_0_15" descr=""/>
             <p:cNvPicPr/>
             <p:nvPr/>
           </p:nvPicPr>
@@ -8733,7 +10438,7 @@
           <p:spPr>
             <a:xfrm>
               <a:off x="10059840" y="254520"/>
-              <a:ext cx="1816560" cy="981720"/>
+              <a:ext cx="1816200" cy="981360"/>
             </a:xfrm>
             <a:prstGeom prst="rect">
               <a:avLst/>
@@ -8745,7 +10450,7 @@
         </p:pic>
         <p:pic>
           <p:nvPicPr>
-            <p:cNvPr id="100" name="Google Shape;126;g1f213c8c16b_0_15" descr=""/>
+            <p:cNvPr id="104" name="Google Shape;126;g1f213c8c16b_0_15" descr=""/>
             <p:cNvPicPr/>
             <p:nvPr/>
           </p:nvPicPr>
@@ -8756,7 +10461,7 @@
           <p:spPr>
             <a:xfrm>
               <a:off x="626400" y="484200"/>
-              <a:ext cx="1504440" cy="523080"/>
+              <a:ext cx="1504080" cy="522720"/>
             </a:xfrm>
             <a:prstGeom prst="rect">
               <a:avLst/>
@@ -8799,21 +10504,21 @@
       </p:grpSpPr>
       <p:grpSp>
         <p:nvGrpSpPr>
-          <p:cNvPr id="101" name="Google Shape;132;g1f213c8c16b_0_41"/>
+          <p:cNvPr id="105" name="Google Shape;132;g1f213c8c16b_0_41"/>
           <p:cNvGrpSpPr/>
           <p:nvPr/>
         </p:nvGrpSpPr>
         <p:grpSpPr>
           <a:xfrm>
             <a:off x="0" y="0"/>
-            <a:ext cx="12190680" cy="6856560"/>
+            <a:ext cx="12190320" cy="6856200"/>
             <a:chOff x="0" y="0"/>
-            <a:chExt cx="12190680" cy="6856560"/>
+            <a:chExt cx="12190320" cy="6856200"/>
           </a:xfrm>
         </p:grpSpPr>
         <p:pic>
           <p:nvPicPr>
-            <p:cNvPr id="102" name="Google Shape;133;g1f213c8c16b_0_41" descr=""/>
+            <p:cNvPr id="106" name="Google Shape;133;g1f213c8c16b_0_41" descr=""/>
             <p:cNvPicPr/>
             <p:nvPr/>
           </p:nvPicPr>
@@ -8825,7 +10530,7 @@
           <p:spPr>
             <a:xfrm>
               <a:off x="0" y="0"/>
-              <a:ext cx="12190680" cy="6856560"/>
+              <a:ext cx="12190320" cy="6856200"/>
             </a:xfrm>
             <a:prstGeom prst="rect">
               <a:avLst/>
@@ -8837,7 +10542,7 @@
         </p:pic>
         <p:pic>
           <p:nvPicPr>
-            <p:cNvPr id="103" name="Google Shape;134;g1f213c8c16b_0_41" descr=""/>
+            <p:cNvPr id="107" name="Google Shape;134;g1f213c8c16b_0_41" descr=""/>
             <p:cNvPicPr/>
             <p:nvPr/>
           </p:nvPicPr>
@@ -8848,7 +10553,7 @@
           <p:spPr>
             <a:xfrm>
               <a:off x="0" y="0"/>
-              <a:ext cx="12190680" cy="6856560"/>
+              <a:ext cx="12190320" cy="6856200"/>
             </a:xfrm>
             <a:prstGeom prst="rect">
               <a:avLst/>
@@ -8861,7 +10566,7 @@
       </p:grpSp>
       <p:pic>
         <p:nvPicPr>
-          <p:cNvPr id="104" name="Google Shape;136;g1f213c8c16b_0_41" descr=""/>
+          <p:cNvPr id="108" name="Google Shape;136;g1f213c8c16b_0_41" descr=""/>
           <p:cNvPicPr/>
           <p:nvPr/>
         </p:nvPicPr>
@@ -8872,7 +10577,7 @@
         <p:spPr>
           <a:xfrm>
             <a:off x="601200" y="390600"/>
-            <a:ext cx="1086480" cy="377640"/>
+            <a:ext cx="1086120" cy="377280"/>
           </a:xfrm>
           <a:prstGeom prst="rect">
             <a:avLst/>
@@ -8884,7 +10589,7 @@
       </p:pic>
       <p:pic>
         <p:nvPicPr>
-          <p:cNvPr id="105" name="Google Shape;137;g1f213c8c16b_0_41" descr=""/>
+          <p:cNvPr id="109" name="Google Shape;137;g1f213c8c16b_0_41" descr=""/>
           <p:cNvPicPr/>
           <p:nvPr/>
         </p:nvPicPr>
@@ -8895,7 +10600,7 @@
         <p:spPr>
           <a:xfrm>
             <a:off x="10231920" y="195120"/>
-            <a:ext cx="1422360" cy="768600"/>
+            <a:ext cx="1422000" cy="768240"/>
           </a:xfrm>
           <a:prstGeom prst="rect">
             <a:avLst/>
@@ -8907,7 +10612,7 @@
       </p:pic>
       <p:sp>
         <p:nvSpPr>
-          <p:cNvPr id="106" name="PlaceHolder 1"/>
+          <p:cNvPr id="110" name="PlaceHolder 1"/>
           <p:cNvSpPr>
             <a:spLocks noGrp="1"/>
           </p:cNvSpPr>
@@ -8918,7 +10623,7 @@
         <p:spPr>
           <a:xfrm>
             <a:off x="838080" y="365040"/>
-            <a:ext cx="10514160" cy="1324080"/>
+            <a:ext cx="10513800" cy="1323720"/>
           </a:xfrm>
           <a:prstGeom prst="rect">
             <a:avLst/>
@@ -8963,7 +10668,7 @@
       </p:sp>
       <p:sp>
         <p:nvSpPr>
-          <p:cNvPr id="107" name="PlaceHolder 2"/>
+          <p:cNvPr id="111" name="PlaceHolder 2"/>
           <p:cNvSpPr>
             <a:spLocks noGrp="1"/>
           </p:cNvSpPr>
@@ -8974,7 +10679,7 @@
         <p:spPr>
           <a:xfrm>
             <a:off x="838080" y="1825560"/>
-            <a:ext cx="5180040" cy="4349880"/>
+            <a:ext cx="5179680" cy="4349520"/>
           </a:xfrm>
           <a:prstGeom prst="rect">
             <a:avLst/>
@@ -9009,7 +10714,7 @@
                 <a:latin typeface="Calibri"/>
                 <a:ea typeface="Calibri"/>
               </a:rPr>
-              <a:t>Encapsulación y Modificadores de Acceso</a:t>
+              <a:t>Encapsulación y Modificadores de Acceso (private, public y protected)</a:t>
             </a:r>
             <a:endParaRPr b="0" lang="es-CO" sz="2800" spc="-1" strike="noStrike">
               <a:solidFill>
@@ -9122,7 +10827,7 @@
       </p:sp>
       <p:pic>
         <p:nvPicPr>
-          <p:cNvPr id="108" name="" descr=""/>
+          <p:cNvPr id="112" name="" descr=""/>
           <p:cNvPicPr/>
           <p:nvPr/>
         </p:nvPicPr>
@@ -9133,7 +10838,7 @@
         <p:spPr>
           <a:xfrm>
             <a:off x="6018840" y="2488680"/>
-            <a:ext cx="5398200" cy="3090600"/>
+            <a:ext cx="5397840" cy="3090240"/>
           </a:xfrm>
           <a:prstGeom prst="rect">
             <a:avLst/>
@@ -9175,21 +10880,21 @@
       </p:grpSpPr>
       <p:grpSp>
         <p:nvGrpSpPr>
-          <p:cNvPr id="109" name="Google Shape;132;g1f213c8c16b_0_ 2"/>
+          <p:cNvPr id="113" name="Google Shape;132;g1f213c8c16b_0_ 2"/>
           <p:cNvGrpSpPr/>
           <p:nvPr/>
         </p:nvGrpSpPr>
         <p:grpSpPr>
           <a:xfrm>
             <a:off x="0" y="0"/>
-            <a:ext cx="12190680" cy="6856560"/>
+            <a:ext cx="12190320" cy="6856200"/>
             <a:chOff x="0" y="0"/>
-            <a:chExt cx="12190680" cy="6856560"/>
+            <a:chExt cx="12190320" cy="6856200"/>
           </a:xfrm>
         </p:grpSpPr>
         <p:pic>
           <p:nvPicPr>
-            <p:cNvPr id="110" name="Google Shape;133;g1f213c8c16b_0_ 2" descr=""/>
+            <p:cNvPr id="114" name="Google Shape;133;g1f213c8c16b_0_ 2" descr=""/>
             <p:cNvPicPr/>
             <p:nvPr/>
           </p:nvPicPr>
@@ -9201,7 +10906,7 @@
           <p:spPr>
             <a:xfrm>
               <a:off x="0" y="0"/>
-              <a:ext cx="12190680" cy="6856560"/>
+              <a:ext cx="12190320" cy="6856200"/>
             </a:xfrm>
             <a:prstGeom prst="rect">
               <a:avLst/>
@@ -9213,7 +10918,7 @@
         </p:pic>
         <p:pic>
           <p:nvPicPr>
-            <p:cNvPr id="111" name="Google Shape;134;g1f213c8c16b_0_ 2" descr=""/>
+            <p:cNvPr id="115" name="Google Shape;134;g1f213c8c16b_0_ 2" descr=""/>
             <p:cNvPicPr/>
             <p:nvPr/>
           </p:nvPicPr>
@@ -9224,7 +10929,7 @@
           <p:spPr>
             <a:xfrm>
               <a:off x="0" y="0"/>
-              <a:ext cx="12190680" cy="6856560"/>
+              <a:ext cx="12190320" cy="6856200"/>
             </a:xfrm>
             <a:prstGeom prst="rect">
               <a:avLst/>
@@ -9237,7 +10942,7 @@
       </p:grpSp>
       <p:pic>
         <p:nvPicPr>
-          <p:cNvPr id="112" name="Google Shape;136;g1f213c8c16b_0_ 2" descr=""/>
+          <p:cNvPr id="116" name="Google Shape;136;g1f213c8c16b_0_ 2" descr=""/>
           <p:cNvPicPr/>
           <p:nvPr/>
         </p:nvPicPr>
@@ -9248,7 +10953,7 @@
         <p:spPr>
           <a:xfrm>
             <a:off x="601200" y="390600"/>
-            <a:ext cx="1086480" cy="377640"/>
+            <a:ext cx="1086120" cy="377280"/>
           </a:xfrm>
           <a:prstGeom prst="rect">
             <a:avLst/>
@@ -9260,7 +10965,7 @@
       </p:pic>
       <p:pic>
         <p:nvPicPr>
-          <p:cNvPr id="113" name="Google Shape;137;g1f213c8c16b_0_ 2" descr=""/>
+          <p:cNvPr id="117" name="Google Shape;137;g1f213c8c16b_0_ 2" descr=""/>
           <p:cNvPicPr/>
           <p:nvPr/>
         </p:nvPicPr>
@@ -9271,7 +10976,7 @@
         <p:spPr>
           <a:xfrm>
             <a:off x="10231920" y="195120"/>
-            <a:ext cx="1422360" cy="768600"/>
+            <a:ext cx="1422000" cy="768240"/>
           </a:xfrm>
           <a:prstGeom prst="rect">
             <a:avLst/>
@@ -9283,7 +10988,7 @@
       </p:pic>
       <p:sp>
         <p:nvSpPr>
-          <p:cNvPr id="114" name="PlaceHolder 1"/>
+          <p:cNvPr id="118" name="PlaceHolder 1"/>
           <p:cNvSpPr>
             <a:spLocks noGrp="1"/>
           </p:cNvSpPr>
@@ -9294,7 +10999,7 @@
         <p:spPr>
           <a:xfrm>
             <a:off x="838080" y="365040"/>
-            <a:ext cx="10514160" cy="1324080"/>
+            <a:ext cx="10513800" cy="1323720"/>
           </a:xfrm>
           <a:prstGeom prst="rect">
             <a:avLst/>
@@ -9339,7 +11044,7 @@
       </p:sp>
       <p:sp>
         <p:nvSpPr>
-          <p:cNvPr id="115" name="PlaceHolder 2"/>
+          <p:cNvPr id="119" name="PlaceHolder 2"/>
           <p:cNvSpPr>
             <a:spLocks noGrp="1"/>
           </p:cNvSpPr>
@@ -9350,7 +11055,7 @@
         <p:spPr>
           <a:xfrm>
             <a:off x="838080" y="1825560"/>
-            <a:ext cx="5180040" cy="4349880"/>
+            <a:ext cx="5179680" cy="4349520"/>
           </a:xfrm>
           <a:prstGeom prst="rect">
             <a:avLst/>
@@ -9568,7 +11273,7 @@
       </p:sp>
       <p:pic>
         <p:nvPicPr>
-          <p:cNvPr id="116" name="" descr=""/>
+          <p:cNvPr id="120" name="" descr=""/>
           <p:cNvPicPr/>
           <p:nvPr/>
         </p:nvPicPr>
@@ -9578,8 +11283,8 @@
         </p:blipFill>
         <p:spPr>
           <a:xfrm>
-            <a:off x="5400000" y="1553040"/>
-            <a:ext cx="1684800" cy="2046960"/>
+            <a:off x="5335560" y="1553400"/>
+            <a:ext cx="1684440" cy="2046600"/>
           </a:xfrm>
           <a:prstGeom prst="rect">
             <a:avLst/>
@@ -9591,7 +11296,7 @@
       </p:pic>
       <p:pic>
         <p:nvPicPr>
-          <p:cNvPr id="117" name="" descr=""/>
+          <p:cNvPr id="121" name="" descr=""/>
           <p:cNvPicPr/>
           <p:nvPr/>
         </p:nvPicPr>
@@ -9602,7 +11307,7 @@
         <p:spPr>
           <a:xfrm>
             <a:off x="8100000" y="1620000"/>
-            <a:ext cx="3885480" cy="1846800"/>
+            <a:ext cx="3885120" cy="1846440"/>
           </a:xfrm>
           <a:prstGeom prst="rect">
             <a:avLst/>
@@ -9614,7 +11319,7 @@
       </p:pic>
       <p:pic>
         <p:nvPicPr>
-          <p:cNvPr id="118" name="" descr=""/>
+          <p:cNvPr id="122" name="" descr=""/>
           <p:cNvPicPr/>
           <p:nvPr/>
         </p:nvPicPr>
@@ -9624,8 +11329,8 @@
         </p:blipFill>
         <p:spPr>
           <a:xfrm>
-            <a:off x="5760000" y="3780000"/>
-            <a:ext cx="2145600" cy="1077120"/>
+            <a:off x="4856400" y="3689640"/>
+            <a:ext cx="3048840" cy="1530360"/>
           </a:xfrm>
           <a:prstGeom prst="rect">
             <a:avLst/>
@@ -9637,7 +11342,7 @@
       </p:pic>
       <p:pic>
         <p:nvPicPr>
-          <p:cNvPr id="119" name="" descr=""/>
+          <p:cNvPr id="123" name="" descr=""/>
           <p:cNvPicPr/>
           <p:nvPr/>
         </p:nvPicPr>
@@ -9647,8 +11352,8 @@
         </p:blipFill>
         <p:spPr>
           <a:xfrm>
-            <a:off x="8156880" y="3574440"/>
-            <a:ext cx="3542400" cy="1284840"/>
+            <a:off x="8100000" y="3554280"/>
+            <a:ext cx="3600000" cy="1305720"/>
           </a:xfrm>
           <a:prstGeom prst="rect">
             <a:avLst/>
@@ -9660,7 +11365,7 @@
       </p:pic>
       <p:pic>
         <p:nvPicPr>
-          <p:cNvPr id="120" name="" descr=""/>
+          <p:cNvPr id="124" name="" descr=""/>
           <p:cNvPicPr/>
           <p:nvPr/>
         </p:nvPicPr>
@@ -9670,8 +11375,8 @@
         </p:blipFill>
         <p:spPr>
           <a:xfrm>
-            <a:off x="6660000" y="5146920"/>
-            <a:ext cx="3427920" cy="1332360"/>
+            <a:off x="8280720" y="5040000"/>
+            <a:ext cx="3239280" cy="1258920"/>
           </a:xfrm>
           <a:prstGeom prst="rect">
             <a:avLst/>
@@ -9713,21 +11418,21 @@
       </p:grpSpPr>
       <p:grpSp>
         <p:nvGrpSpPr>
-          <p:cNvPr id="121" name="Google Shape;132;g1f213c8c16b_0_ 3"/>
+          <p:cNvPr id="125" name="Google Shape;132;g1f213c8c16b_0_ 3"/>
           <p:cNvGrpSpPr/>
           <p:nvPr/>
         </p:nvGrpSpPr>
         <p:grpSpPr>
           <a:xfrm>
             <a:off x="0" y="0"/>
-            <a:ext cx="12190680" cy="6856560"/>
+            <a:ext cx="12190320" cy="6856200"/>
             <a:chOff x="0" y="0"/>
-            <a:chExt cx="12190680" cy="6856560"/>
+            <a:chExt cx="12190320" cy="6856200"/>
           </a:xfrm>
         </p:grpSpPr>
         <p:pic>
           <p:nvPicPr>
-            <p:cNvPr id="122" name="Google Shape;133;g1f213c8c16b_0_ 3" descr=""/>
+            <p:cNvPr id="126" name="Google Shape;133;g1f213c8c16b_0_ 3" descr=""/>
             <p:cNvPicPr/>
             <p:nvPr/>
           </p:nvPicPr>
@@ -9739,7 +11444,7 @@
           <p:spPr>
             <a:xfrm>
               <a:off x="0" y="0"/>
-              <a:ext cx="12190680" cy="6856560"/>
+              <a:ext cx="12190320" cy="6856200"/>
             </a:xfrm>
             <a:prstGeom prst="rect">
               <a:avLst/>
@@ -9751,7 +11456,7 @@
         </p:pic>
         <p:pic>
           <p:nvPicPr>
-            <p:cNvPr id="123" name="Google Shape;134;g1f213c8c16b_0_ 3" descr=""/>
+            <p:cNvPr id="127" name="Google Shape;134;g1f213c8c16b_0_ 3" descr=""/>
             <p:cNvPicPr/>
             <p:nvPr/>
           </p:nvPicPr>
@@ -9762,7 +11467,7 @@
           <p:spPr>
             <a:xfrm>
               <a:off x="0" y="0"/>
-              <a:ext cx="12190680" cy="6856560"/>
+              <a:ext cx="12190320" cy="6856200"/>
             </a:xfrm>
             <a:prstGeom prst="rect">
               <a:avLst/>
@@ -9775,7 +11480,7 @@
       </p:grpSp>
       <p:pic>
         <p:nvPicPr>
-          <p:cNvPr id="124" name="Google Shape;136;g1f213c8c16b_0_ 3" descr=""/>
+          <p:cNvPr id="128" name="Google Shape;136;g1f213c8c16b_0_ 3" descr=""/>
           <p:cNvPicPr/>
           <p:nvPr/>
         </p:nvPicPr>
@@ -9786,7 +11491,7 @@
         <p:spPr>
           <a:xfrm>
             <a:off x="601200" y="390600"/>
-            <a:ext cx="1086480" cy="377640"/>
+            <a:ext cx="1086120" cy="377280"/>
           </a:xfrm>
           <a:prstGeom prst="rect">
             <a:avLst/>
@@ -9798,7 +11503,7 @@
       </p:pic>
       <p:pic>
         <p:nvPicPr>
-          <p:cNvPr id="125" name="Google Shape;137;g1f213c8c16b_0_ 3" descr=""/>
+          <p:cNvPr id="129" name="Google Shape;137;g1f213c8c16b_0_ 3" descr=""/>
           <p:cNvPicPr/>
           <p:nvPr/>
         </p:nvPicPr>
@@ -9809,7 +11514,7 @@
         <p:spPr>
           <a:xfrm>
             <a:off x="10231920" y="195120"/>
-            <a:ext cx="1422360" cy="768600"/>
+            <a:ext cx="1422000" cy="768240"/>
           </a:xfrm>
           <a:prstGeom prst="rect">
             <a:avLst/>
@@ -9821,7 +11526,7 @@
       </p:pic>
       <p:sp>
         <p:nvSpPr>
-          <p:cNvPr id="126" name="PlaceHolder 1"/>
+          <p:cNvPr id="130" name="PlaceHolder 1"/>
           <p:cNvSpPr>
             <a:spLocks noGrp="1"/>
           </p:cNvSpPr>
@@ -9832,7 +11537,7 @@
         <p:spPr>
           <a:xfrm>
             <a:off x="838080" y="365040"/>
-            <a:ext cx="10514160" cy="1324080"/>
+            <a:ext cx="10513800" cy="1323720"/>
           </a:xfrm>
           <a:prstGeom prst="rect">
             <a:avLst/>
@@ -9877,7 +11582,7 @@
       </p:sp>
       <p:pic>
         <p:nvPicPr>
-          <p:cNvPr id="127" name="" descr=""/>
+          <p:cNvPr id="131" name="" descr=""/>
           <p:cNvPicPr/>
           <p:nvPr/>
         </p:nvPicPr>
@@ -9887,8 +11592,8 @@
         </p:blipFill>
         <p:spPr>
           <a:xfrm>
-            <a:off x="4191480" y="2536560"/>
-            <a:ext cx="3187800" cy="2322720"/>
+            <a:off x="3960000" y="2458080"/>
+            <a:ext cx="3296520" cy="2401920"/>
           </a:xfrm>
           <a:prstGeom prst="rect">
             <a:avLst/>
@@ -9900,7 +11605,7 @@
       </p:pic>
       <p:pic>
         <p:nvPicPr>
-          <p:cNvPr id="128" name="" descr=""/>
+          <p:cNvPr id="132" name="" descr=""/>
           <p:cNvPicPr/>
           <p:nvPr/>
         </p:nvPicPr>
@@ -9910,8 +11615,8 @@
         </p:blipFill>
         <p:spPr>
           <a:xfrm>
-            <a:off x="32040" y="2316600"/>
-            <a:ext cx="3927240" cy="3082680"/>
+            <a:off x="32040" y="1980000"/>
+            <a:ext cx="3747960" cy="2941920"/>
           </a:xfrm>
           <a:prstGeom prst="rect">
             <a:avLst/>
@@ -9923,7 +11628,7 @@
       </p:pic>
       <p:pic>
         <p:nvPicPr>
-          <p:cNvPr id="129" name="" descr=""/>
+          <p:cNvPr id="133" name="" descr=""/>
           <p:cNvPicPr/>
           <p:nvPr/>
         </p:nvPicPr>
@@ -9934,7 +11639,7 @@
         <p:spPr>
           <a:xfrm>
             <a:off x="7732080" y="2115720"/>
-            <a:ext cx="4147200" cy="3637800"/>
+            <a:ext cx="4146840" cy="3637440"/>
           </a:xfrm>
           <a:prstGeom prst="rect">
             <a:avLst/>
@@ -9976,21 +11681,21 @@
       </p:grpSpPr>
       <p:grpSp>
         <p:nvGrpSpPr>
-          <p:cNvPr id="130" name="Google Shape;132;g1f213c8c16b_0_ 4"/>
+          <p:cNvPr id="134" name="Google Shape;132;g1f213c8c16b_0_ 4"/>
           <p:cNvGrpSpPr/>
           <p:nvPr/>
         </p:nvGrpSpPr>
         <p:grpSpPr>
           <a:xfrm>
             <a:off x="0" y="0"/>
-            <a:ext cx="12190680" cy="6856560"/>
+            <a:ext cx="12190320" cy="6856200"/>
             <a:chOff x="0" y="0"/>
-            <a:chExt cx="12190680" cy="6856560"/>
+            <a:chExt cx="12190320" cy="6856200"/>
           </a:xfrm>
         </p:grpSpPr>
         <p:pic>
           <p:nvPicPr>
-            <p:cNvPr id="131" name="Google Shape;133;g1f213c8c16b_0_ 4" descr=""/>
+            <p:cNvPr id="135" name="Google Shape;133;g1f213c8c16b_0_ 4" descr=""/>
             <p:cNvPicPr/>
             <p:nvPr/>
           </p:nvPicPr>
@@ -10002,7 +11707,7 @@
           <p:spPr>
             <a:xfrm>
               <a:off x="0" y="0"/>
-              <a:ext cx="12190680" cy="6856560"/>
+              <a:ext cx="12190320" cy="6856200"/>
             </a:xfrm>
             <a:prstGeom prst="rect">
               <a:avLst/>
@@ -10014,7 +11719,7 @@
         </p:pic>
         <p:pic>
           <p:nvPicPr>
-            <p:cNvPr id="132" name="Google Shape;134;g1f213c8c16b_0_ 4" descr=""/>
+            <p:cNvPr id="136" name="Google Shape;134;g1f213c8c16b_0_ 4" descr=""/>
             <p:cNvPicPr/>
             <p:nvPr/>
           </p:nvPicPr>
@@ -10025,7 +11730,7 @@
           <p:spPr>
             <a:xfrm>
               <a:off x="0" y="0"/>
-              <a:ext cx="12190680" cy="6856560"/>
+              <a:ext cx="12190320" cy="6856200"/>
             </a:xfrm>
             <a:prstGeom prst="rect">
               <a:avLst/>
@@ -10038,7 +11743,7 @@
       </p:grpSp>
       <p:pic>
         <p:nvPicPr>
-          <p:cNvPr id="133" name="Google Shape;136;g1f213c8c16b_0_ 4" descr=""/>
+          <p:cNvPr id="137" name="Google Shape;136;g1f213c8c16b_0_ 4" descr=""/>
           <p:cNvPicPr/>
           <p:nvPr/>
         </p:nvPicPr>
@@ -10049,7 +11754,7 @@
         <p:spPr>
           <a:xfrm>
             <a:off x="601200" y="390600"/>
-            <a:ext cx="1086480" cy="377640"/>
+            <a:ext cx="1086120" cy="377280"/>
           </a:xfrm>
           <a:prstGeom prst="rect">
             <a:avLst/>
@@ -10061,7 +11766,7 @@
       </p:pic>
       <p:pic>
         <p:nvPicPr>
-          <p:cNvPr id="134" name="Google Shape;137;g1f213c8c16b_0_ 4" descr=""/>
+          <p:cNvPr id="138" name="Google Shape;137;g1f213c8c16b_0_ 4" descr=""/>
           <p:cNvPicPr/>
           <p:nvPr/>
         </p:nvPicPr>
@@ -10072,7 +11777,7 @@
         <p:spPr>
           <a:xfrm>
             <a:off x="10231920" y="195120"/>
-            <a:ext cx="1422360" cy="768600"/>
+            <a:ext cx="1422000" cy="768240"/>
           </a:xfrm>
           <a:prstGeom prst="rect">
             <a:avLst/>
@@ -10084,7 +11789,7 @@
       </p:pic>
       <p:sp>
         <p:nvSpPr>
-          <p:cNvPr id="135" name="PlaceHolder 1"/>
+          <p:cNvPr id="139" name="PlaceHolder 1"/>
           <p:cNvSpPr>
             <a:spLocks noGrp="1"/>
           </p:cNvSpPr>
@@ -10095,7 +11800,7 @@
         <p:spPr>
           <a:xfrm>
             <a:off x="838080" y="365040"/>
-            <a:ext cx="10514160" cy="1324080"/>
+            <a:ext cx="10513800" cy="1323720"/>
           </a:xfrm>
           <a:prstGeom prst="rect">
             <a:avLst/>
@@ -10140,7 +11845,7 @@
       </p:sp>
       <p:pic>
         <p:nvPicPr>
-          <p:cNvPr id="136" name="" descr=""/>
+          <p:cNvPr id="140" name="" descr=""/>
           <p:cNvPicPr/>
           <p:nvPr/>
         </p:nvPicPr>
@@ -10151,7 +11856,7 @@
         <p:spPr>
           <a:xfrm>
             <a:off x="3539880" y="1741320"/>
-            <a:ext cx="5114880" cy="3371400"/>
+            <a:ext cx="5114520" cy="3371040"/>
           </a:xfrm>
           <a:prstGeom prst="rect">
             <a:avLst/>
@@ -10193,21 +11898,21 @@
       </p:grpSpPr>
       <p:grpSp>
         <p:nvGrpSpPr>
-          <p:cNvPr id="137" name="Google Shape;132;g1f213c8c16b_0_ 5"/>
+          <p:cNvPr id="141" name="Google Shape;132;g1f213c8c16b_0_ 5"/>
           <p:cNvGrpSpPr/>
           <p:nvPr/>
         </p:nvGrpSpPr>
         <p:grpSpPr>
           <a:xfrm>
             <a:off x="0" y="0"/>
-            <a:ext cx="12190680" cy="6856560"/>
+            <a:ext cx="12190320" cy="6856200"/>
             <a:chOff x="0" y="0"/>
-            <a:chExt cx="12190680" cy="6856560"/>
+            <a:chExt cx="12190320" cy="6856200"/>
           </a:xfrm>
         </p:grpSpPr>
         <p:pic>
           <p:nvPicPr>
-            <p:cNvPr id="138" name="Google Shape;133;g1f213c8c16b_0_ 5" descr=""/>
+            <p:cNvPr id="142" name="Google Shape;133;g1f213c8c16b_0_ 5" descr=""/>
             <p:cNvPicPr/>
             <p:nvPr/>
           </p:nvPicPr>
@@ -10219,7 +11924,7 @@
           <p:spPr>
             <a:xfrm>
               <a:off x="0" y="0"/>
-              <a:ext cx="12190680" cy="6856560"/>
+              <a:ext cx="12190320" cy="6856200"/>
             </a:xfrm>
             <a:prstGeom prst="rect">
               <a:avLst/>
@@ -10231,7 +11936,7 @@
         </p:pic>
         <p:pic>
           <p:nvPicPr>
-            <p:cNvPr id="139" name="Google Shape;134;g1f213c8c16b_0_ 5" descr=""/>
+            <p:cNvPr id="143" name="Google Shape;134;g1f213c8c16b_0_ 5" descr=""/>
             <p:cNvPicPr/>
             <p:nvPr/>
           </p:nvPicPr>
@@ -10242,7 +11947,7 @@
           <p:spPr>
             <a:xfrm>
               <a:off x="0" y="0"/>
-              <a:ext cx="12190680" cy="6856560"/>
+              <a:ext cx="12190320" cy="6856200"/>
             </a:xfrm>
             <a:prstGeom prst="rect">
               <a:avLst/>
@@ -10255,7 +11960,7 @@
       </p:grpSp>
       <p:pic>
         <p:nvPicPr>
-          <p:cNvPr id="140" name="Google Shape;136;g1f213c8c16b_0_ 5" descr=""/>
+          <p:cNvPr id="144" name="Google Shape;136;g1f213c8c16b_0_ 5" descr=""/>
           <p:cNvPicPr/>
           <p:nvPr/>
         </p:nvPicPr>
@@ -10266,7 +11971,7 @@
         <p:spPr>
           <a:xfrm>
             <a:off x="601200" y="390600"/>
-            <a:ext cx="1086480" cy="377640"/>
+            <a:ext cx="1086120" cy="377280"/>
           </a:xfrm>
           <a:prstGeom prst="rect">
             <a:avLst/>
@@ -10278,7 +11983,7 @@
       </p:pic>
       <p:pic>
         <p:nvPicPr>
-          <p:cNvPr id="141" name="Google Shape;137;g1f213c8c16b_0_ 5" descr=""/>
+          <p:cNvPr id="145" name="Google Shape;137;g1f213c8c16b_0_ 5" descr=""/>
           <p:cNvPicPr/>
           <p:nvPr/>
         </p:nvPicPr>
@@ -10289,7 +11994,7 @@
         <p:spPr>
           <a:xfrm>
             <a:off x="10231920" y="195120"/>
-            <a:ext cx="1422360" cy="768600"/>
+            <a:ext cx="1422000" cy="768240"/>
           </a:xfrm>
           <a:prstGeom prst="rect">
             <a:avLst/>
@@ -10301,7 +12006,7 @@
       </p:pic>
       <p:sp>
         <p:nvSpPr>
-          <p:cNvPr id="142" name="PlaceHolder 1"/>
+          <p:cNvPr id="146" name="PlaceHolder 1"/>
           <p:cNvSpPr>
             <a:spLocks noGrp="1"/>
           </p:cNvSpPr>
@@ -10312,7 +12017,7 @@
         <p:spPr>
           <a:xfrm>
             <a:off x="838080" y="365040"/>
-            <a:ext cx="10514160" cy="1324080"/>
+            <a:ext cx="10513800" cy="1323720"/>
           </a:xfrm>
           <a:prstGeom prst="rect">
             <a:avLst/>
@@ -10357,7 +12062,7 @@
       </p:sp>
       <p:pic>
         <p:nvPicPr>
-          <p:cNvPr id="143" name="" descr=""/>
+          <p:cNvPr id="147" name="" descr=""/>
           <p:cNvPicPr/>
           <p:nvPr/>
         </p:nvPicPr>
@@ -10368,7 +12073,7 @@
         <p:spPr>
           <a:xfrm>
             <a:off x="2968920" y="1850760"/>
-            <a:ext cx="6257160" cy="3152160"/>
+            <a:ext cx="6256800" cy="3151800"/>
           </a:xfrm>
           <a:prstGeom prst="rect">
             <a:avLst/>
@@ -10410,21 +12115,21 @@
       </p:grpSpPr>
       <p:grpSp>
         <p:nvGrpSpPr>
-          <p:cNvPr id="144" name="Google Shape;132;g1f213c8c16b_0_ 6"/>
+          <p:cNvPr id="148" name="Google Shape;132;g1f213c8c16b_0_ 6"/>
           <p:cNvGrpSpPr/>
           <p:nvPr/>
         </p:nvGrpSpPr>
         <p:grpSpPr>
           <a:xfrm>
             <a:off x="0" y="0"/>
-            <a:ext cx="12190680" cy="6856560"/>
+            <a:ext cx="12190320" cy="6856200"/>
             <a:chOff x="0" y="0"/>
-            <a:chExt cx="12190680" cy="6856560"/>
+            <a:chExt cx="12190320" cy="6856200"/>
           </a:xfrm>
         </p:grpSpPr>
         <p:pic>
           <p:nvPicPr>
-            <p:cNvPr id="145" name="Google Shape;133;g1f213c8c16b_0_ 6" descr=""/>
+            <p:cNvPr id="149" name="Google Shape;133;g1f213c8c16b_0_ 6" descr=""/>
             <p:cNvPicPr/>
             <p:nvPr/>
           </p:nvPicPr>
@@ -10436,7 +12141,7 @@
           <p:spPr>
             <a:xfrm>
               <a:off x="0" y="0"/>
-              <a:ext cx="12190680" cy="6856560"/>
+              <a:ext cx="12190320" cy="6856200"/>
             </a:xfrm>
             <a:prstGeom prst="rect">
               <a:avLst/>
@@ -10448,7 +12153,7 @@
         </p:pic>
         <p:pic>
           <p:nvPicPr>
-            <p:cNvPr id="146" name="Google Shape;134;g1f213c8c16b_0_ 6" descr=""/>
+            <p:cNvPr id="150" name="Google Shape;134;g1f213c8c16b_0_ 6" descr=""/>
             <p:cNvPicPr/>
             <p:nvPr/>
           </p:nvPicPr>
@@ -10459,7 +12164,7 @@
           <p:spPr>
             <a:xfrm>
               <a:off x="0" y="0"/>
-              <a:ext cx="12190680" cy="6856560"/>
+              <a:ext cx="12190320" cy="6856200"/>
             </a:xfrm>
             <a:prstGeom prst="rect">
               <a:avLst/>
@@ -10472,7 +12177,7 @@
       </p:grpSp>
       <p:pic>
         <p:nvPicPr>
-          <p:cNvPr id="147" name="Google Shape;136;g1f213c8c16b_0_ 6" descr=""/>
+          <p:cNvPr id="151" name="Google Shape;136;g1f213c8c16b_0_ 6" descr=""/>
           <p:cNvPicPr/>
           <p:nvPr/>
         </p:nvPicPr>
@@ -10483,7 +12188,7 @@
         <p:spPr>
           <a:xfrm>
             <a:off x="601200" y="390600"/>
-            <a:ext cx="1086480" cy="377640"/>
+            <a:ext cx="1086120" cy="377280"/>
           </a:xfrm>
           <a:prstGeom prst="rect">
             <a:avLst/>
@@ -10495,7 +12200,7 @@
       </p:pic>
       <p:pic>
         <p:nvPicPr>
-          <p:cNvPr id="148" name="Google Shape;137;g1f213c8c16b_0_ 6" descr=""/>
+          <p:cNvPr id="152" name="Google Shape;137;g1f213c8c16b_0_ 6" descr=""/>
           <p:cNvPicPr/>
           <p:nvPr/>
         </p:nvPicPr>
@@ -10506,7 +12211,7 @@
         <p:spPr>
           <a:xfrm>
             <a:off x="10231920" y="195120"/>
-            <a:ext cx="1422360" cy="768600"/>
+            <a:ext cx="1422000" cy="768240"/>
           </a:xfrm>
           <a:prstGeom prst="rect">
             <a:avLst/>
@@ -10518,7 +12223,7 @@
       </p:pic>
       <p:sp>
         <p:nvSpPr>
-          <p:cNvPr id="149" name="PlaceHolder 1"/>
+          <p:cNvPr id="153" name="PlaceHolder 1"/>
           <p:cNvSpPr>
             <a:spLocks noGrp="1"/>
           </p:cNvSpPr>
@@ -10529,7 +12234,7 @@
         <p:spPr>
           <a:xfrm>
             <a:off x="838080" y="365040"/>
-            <a:ext cx="10514160" cy="1324080"/>
+            <a:ext cx="10513800" cy="1323720"/>
           </a:xfrm>
           <a:prstGeom prst="rect">
             <a:avLst/>
@@ -10574,7 +12279,7 @@
       </p:sp>
       <p:pic>
         <p:nvPicPr>
-          <p:cNvPr id="150" name="" descr=""/>
+          <p:cNvPr id="154" name="" descr=""/>
           <p:cNvPicPr/>
           <p:nvPr/>
         </p:nvPicPr>
@@ -10585,7 +12290,7 @@
         <p:spPr>
           <a:xfrm>
             <a:off x="2559240" y="1804680"/>
-            <a:ext cx="7076520" cy="4494960"/>
+            <a:ext cx="7076160" cy="4494600"/>
           </a:xfrm>
           <a:prstGeom prst="rect">
             <a:avLst/>
@@ -10627,21 +12332,21 @@
       </p:grpSpPr>
       <p:grpSp>
         <p:nvGrpSpPr>
-          <p:cNvPr id="151" name="Google Shape;132;g1f213c8c16b_0_ 1"/>
+          <p:cNvPr id="155" name="Google Shape;132;g1f213c8c16b_0_ 1"/>
           <p:cNvGrpSpPr/>
           <p:nvPr/>
         </p:nvGrpSpPr>
         <p:grpSpPr>
           <a:xfrm>
             <a:off x="0" y="0"/>
-            <a:ext cx="12190680" cy="6856560"/>
+            <a:ext cx="12190320" cy="6856200"/>
             <a:chOff x="0" y="0"/>
-            <a:chExt cx="12190680" cy="6856560"/>
+            <a:chExt cx="12190320" cy="6856200"/>
           </a:xfrm>
         </p:grpSpPr>
         <p:pic>
           <p:nvPicPr>
-            <p:cNvPr id="152" name="Google Shape;133;g1f213c8c16b_0_ 1" descr=""/>
+            <p:cNvPr id="156" name="Google Shape;133;g1f213c8c16b_0_ 1" descr=""/>
             <p:cNvPicPr/>
             <p:nvPr/>
           </p:nvPicPr>
@@ -10653,7 +12358,7 @@
           <p:spPr>
             <a:xfrm>
               <a:off x="0" y="0"/>
-              <a:ext cx="12190680" cy="6856560"/>
+              <a:ext cx="12190320" cy="6856200"/>
             </a:xfrm>
             <a:prstGeom prst="rect">
               <a:avLst/>
@@ -10665,7 +12370,7 @@
         </p:pic>
         <p:pic>
           <p:nvPicPr>
-            <p:cNvPr id="153" name="Google Shape;134;g1f213c8c16b_0_ 1" descr=""/>
+            <p:cNvPr id="157" name="Google Shape;134;g1f213c8c16b_0_ 1" descr=""/>
             <p:cNvPicPr/>
             <p:nvPr/>
           </p:nvPicPr>
@@ -10676,7 +12381,7 @@
           <p:spPr>
             <a:xfrm>
               <a:off x="0" y="0"/>
-              <a:ext cx="12190680" cy="6856560"/>
+              <a:ext cx="12190320" cy="6856200"/>
             </a:xfrm>
             <a:prstGeom prst="rect">
               <a:avLst/>
@@ -10689,7 +12394,7 @@
       </p:grpSp>
       <p:pic>
         <p:nvPicPr>
-          <p:cNvPr id="154" name="Google Shape;136;g1f213c8c16b_0_ 1" descr=""/>
+          <p:cNvPr id="158" name="Google Shape;136;g1f213c8c16b_0_ 1" descr=""/>
           <p:cNvPicPr/>
           <p:nvPr/>
         </p:nvPicPr>
@@ -10700,7 +12405,7 @@
         <p:spPr>
           <a:xfrm>
             <a:off x="601200" y="390600"/>
-            <a:ext cx="1086480" cy="377640"/>
+            <a:ext cx="1086120" cy="377280"/>
           </a:xfrm>
           <a:prstGeom prst="rect">
             <a:avLst/>
@@ -10712,7 +12417,7 @@
       </p:pic>
       <p:pic>
         <p:nvPicPr>
-          <p:cNvPr id="155" name="Google Shape;137;g1f213c8c16b_0_ 1" descr=""/>
+          <p:cNvPr id="159" name="Google Shape;137;g1f213c8c16b_0_ 1" descr=""/>
           <p:cNvPicPr/>
           <p:nvPr/>
         </p:nvPicPr>
@@ -10723,7 +12428,7 @@
         <p:spPr>
           <a:xfrm>
             <a:off x="10231920" y="195120"/>
-            <a:ext cx="1422360" cy="768600"/>
+            <a:ext cx="1422000" cy="768240"/>
           </a:xfrm>
           <a:prstGeom prst="rect">
             <a:avLst/>
@@ -10735,7 +12440,7 @@
       </p:pic>
       <p:sp>
         <p:nvSpPr>
-          <p:cNvPr id="156" name="PlaceHolder 1"/>
+          <p:cNvPr id="160" name="PlaceHolder 1"/>
           <p:cNvSpPr>
             <a:spLocks noGrp="1"/>
           </p:cNvSpPr>
@@ -10746,7 +12451,7 @@
         <p:spPr>
           <a:xfrm>
             <a:off x="838080" y="365040"/>
-            <a:ext cx="10514160" cy="1324080"/>
+            <a:ext cx="10513800" cy="1323720"/>
           </a:xfrm>
           <a:prstGeom prst="rect">
             <a:avLst/>
@@ -10791,7 +12496,7 @@
       </p:sp>
       <p:sp>
         <p:nvSpPr>
-          <p:cNvPr id="157" name="PlaceHolder 2"/>
+          <p:cNvPr id="161" name="PlaceHolder 2"/>
           <p:cNvSpPr>
             <a:spLocks noGrp="1"/>
           </p:cNvSpPr>
@@ -10802,7 +12507,7 @@
         <p:spPr>
           <a:xfrm>
             <a:off x="838080" y="1825560"/>
-            <a:ext cx="10860840" cy="4349880"/>
+            <a:ext cx="10860480" cy="4349520"/>
           </a:xfrm>
           <a:prstGeom prst="rect">
             <a:avLst/>
@@ -11026,324 +12731,6 @@
       </a:hlink>
       <a:folHlink>
         <a:srgbClr val="954f72"/>
-      </a:folHlink>
-    </a:clrScheme>
-    <a:fontScheme name="Office">
-      <a:majorFont>
-        <a:latin typeface="Arial" pitchFamily="0" charset="1"/>
-        <a:ea typeface="DejaVu Sans" pitchFamily="0" charset="1"/>
-        <a:cs typeface="DejaVu Sans" pitchFamily="0" charset="1"/>
-      </a:majorFont>
-      <a:minorFont>
-        <a:latin typeface="Arial" pitchFamily="0" charset="1"/>
-        <a:ea typeface="DejaVu Sans" pitchFamily="0" charset="1"/>
-        <a:cs typeface="DejaVu Sans" pitchFamily="0" charset="1"/>
-      </a:minorFont>
-    </a:fontScheme>
-    <a:fmtScheme>
-      <a:fillStyleLst>
-        <a:solidFill>
-          <a:schemeClr val="phClr"/>
-        </a:solidFill>
-        <a:solidFill>
-          <a:schemeClr val="phClr"/>
-        </a:solidFill>
-        <a:solidFill>
-          <a:schemeClr val="phClr"/>
-        </a:solidFill>
-      </a:fillStyleLst>
-      <a:lnStyleLst>
-        <a:ln w="6350" cap="flat" cmpd="sng" algn="ctr">
-          <a:prstDash val="solid"/>
-          <a:miter/>
-        </a:ln>
-        <a:ln w="6350" cap="flat" cmpd="sng" algn="ctr">
-          <a:prstDash val="solid"/>
-          <a:miter/>
-        </a:ln>
-        <a:ln w="6350" cap="flat" cmpd="sng" algn="ctr">
-          <a:prstDash val="solid"/>
-          <a:miter/>
-        </a:ln>
-      </a:lnStyleLst>
-      <a:effectStyleLst>
-        <a:effectStyle>
-          <a:effectLst/>
-        </a:effectStyle>
-        <a:effectStyle>
-          <a:effectLst/>
-        </a:effectStyle>
-        <a:effectStyle>
-          <a:effectLst/>
-        </a:effectStyle>
-      </a:effectStyleLst>
-      <a:bgFillStyleLst>
-        <a:solidFill>
-          <a:schemeClr val="phClr"/>
-        </a:solidFill>
-        <a:solidFill>
-          <a:schemeClr val="phClr"/>
-        </a:solidFill>
-        <a:solidFill>
-          <a:schemeClr val="phClr"/>
-        </a:solidFill>
-      </a:bgFillStyleLst>
-    </a:fmtScheme>
-  </a:themeElements>
-</a:theme>
-</file>
-
-<file path=ppt/theme/theme10.xml><?xml version="1.0" encoding="utf-8"?>
-<a:theme xmlns:a="http://schemas.openxmlformats.org/drawingml/2006/main" xmlns:r="http://schemas.openxmlformats.org/officeDocument/2006/relationships" name="Tema de Office">
-  <a:themeElements>
-    <a:clrScheme name="Office">
-      <a:dk1>
-        <a:srgbClr val="000000"/>
-      </a:dk1>
-      <a:lt1>
-        <a:srgbClr val="ffffff"/>
-      </a:lt1>
-      <a:dk2>
-        <a:srgbClr val="44546a"/>
-      </a:dk2>
-      <a:lt2>
-        <a:srgbClr val="e7e6e6"/>
-      </a:lt2>
-      <a:accent1>
-        <a:srgbClr val="4472c4"/>
-      </a:accent1>
-      <a:accent2>
-        <a:srgbClr val="ed7d31"/>
-      </a:accent2>
-      <a:accent3>
-        <a:srgbClr val="a5a5a5"/>
-      </a:accent3>
-      <a:accent4>
-        <a:srgbClr val="ffc000"/>
-      </a:accent4>
-      <a:accent5>
-        <a:srgbClr val="5b9bd5"/>
-      </a:accent5>
-      <a:accent6>
-        <a:srgbClr val="70ad47"/>
-      </a:accent6>
-      <a:hlink>
-        <a:srgbClr val="0563c1"/>
-      </a:hlink>
-      <a:folHlink>
-        <a:srgbClr val="954f72"/>
-      </a:folHlink>
-    </a:clrScheme>
-    <a:fontScheme name="Office">
-      <a:majorFont>
-        <a:latin typeface="Arial" pitchFamily="0" charset="1"/>
-        <a:ea typeface="DejaVu Sans" pitchFamily="0" charset="1"/>
-        <a:cs typeface="DejaVu Sans" pitchFamily="0" charset="1"/>
-      </a:majorFont>
-      <a:minorFont>
-        <a:latin typeface="Arial" pitchFamily="0" charset="1"/>
-        <a:ea typeface="DejaVu Sans" pitchFamily="0" charset="1"/>
-        <a:cs typeface="DejaVu Sans" pitchFamily="0" charset="1"/>
-      </a:minorFont>
-    </a:fontScheme>
-    <a:fmtScheme>
-      <a:fillStyleLst>
-        <a:solidFill>
-          <a:schemeClr val="phClr"/>
-        </a:solidFill>
-        <a:solidFill>
-          <a:schemeClr val="phClr"/>
-        </a:solidFill>
-        <a:solidFill>
-          <a:schemeClr val="phClr"/>
-        </a:solidFill>
-      </a:fillStyleLst>
-      <a:lnStyleLst>
-        <a:ln w="6350" cap="flat" cmpd="sng" algn="ctr">
-          <a:prstDash val="solid"/>
-          <a:miter/>
-        </a:ln>
-        <a:ln w="6350" cap="flat" cmpd="sng" algn="ctr">
-          <a:prstDash val="solid"/>
-          <a:miter/>
-        </a:ln>
-        <a:ln w="6350" cap="flat" cmpd="sng" algn="ctr">
-          <a:prstDash val="solid"/>
-          <a:miter/>
-        </a:ln>
-      </a:lnStyleLst>
-      <a:effectStyleLst>
-        <a:effectStyle>
-          <a:effectLst/>
-        </a:effectStyle>
-        <a:effectStyle>
-          <a:effectLst/>
-        </a:effectStyle>
-        <a:effectStyle>
-          <a:effectLst/>
-        </a:effectStyle>
-      </a:effectStyleLst>
-      <a:bgFillStyleLst>
-        <a:solidFill>
-          <a:schemeClr val="phClr"/>
-        </a:solidFill>
-        <a:solidFill>
-          <a:schemeClr val="phClr"/>
-        </a:solidFill>
-        <a:solidFill>
-          <a:schemeClr val="phClr"/>
-        </a:solidFill>
-      </a:bgFillStyleLst>
-    </a:fmtScheme>
-  </a:themeElements>
-</a:theme>
-</file>
-
-<file path=ppt/theme/theme11.xml><?xml version="1.0" encoding="utf-8"?>
-<a:theme xmlns:a="http://schemas.openxmlformats.org/drawingml/2006/main" xmlns:r="http://schemas.openxmlformats.org/officeDocument/2006/relationships" name="Tema de Office">
-  <a:themeElements>
-    <a:clrScheme name="Office">
-      <a:dk1>
-        <a:srgbClr val="000000"/>
-      </a:dk1>
-      <a:lt1>
-        <a:srgbClr val="ffffff"/>
-      </a:lt1>
-      <a:dk2>
-        <a:srgbClr val="44546a"/>
-      </a:dk2>
-      <a:lt2>
-        <a:srgbClr val="e7e6e6"/>
-      </a:lt2>
-      <a:accent1>
-        <a:srgbClr val="4472c4"/>
-      </a:accent1>
-      <a:accent2>
-        <a:srgbClr val="ed7d31"/>
-      </a:accent2>
-      <a:accent3>
-        <a:srgbClr val="a5a5a5"/>
-      </a:accent3>
-      <a:accent4>
-        <a:srgbClr val="ffc000"/>
-      </a:accent4>
-      <a:accent5>
-        <a:srgbClr val="5b9bd5"/>
-      </a:accent5>
-      <a:accent6>
-        <a:srgbClr val="70ad47"/>
-      </a:accent6>
-      <a:hlink>
-        <a:srgbClr val="0563c1"/>
-      </a:hlink>
-      <a:folHlink>
-        <a:srgbClr val="954f72"/>
-      </a:folHlink>
-    </a:clrScheme>
-    <a:fontScheme name="Office">
-      <a:majorFont>
-        <a:latin typeface="Arial" pitchFamily="0" charset="1"/>
-        <a:ea typeface="DejaVu Sans" pitchFamily="0" charset="1"/>
-        <a:cs typeface="DejaVu Sans" pitchFamily="0" charset="1"/>
-      </a:majorFont>
-      <a:minorFont>
-        <a:latin typeface="Arial" pitchFamily="0" charset="1"/>
-        <a:ea typeface="DejaVu Sans" pitchFamily="0" charset="1"/>
-        <a:cs typeface="DejaVu Sans" pitchFamily="0" charset="1"/>
-      </a:minorFont>
-    </a:fontScheme>
-    <a:fmtScheme>
-      <a:fillStyleLst>
-        <a:solidFill>
-          <a:schemeClr val="phClr"/>
-        </a:solidFill>
-        <a:solidFill>
-          <a:schemeClr val="phClr"/>
-        </a:solidFill>
-        <a:solidFill>
-          <a:schemeClr val="phClr"/>
-        </a:solidFill>
-      </a:fillStyleLst>
-      <a:lnStyleLst>
-        <a:ln w="6350" cap="flat" cmpd="sng" algn="ctr">
-          <a:prstDash val="solid"/>
-          <a:miter/>
-        </a:ln>
-        <a:ln w="6350" cap="flat" cmpd="sng" algn="ctr">
-          <a:prstDash val="solid"/>
-          <a:miter/>
-        </a:ln>
-        <a:ln w="6350" cap="flat" cmpd="sng" algn="ctr">
-          <a:prstDash val="solid"/>
-          <a:miter/>
-        </a:ln>
-      </a:lnStyleLst>
-      <a:effectStyleLst>
-        <a:effectStyle>
-          <a:effectLst/>
-        </a:effectStyle>
-        <a:effectStyle>
-          <a:effectLst/>
-        </a:effectStyle>
-        <a:effectStyle>
-          <a:effectLst/>
-        </a:effectStyle>
-      </a:effectStyleLst>
-      <a:bgFillStyleLst>
-        <a:solidFill>
-          <a:schemeClr val="phClr"/>
-        </a:solidFill>
-        <a:solidFill>
-          <a:schemeClr val="phClr"/>
-        </a:solidFill>
-        <a:solidFill>
-          <a:schemeClr val="phClr"/>
-        </a:solidFill>
-      </a:bgFillStyleLst>
-    </a:fmtScheme>
-  </a:themeElements>
-</a:theme>
-</file>
-
-<file path=ppt/theme/theme12.xml><?xml version="1.0" encoding="utf-8"?>
-<a:theme xmlns:a="http://schemas.openxmlformats.org/drawingml/2006/main" xmlns:r="http://schemas.openxmlformats.org/officeDocument/2006/relationships" name="Office Theme">
-  <a:themeElements>
-    <a:clrScheme name="LibreOffice">
-      <a:dk1>
-        <a:srgbClr val="000000"/>
-      </a:dk1>
-      <a:lt1>
-        <a:srgbClr val="ffffff"/>
-      </a:lt1>
-      <a:dk2>
-        <a:srgbClr val="000000"/>
-      </a:dk2>
-      <a:lt2>
-        <a:srgbClr val="ffffff"/>
-      </a:lt2>
-      <a:accent1>
-        <a:srgbClr val="18a303"/>
-      </a:accent1>
-      <a:accent2>
-        <a:srgbClr val="0369a3"/>
-      </a:accent2>
-      <a:accent3>
-        <a:srgbClr val="a33e03"/>
-      </a:accent3>
-      <a:accent4>
-        <a:srgbClr val="8e03a3"/>
-      </a:accent4>
-      <a:accent5>
-        <a:srgbClr val="c99c00"/>
-      </a:accent5>
-      <a:accent6>
-        <a:srgbClr val="c9211e"/>
-      </a:accent6>
-      <a:hlink>
-        <a:srgbClr val="0000ee"/>
-      </a:hlink>
-      <a:folHlink>
-        <a:srgbClr val="551a8b"/>
       </a:folHlink>
     </a:clrScheme>
     <a:fontScheme name="Office">
@@ -12154,9 +13541,9 @@
 </file>
 
 <file path=ppt/theme/theme9.xml><?xml version="1.0" encoding="utf-8"?>
-<a:theme xmlns:a="http://schemas.openxmlformats.org/drawingml/2006/main" xmlns:r="http://schemas.openxmlformats.org/officeDocument/2006/relationships" name="Tema de Office">
+<a:theme xmlns:a="http://schemas.openxmlformats.org/drawingml/2006/main" xmlns:r="http://schemas.openxmlformats.org/officeDocument/2006/relationships" name="Office Theme">
   <a:themeElements>
-    <a:clrScheme name="Office">
+    <a:clrScheme name="LibreOffice">
       <a:dk1>
         <a:srgbClr val="000000"/>
       </a:dk1>
@@ -12164,34 +13551,34 @@
         <a:srgbClr val="ffffff"/>
       </a:lt1>
       <a:dk2>
-        <a:srgbClr val="44546a"/>
+        <a:srgbClr val="000000"/>
       </a:dk2>
       <a:lt2>
-        <a:srgbClr val="e7e6e6"/>
+        <a:srgbClr val="ffffff"/>
       </a:lt2>
       <a:accent1>
-        <a:srgbClr val="4472c4"/>
+        <a:srgbClr val="18a303"/>
       </a:accent1>
       <a:accent2>
-        <a:srgbClr val="ed7d31"/>
+        <a:srgbClr val="0369a3"/>
       </a:accent2>
       <a:accent3>
-        <a:srgbClr val="a5a5a5"/>
+        <a:srgbClr val="a33e03"/>
       </a:accent3>
       <a:accent4>
-        <a:srgbClr val="ffc000"/>
+        <a:srgbClr val="8e03a3"/>
       </a:accent4>
       <a:accent5>
-        <a:srgbClr val="5b9bd5"/>
+        <a:srgbClr val="c99c00"/>
       </a:accent5>
       <a:accent6>
-        <a:srgbClr val="70ad47"/>
+        <a:srgbClr val="c9211e"/>
       </a:accent6>
       <a:hlink>
-        <a:srgbClr val="0563c1"/>
+        <a:srgbClr val="0000ee"/>
       </a:hlink>
       <a:folHlink>
-        <a:srgbClr val="954f72"/>
+        <a:srgbClr val="551a8b"/>
       </a:folHlink>
     </a:clrScheme>
     <a:fontScheme name="Office">
